--- a/buyers_presentation.pptx
+++ b/buyers_presentation.pptx
@@ -12,6 +12,7 @@
     <p:sldId id="258" r:id="rId3"/>
     <p:sldId id="259" r:id="rId4"/>
     <p:sldId id="260" r:id="rId10"/>
+    <p:sldId id="261" r:id="rId11"/>
   </p:sldIdLst>
   <p:sldSz cx="9144000" cy="6858000" type="screen4x3"/>
   <p:notesSz cx="6858000" cy="9144000"/>
@@ -19500,7 +19501,7 @@
                           <a:ea typeface="+mn-ea"/>
                           <a:cs typeface="+mn-cs"/>
                         </a:rPr>
-                        <a:t>DP:12,831.21
+                        <a:t>DP:12,816.36
 AUM:29,250.00</a:t>
                       </a:r>
                     </a:p>
@@ -22719,7 +22720,7 @@
                           <a:ea typeface="+mn-ea"/>
                           <a:cs typeface="+mn-cs"/>
                         </a:rPr>
-                        <a:t>#</a:t>
+                        <a:t>4</a:t>
                       </a:r>
                       <a:endParaRPr lang="en-US" sz="600" b="1" i="0" u="none" kern="1200" noProof="0" dirty="0">
                         <a:solidFill>
@@ -23004,7 +23005,7 @@
                           <a:ea typeface="+mn-ea"/>
                           <a:cs typeface="+mn-cs"/>
                         </a:rPr>
-                        <a:t>Country4</a:t>
+                        <a:t>United States</a:t>
                       </a:r>
                     </a:p>
                   </a:txBody>
@@ -23083,7 +23084,7 @@
                           <a:ea typeface="+mn-ea"/>
                           <a:cs typeface="+mn-cs"/>
                         </a:rPr>
-                        <a:t>Type4</a:t>
+                        <a:t>Private Equity</a:t>
                       </a:r>
                     </a:p>
                   </a:txBody>
@@ -23160,58 +23161,9 @@
                           <a:ea typeface="+mn-ea"/>
                           <a:cs typeface="+mn-cs"/>
                         </a:rPr>
-                        <a:t>DryPowder4</a:t>
+                        <a:t>DP:0.00
+AUM:0.00</a:t>
                       </a:r>
-                    </a:p>
-                    <a:p>
-                      <a:pPr marL="0" marR="0" lvl="0" indent="0" algn="ctr" defTabSz="914395" rtl="0" eaLnBrk="1" fontAlgn="t" latinLnBrk="0" hangingPunct="1">
-                        <a:lnSpc>
-                          <a:spcPct val="100000"/>
-                        </a:lnSpc>
-                        <a:spcBef>
-                          <a:spcPts val="0"/>
-                        </a:spcBef>
-                        <a:spcAft>
-                          <a:spcPts val="0"/>
-                        </a:spcAft>
-                        <a:buClrTx/>
-                        <a:buSzTx/>
-                        <a:buFontTx/>
-                        <a:buNone/>
-                        <a:tabLst/>
-                        <a:defRPr/>
-                      </a:pPr>
-                      <a:r>
-                        <a:rPr kumimoji="0" lang="en-US" sz="700" b="0" i="0" u="none" strike="noStrike" kern="1200" cap="none" spc="0" normalizeH="0" baseline="0" noProof="0" dirty="0">
-                          <a:ln>
-                            <a:noFill/>
-                          </a:ln>
-                          <a:solidFill>
-                            <a:srgbClr val="003B4C"/>
-                          </a:solidFill>
-                          <a:effectLst/>
-                          <a:uLnTx/>
-                          <a:uFillTx/>
-                          <a:latin typeface="Arial" panose="020B0604020202020204" pitchFamily="34" charset="0"/>
-                          <a:ea typeface="+mn-ea"/>
-                          <a:cs typeface="+mn-cs"/>
-                        </a:rPr>
-                        <a:t>AUM4</a:t>
-                      </a:r>
-                      <a:endParaRPr kumimoji="0" lang="en-US" sz="700" b="0" i="0" u="none" strike="noStrike" kern="1200" cap="none" spc="0" normalizeH="0" baseline="0" noProof="0" dirty="0">
-                        <a:ln>
-                          <a:noFill/>
-                        </a:ln>
-                        <a:solidFill>
-                          <a:srgbClr val="FF0000"/>
-                        </a:solidFill>
-                        <a:effectLst/>
-                        <a:uLnTx/>
-                        <a:uFillTx/>
-                        <a:latin typeface="+mn-lt"/>
-                        <a:ea typeface="+mn-ea"/>
-                        <a:cs typeface="+mn-cs"/>
-                      </a:endParaRPr>
                     </a:p>
                   </a:txBody>
                   <a:tcPr marL="0" marR="0" marT="0" marB="0" anchor="ctr">
@@ -23288,7 +23240,7 @@
                           <a:cs typeface="+mn-cs"/>
                           <a:sym typeface="Wingdings"/>
                         </a:rPr>
-                        <a:t></a:t>
+                        <a:t>✓</a:t>
                       </a:r>
                       <a:endParaRPr kumimoji="0" lang="en-US" sz="2200" b="0" i="0" u="none" strike="noStrike" kern="1200" cap="none" spc="0" normalizeH="0" baseline="0" noProof="0" dirty="0">
                         <a:ln>
@@ -23496,7 +23448,7 @@
                           </a:solidFill>
                           <a:latin typeface="+mn-lt"/>
                         </a:rPr>
-                        <a:t>Investment1</a:t>
+                        <a:t>Provider of non-pedagogical services to educational institutions in the municipality of Belo Horizonte.</a:t>
                       </a:r>
                     </a:p>
                   </a:txBody>
@@ -23690,7 +23642,7 @@
                           </a:solidFill>
                           <a:latin typeface="+mn-lt"/>
                         </a:rPr>
-                        <a:t>Investment2</a:t>
+                        <a:t>Manufacturer of window coverings and architectural products intended to serve customers across the globe.</a:t>
                       </a:r>
                     </a:p>
                   </a:txBody>
@@ -23884,7 +23836,7 @@
                           </a:solidFill>
                           <a:latin typeface="+mn-lt"/>
                         </a:rPr>
-                        <a:t>Investment3</a:t>
+                        <a:t>Operator of quick service restaurants intended to serve food products.</a:t>
                       </a:r>
                     </a:p>
                   </a:txBody>
@@ -23970,7 +23922,7 @@
                           <a:ea typeface="+mn-ea"/>
                           <a:cs typeface="+mn-cs"/>
                         </a:rPr>
-                        <a:t>#</a:t>
+                        <a:t>5</a:t>
                       </a:r>
                       <a:endParaRPr lang="en-US" sz="600" b="1" i="0" u="none" kern="1200" noProof="0" dirty="0">
                         <a:solidFill>
@@ -24279,7 +24231,7 @@
                           <a:ea typeface="+mn-ea"/>
                           <a:cs typeface="+mn-cs"/>
                         </a:rPr>
-                        <a:t>Country5</a:t>
+                        <a:t>Brazil</a:t>
                       </a:r>
                     </a:p>
                   </a:txBody>
@@ -24358,7 +24310,8 @@
                           <a:ea typeface="+mn-ea"/>
                           <a:cs typeface="+mn-cs"/>
                         </a:rPr>
-                        <a:t>Type5</a:t>
+                        <a:t>Family Office
+nan</a:t>
                       </a:r>
                     </a:p>
                   </a:txBody>
@@ -24435,43 +24388,8 @@
                           <a:ea typeface="+mn-ea"/>
                           <a:cs typeface="+mn-cs"/>
                         </a:rPr>
-                        <a:t>DryPowder5</a:t>
-                      </a:r>
-                    </a:p>
-                    <a:p>
-                      <a:pPr marL="0" marR="0" lvl="0" indent="0" algn="ctr" defTabSz="914395" rtl="0" eaLnBrk="1" fontAlgn="t" latinLnBrk="0" hangingPunct="1">
-                        <a:lnSpc>
-                          <a:spcPct val="100000"/>
-                        </a:lnSpc>
-                        <a:spcBef>
-                          <a:spcPts val="0"/>
-                        </a:spcBef>
-                        <a:spcAft>
-                          <a:spcPts val="0"/>
-                        </a:spcAft>
-                        <a:buClrTx/>
-                        <a:buSzTx/>
-                        <a:buFontTx/>
-                        <a:buNone/>
-                        <a:tabLst/>
-                        <a:defRPr/>
-                      </a:pPr>
-                      <a:r>
-                        <a:rPr kumimoji="0" lang="en-US" sz="700" b="0" i="0" u="none" strike="noStrike" kern="1200" cap="none" spc="0" normalizeH="0" baseline="0" noProof="0" dirty="0">
-                          <a:ln>
-                            <a:noFill/>
-                          </a:ln>
-                          <a:solidFill>
-                            <a:srgbClr val="003B4C"/>
-                          </a:solidFill>
-                          <a:effectLst/>
-                          <a:uLnTx/>
-                          <a:uFillTx/>
-                          <a:latin typeface="Arial" panose="020B0604020202020204" pitchFamily="34" charset="0"/>
-                          <a:ea typeface="+mn-ea"/>
-                          <a:cs typeface="+mn-cs"/>
-                        </a:rPr>
-                        <a:t>AUM5</a:t>
+                        <a:t>DP:0.00
+AUM:0.00</a:t>
                       </a:r>
                     </a:p>
                   </a:txBody>
@@ -24549,7 +24467,7 @@
                           <a:cs typeface="+mn-cs"/>
                           <a:sym typeface="Wingdings"/>
                         </a:rPr>
-                        <a:t></a:t>
+                        <a:t>✓</a:t>
                       </a:r>
                       <a:endParaRPr kumimoji="0" lang="en-US" sz="2200" b="0" i="0" u="none" strike="noStrike" kern="1200" cap="none" spc="0" normalizeH="0" baseline="0" noProof="0" dirty="0">
                         <a:ln>
@@ -24757,7 +24675,7 @@
                           </a:solidFill>
                           <a:latin typeface="+mn-lt"/>
                         </a:rPr>
-                        <a:t>Investment1</a:t>
+                        <a:t>Developer of corporate healthcare management technology intended to take care of corporate health needs.</a:t>
                       </a:r>
                     </a:p>
                   </a:txBody>
@@ -24951,7 +24869,7 @@
                           </a:solidFill>
                           <a:latin typeface="+mn-lt"/>
                         </a:rPr>
-                        <a:t>Investment2</a:t>
+                        <a:t>Operator of a healthcare clinic network intended to offer quality medical care at an affordable cost.</a:t>
                       </a:r>
                     </a:p>
                   </a:txBody>
@@ -25145,7 +25063,7 @@
                           </a:solidFill>
                           <a:latin typeface="+mn-lt"/>
                         </a:rPr>
-                        <a:t>Investment3</a:t>
+                        <a:t>Developer of an online healthcare platform designed to provide digital medical prescriptions and deliver medications.</a:t>
                       </a:r>
                     </a:p>
                   </a:txBody>
@@ -25221,7 +25139,7 @@
       </p:pic>
       <p:pic>
         <p:nvPicPr>
-          <p:cNvPr id="5" name="Picture 4" descr="linc_favi.png"/>
+          <p:cNvPr id="5" name="Picture 4" descr="ebanx.png"/>
           <p:cNvPicPr>
             <a:picLocks noChangeAspect="1"/>
           </p:cNvPicPr>
@@ -25229,6 +25147,30 @@
         </p:nvPicPr>
         <p:blipFill>
           <a:blip r:embed="rId3"/>
+          <a:stretch>
+            <a:fillRect/>
+          </a:stretch>
+        </p:blipFill>
+        <p:spPr>
+          <a:xfrm>
+            <a:off x="7420465" y="1465053"/>
+            <a:ext cx="1393299" cy="472645"/>
+          </a:xfrm>
+          <a:prstGeom prst="rect">
+            <a:avLst/>
+          </a:prstGeom>
+        </p:spPr>
+      </p:pic>
+      <p:pic>
+        <p:nvPicPr>
+          <p:cNvPr id="6" name="Picture 5" descr="linc_favi.png"/>
+          <p:cNvPicPr>
+            <a:picLocks noChangeAspect="1"/>
+          </p:cNvPicPr>
+          <p:nvPr/>
+        </p:nvPicPr>
+        <p:blipFill>
+          <a:blip r:embed="rId4"/>
           <a:stretch>
             <a:fillRect/>
           </a:stretch>
@@ -25245,14 +25187,14 @@
       </p:pic>
       <p:pic>
         <p:nvPicPr>
-          <p:cNvPr id="6" name="Picture 5" descr="axxongroup.br.png"/>
+          <p:cNvPr id="7" name="Picture 6" descr="axxongroup.br.png"/>
           <p:cNvPicPr>
             <a:picLocks noChangeAspect="1"/>
           </p:cNvPicPr>
           <p:nvPr/>
         </p:nvPicPr>
         <p:blipFill>
-          <a:blip r:embed="rId4"/>
+          <a:blip r:embed="rId5"/>
           <a:stretch>
             <a:fillRect/>
           </a:stretch>
@@ -25269,14 +25211,14 @@
       </p:pic>
       <p:pic>
         <p:nvPicPr>
-          <p:cNvPr id="7" name="Picture 6" descr="alperseguros.br.png"/>
+          <p:cNvPr id="8" name="Picture 7" descr="alperseguros.br.png"/>
           <p:cNvPicPr>
             <a:picLocks noChangeAspect="1"/>
           </p:cNvPicPr>
           <p:nvPr/>
         </p:nvPicPr>
         <p:blipFill>
-          <a:blip r:embed="rId5"/>
+          <a:blip r:embed="rId6"/>
           <a:stretch>
             <a:fillRect/>
           </a:stretch>
@@ -25293,7 +25235,7315 @@
       </p:pic>
       <p:pic>
         <p:nvPicPr>
-          <p:cNvPr id="8" name="Picture 7" descr="linc_favi.png"/>
+          <p:cNvPr id="9" name="Picture 8" descr="estrategiaconcursos.br.png"/>
+          <p:cNvPicPr>
+            <a:picLocks noChangeAspect="1"/>
+          </p:cNvPicPr>
+          <p:nvPr/>
+        </p:nvPicPr>
+        <p:blipFill>
+          <a:blip r:embed="rId7"/>
+          <a:stretch>
+            <a:fillRect/>
+          </a:stretch>
+        </p:blipFill>
+        <p:spPr>
+          <a:xfrm>
+            <a:off x="5872355" y="2408715"/>
+            <a:ext cx="1393299" cy="468121"/>
+          </a:xfrm>
+          <a:prstGeom prst="rect">
+            <a:avLst/>
+          </a:prstGeom>
+        </p:spPr>
+      </p:pic>
+      <p:pic>
+        <p:nvPicPr>
+          <p:cNvPr id="10" name="Picture 9" descr="alibra.br.png"/>
+          <p:cNvPicPr>
+            <a:picLocks noChangeAspect="1"/>
+          </p:cNvPicPr>
+          <p:nvPr/>
+        </p:nvPicPr>
+        <p:blipFill>
+          <a:blip r:embed="rId8"/>
+          <a:stretch>
+            <a:fillRect/>
+          </a:stretch>
+        </p:blipFill>
+        <p:spPr>
+          <a:xfrm>
+            <a:off x="7420465" y="2408715"/>
+            <a:ext cx="1393299" cy="468121"/>
+          </a:xfrm>
+          <a:prstGeom prst="rect">
+            <a:avLst/>
+          </a:prstGeom>
+        </p:spPr>
+      </p:pic>
+      <p:pic>
+        <p:nvPicPr>
+          <p:cNvPr id="11" name="Picture 10" descr="linc_favi.png"/>
+          <p:cNvPicPr>
+            <a:picLocks noChangeAspect="1"/>
+          </p:cNvPicPr>
+          <p:nvPr/>
+        </p:nvPicPr>
+        <p:blipFill>
+          <a:blip r:embed="rId4"/>
+          <a:stretch>
+            <a:fillRect/>
+          </a:stretch>
+        </p:blipFill>
+        <p:spPr>
+          <a:xfrm>
+            <a:off x="1915332" y="2333816"/>
+            <a:ext cx="309090" cy="280872"/>
+          </a:xfrm>
+          <a:prstGeom prst="rect">
+            <a:avLst/>
+          </a:prstGeom>
+        </p:spPr>
+      </p:pic>
+      <p:pic>
+        <p:nvPicPr>
+          <p:cNvPr id="12" name="Picture 11" descr="a16z.png"/>
+          <p:cNvPicPr>
+            <a:picLocks noChangeAspect="1"/>
+          </p:cNvPicPr>
+          <p:nvPr/>
+        </p:nvPicPr>
+        <p:blipFill>
+          <a:blip r:embed="rId9"/>
+          <a:stretch>
+            <a:fillRect/>
+          </a:stretch>
+        </p:blipFill>
+        <p:spPr>
+          <a:xfrm>
+            <a:off x="570789" y="3344958"/>
+            <a:ext cx="1390906" cy="561745"/>
+          </a:xfrm>
+          <a:prstGeom prst="rect">
+            <a:avLst/>
+          </a:prstGeom>
+        </p:spPr>
+      </p:pic>
+      <p:pic>
+        <p:nvPicPr>
+          <p:cNvPr id="13" name="Picture 12" descr="ng.cash.png"/>
+          <p:cNvPicPr>
+            <a:picLocks noChangeAspect="1"/>
+          </p:cNvPicPr>
+          <p:nvPr/>
+        </p:nvPicPr>
+        <p:blipFill>
+          <a:blip r:embed="rId10"/>
+          <a:stretch>
+            <a:fillRect/>
+          </a:stretch>
+        </p:blipFill>
+        <p:spPr>
+          <a:xfrm>
+            <a:off x="4324245" y="3344958"/>
+            <a:ext cx="1393299" cy="468121"/>
+          </a:xfrm>
+          <a:prstGeom prst="rect">
+            <a:avLst/>
+          </a:prstGeom>
+        </p:spPr>
+      </p:pic>
+      <p:pic>
+        <p:nvPicPr>
+          <p:cNvPr id="14" name="Picture 13" descr="usetako.png"/>
+          <p:cNvPicPr>
+            <a:picLocks noChangeAspect="1"/>
+          </p:cNvPicPr>
+          <p:nvPr/>
+        </p:nvPicPr>
+        <p:blipFill>
+          <a:blip r:embed="rId11"/>
+          <a:stretch>
+            <a:fillRect/>
+          </a:stretch>
+        </p:blipFill>
+        <p:spPr>
+          <a:xfrm>
+            <a:off x="5872355" y="3344958"/>
+            <a:ext cx="1393299" cy="468121"/>
+          </a:xfrm>
+          <a:prstGeom prst="rect">
+            <a:avLst/>
+          </a:prstGeom>
+        </p:spPr>
+      </p:pic>
+      <p:pic>
+        <p:nvPicPr>
+          <p:cNvPr id="15" name="Picture 14" descr="nuvia.co.png"/>
+          <p:cNvPicPr>
+            <a:picLocks noChangeAspect="1"/>
+          </p:cNvPicPr>
+          <p:nvPr/>
+        </p:nvPicPr>
+        <p:blipFill>
+          <a:blip r:embed="rId12"/>
+          <a:stretch>
+            <a:fillRect/>
+          </a:stretch>
+        </p:blipFill>
+        <p:spPr>
+          <a:xfrm>
+            <a:off x="7420465" y="3344958"/>
+            <a:ext cx="1393299" cy="468121"/>
+          </a:xfrm>
+          <a:prstGeom prst="rect">
+            <a:avLst/>
+          </a:prstGeom>
+        </p:spPr>
+      </p:pic>
+      <p:pic>
+        <p:nvPicPr>
+          <p:cNvPr id="16" name="Picture 15" descr="linc_favi.png"/>
+          <p:cNvPicPr>
+            <a:picLocks noChangeAspect="1"/>
+          </p:cNvPicPr>
+          <p:nvPr/>
+        </p:nvPicPr>
+        <p:blipFill>
+          <a:blip r:embed="rId4"/>
+          <a:stretch>
+            <a:fillRect/>
+          </a:stretch>
+        </p:blipFill>
+        <p:spPr>
+          <a:xfrm>
+            <a:off x="1915332" y="3270059"/>
+            <a:ext cx="309090" cy="280872"/>
+          </a:xfrm>
+          <a:prstGeom prst="rect">
+            <a:avLst/>
+          </a:prstGeom>
+        </p:spPr>
+      </p:pic>
+      <p:pic>
+        <p:nvPicPr>
+          <p:cNvPr id="17" name="Picture 16" descr="3g-capital.png"/>
+          <p:cNvPicPr>
+            <a:picLocks noChangeAspect="1"/>
+          </p:cNvPicPr>
+          <p:nvPr/>
+        </p:nvPicPr>
+        <p:blipFill>
+          <a:blip r:embed="rId13"/>
+          <a:stretch>
+            <a:fillRect/>
+          </a:stretch>
+        </p:blipFill>
+        <p:spPr>
+          <a:xfrm>
+            <a:off x="570789" y="4281201"/>
+            <a:ext cx="1390906" cy="561745"/>
+          </a:xfrm>
+          <a:prstGeom prst="rect">
+            <a:avLst/>
+          </a:prstGeom>
+        </p:spPr>
+      </p:pic>
+      <p:pic>
+        <p:nvPicPr>
+          <p:cNvPr id="18" name="Picture 17" descr="inovabh.br.png"/>
+          <p:cNvPicPr>
+            <a:picLocks noChangeAspect="1"/>
+          </p:cNvPicPr>
+          <p:nvPr/>
+        </p:nvPicPr>
+        <p:blipFill>
+          <a:blip r:embed="rId14"/>
+          <a:stretch>
+            <a:fillRect/>
+          </a:stretch>
+        </p:blipFill>
+        <p:spPr>
+          <a:xfrm>
+            <a:off x="4324245" y="4281201"/>
+            <a:ext cx="1393299" cy="468121"/>
+          </a:xfrm>
+          <a:prstGeom prst="rect">
+            <a:avLst/>
+          </a:prstGeom>
+        </p:spPr>
+      </p:pic>
+      <p:pic>
+        <p:nvPicPr>
+          <p:cNvPr id="19" name="Picture 18" descr="hunterdouglasgroup.png"/>
+          <p:cNvPicPr>
+            <a:picLocks noChangeAspect="1"/>
+          </p:cNvPicPr>
+          <p:nvPr/>
+        </p:nvPicPr>
+        <p:blipFill>
+          <a:blip r:embed="rId15"/>
+          <a:stretch>
+            <a:fillRect/>
+          </a:stretch>
+        </p:blipFill>
+        <p:spPr>
+          <a:xfrm>
+            <a:off x="5872355" y="4281201"/>
+            <a:ext cx="1393299" cy="468121"/>
+          </a:xfrm>
+          <a:prstGeom prst="rect">
+            <a:avLst/>
+          </a:prstGeom>
+        </p:spPr>
+      </p:pic>
+      <p:pic>
+        <p:nvPicPr>
+          <p:cNvPr id="20" name="Picture 19" descr="rbi.png"/>
+          <p:cNvPicPr>
+            <a:picLocks noChangeAspect="1"/>
+          </p:cNvPicPr>
+          <p:nvPr/>
+        </p:nvPicPr>
+        <p:blipFill>
+          <a:blip r:embed="rId16"/>
+          <a:stretch>
+            <a:fillRect/>
+          </a:stretch>
+        </p:blipFill>
+        <p:spPr>
+          <a:xfrm>
+            <a:off x="7420465" y="4281201"/>
+            <a:ext cx="1393299" cy="468121"/>
+          </a:xfrm>
+          <a:prstGeom prst="rect">
+            <a:avLst/>
+          </a:prstGeom>
+        </p:spPr>
+      </p:pic>
+      <p:pic>
+        <p:nvPicPr>
+          <p:cNvPr id="21" name="Picture 20" descr="lts-investments.png"/>
+          <p:cNvPicPr>
+            <a:picLocks noChangeAspect="1"/>
+          </p:cNvPicPr>
+          <p:nvPr/>
+        </p:nvPicPr>
+        <p:blipFill>
+          <a:blip r:embed="rId17"/>
+          <a:stretch>
+            <a:fillRect/>
+          </a:stretch>
+        </p:blipFill>
+        <p:spPr>
+          <a:xfrm>
+            <a:off x="570789" y="5217444"/>
+            <a:ext cx="1390906" cy="561745"/>
+          </a:xfrm>
+          <a:prstGeom prst="rect">
+            <a:avLst/>
+          </a:prstGeom>
+        </p:spPr>
+      </p:pic>
+      <p:pic>
+        <p:nvPicPr>
+          <p:cNvPr id="22" name="Picture 21" descr="3778.care.png"/>
+          <p:cNvPicPr>
+            <a:picLocks noChangeAspect="1"/>
+          </p:cNvPicPr>
+          <p:nvPr/>
+        </p:nvPicPr>
+        <p:blipFill>
+          <a:blip r:embed="rId18"/>
+          <a:stretch>
+            <a:fillRect/>
+          </a:stretch>
+        </p:blipFill>
+        <p:spPr>
+          <a:xfrm>
+            <a:off x="4324245" y="5217444"/>
+            <a:ext cx="1393299" cy="468121"/>
+          </a:xfrm>
+          <a:prstGeom prst="rect">
+            <a:avLst/>
+          </a:prstGeom>
+        </p:spPr>
+      </p:pic>
+      <p:pic>
+        <p:nvPicPr>
+          <p:cNvPr id="23" name="Picture 22" descr="drconsulta.png"/>
+          <p:cNvPicPr>
+            <a:picLocks noChangeAspect="1"/>
+          </p:cNvPicPr>
+          <p:nvPr/>
+        </p:nvPicPr>
+        <p:blipFill>
+          <a:blip r:embed="rId19"/>
+          <a:stretch>
+            <a:fillRect/>
+          </a:stretch>
+        </p:blipFill>
+        <p:spPr>
+          <a:xfrm>
+            <a:off x="5872355" y="5217444"/>
+            <a:ext cx="1393299" cy="468121"/>
+          </a:xfrm>
+          <a:prstGeom prst="rect">
+            <a:avLst/>
+          </a:prstGeom>
+        </p:spPr>
+      </p:pic>
+      <p:pic>
+        <p:nvPicPr>
+          <p:cNvPr id="24" name="Picture 23" descr="mevo.br.png"/>
+          <p:cNvPicPr>
+            <a:picLocks noChangeAspect="1"/>
+          </p:cNvPicPr>
+          <p:nvPr/>
+        </p:nvPicPr>
+        <p:blipFill>
+          <a:blip r:embed="rId20"/>
+          <a:stretch>
+            <a:fillRect/>
+          </a:stretch>
+        </p:blipFill>
+        <p:spPr>
+          <a:xfrm>
+            <a:off x="7420465" y="5217444"/>
+            <a:ext cx="1393299" cy="468121"/>
+          </a:xfrm>
+          <a:prstGeom prst="rect">
+            <a:avLst/>
+          </a:prstGeom>
+        </p:spPr>
+      </p:pic>
+    </p:spTree>
+  </p:cSld>
+  <p:clrMapOvr>
+    <a:masterClrMapping/>
+  </p:clrMapOvr>
+</p:sld>
+</file>
+
+<file path=ppt/slides/slide5.xml><?xml version="1.0" encoding="utf-8"?>
+<p:sld xmlns:a="http://schemas.openxmlformats.org/drawingml/2006/main" xmlns:p="http://schemas.openxmlformats.org/presentationml/2006/main" xmlns:r="http://schemas.openxmlformats.org/officeDocument/2006/relationships">
+  <p:cSld>
+    <p:spTree>
+      <p:nvGrpSpPr>
+        <p:cNvPr id="1" name=""/>
+        <p:cNvGrpSpPr/>
+        <p:nvPr/>
+      </p:nvGrpSpPr>
+      <p:grpSpPr/>
+      <p:sp>
+        <p:nvSpPr>
+          <p:cNvPr id="2" name="Title 1"/>
+          <p:cNvSpPr>
+            <a:spLocks noGrp="1"/>
+          </p:cNvSpPr>
+          <p:nvPr>
+            <p:ph type="title"/>
+          </p:nvPr>
+        </p:nvSpPr>
+        <p:spPr/>
+        <p:txBody>
+          <a:bodyPr/>
+          <a:lstStyle/>
+          <a:p/>
+        </p:txBody>
+      </p:sp>
+      <p:graphicFrame>
+        <p:nvGraphicFramePr>
+          <p:cNvPr id="3" name="Group 150">
+            <a:extLst>
+              <a:ext uri="{FF2B5EF4-FFF2-40B4-BE49-F238E27FC236}">
+                <a16:creationId xmlns:a16="http://schemas.microsoft.com/office/drawing/2014/main" id="{9F240ED8-D02B-2212-F43B-5963EF1F1DD6}"/>
+              </a:ext>
+            </a:extLst>
+          </p:cNvPr>
+          <p:cNvGraphicFramePr>
+            <a:graphicFrameLocks noGrp="1"/>
+          </p:cNvGraphicFramePr>
+          <p:nvPr>
+            <p:extLst>
+              <p:ext uri="{D42A27DB-BD31-4B8C-83A1-F6EECF244321}">
+                <p14:modId xmlns:p14="http://schemas.microsoft.com/office/powerpoint/2010/main" val="3851793931"/>
+              </p:ext>
+            </p:extLst>
+          </p:nvPr>
+        </p:nvGraphicFramePr>
+        <p:xfrm>
+          <a:off x="211012" y="984855"/>
+          <a:ext cx="8711120" cy="5000309"/>
+        </p:xfrm>
+        <a:graphic>
+          <a:graphicData uri="http://schemas.openxmlformats.org/drawingml/2006/table">
+            <a:tbl>
+              <a:tblPr/>
+              <a:tblGrid>
+                <a:gridCol w="313414">
+                  <a:extLst>
+                    <a:ext uri="{9D8B030D-6E8A-4147-A177-3AD203B41FA5}">
+                      <a16:colId xmlns:a16="http://schemas.microsoft.com/office/drawing/2014/main" val="1470184085"/>
+                    </a:ext>
+                  </a:extLst>
+                </a:gridCol>
+                <a:gridCol w="1545452">
+                  <a:extLst>
+                    <a:ext uri="{9D8B030D-6E8A-4147-A177-3AD203B41FA5}">
+                      <a16:colId xmlns:a16="http://schemas.microsoft.com/office/drawing/2014/main" val="20000"/>
+                    </a:ext>
+                  </a:extLst>
+                </a:gridCol>
+                <a:gridCol w="792592">
+                  <a:extLst>
+                    <a:ext uri="{9D8B030D-6E8A-4147-A177-3AD203B41FA5}">
+                      <a16:colId xmlns:a16="http://schemas.microsoft.com/office/drawing/2014/main" val="20001"/>
+                    </a:ext>
+                  </a:extLst>
+                </a:gridCol>
+                <a:gridCol w="866692">
+                  <a:extLst>
+                    <a:ext uri="{9D8B030D-6E8A-4147-A177-3AD203B41FA5}">
+                      <a16:colId xmlns:a16="http://schemas.microsoft.com/office/drawing/2014/main" val="3048950250"/>
+                    </a:ext>
+                  </a:extLst>
+                </a:gridCol>
+                <a:gridCol w="548640">
+                  <a:extLst>
+                    <a:ext uri="{9D8B030D-6E8A-4147-A177-3AD203B41FA5}">
+                      <a16:colId xmlns:a16="http://schemas.microsoft.com/office/drawing/2014/main" val="2479190757"/>
+                    </a:ext>
+                  </a:extLst>
+                </a:gridCol>
+                <a:gridCol w="1548110">
+                  <a:extLst>
+                    <a:ext uri="{9D8B030D-6E8A-4147-A177-3AD203B41FA5}">
+                      <a16:colId xmlns:a16="http://schemas.microsoft.com/office/drawing/2014/main" val="4036884888"/>
+                    </a:ext>
+                  </a:extLst>
+                </a:gridCol>
+                <a:gridCol w="1548110">
+                  <a:extLst>
+                    <a:ext uri="{9D8B030D-6E8A-4147-A177-3AD203B41FA5}">
+                      <a16:colId xmlns:a16="http://schemas.microsoft.com/office/drawing/2014/main" val="304064653"/>
+                    </a:ext>
+                  </a:extLst>
+                </a:gridCol>
+                <a:gridCol w="1548110">
+                  <a:extLst>
+                    <a:ext uri="{9D8B030D-6E8A-4147-A177-3AD203B41FA5}">
+                      <a16:colId xmlns:a16="http://schemas.microsoft.com/office/drawing/2014/main" val="1314764745"/>
+                    </a:ext>
+                  </a:extLst>
+                </a:gridCol>
+              </a:tblGrid>
+              <a:tr h="310046">
+                <a:tc>
+                  <a:txBody>
+                    <a:bodyPr/>
+                    <a:lstStyle/>
+                    <a:p>
+                      <a:pPr marL="0" marR="0" lvl="0" indent="0" algn="ctr" defTabSz="958850" rtl="0" eaLnBrk="1" fontAlgn="base" latinLnBrk="0" hangingPunct="1">
+                        <a:lnSpc>
+                          <a:spcPct val="100000"/>
+                        </a:lnSpc>
+                        <a:spcBef>
+                          <a:spcPct val="0"/>
+                        </a:spcBef>
+                        <a:spcAft>
+                          <a:spcPts val="0"/>
+                        </a:spcAft>
+                        <a:buClr>
+                          <a:srgbClr val="000080"/>
+                        </a:buClr>
+                        <a:buSzTx/>
+                        <a:buFont typeface="Wingdings" pitchFamily="2" charset="2"/>
+                        <a:buNone/>
+                        <a:tabLst/>
+                      </a:pPr>
+                      <a:r>
+                        <a:rPr kumimoji="0" lang="en-US" sz="600" b="1" i="0" u="none" strike="noStrike" cap="none" normalizeH="0" baseline="0" noProof="0" dirty="0">
+                          <a:ln>
+                            <a:noFill/>
+                          </a:ln>
+                          <a:solidFill>
+                            <a:srgbClr val="FFFFFF"/>
+                          </a:solidFill>
+                          <a:effectLst/>
+                          <a:latin typeface="Arial" panose="020B0604020202020204" pitchFamily="34" charset="0"/>
+                        </a:rPr>
+                        <a:t>#</a:t>
+                      </a:r>
+                    </a:p>
+                  </a:txBody>
+                  <a:tcPr marL="0" marR="68580" marT="0" marB="0" anchor="ctr" horzOverflow="overflow">
+                    <a:lnL cap="flat">
+                      <a:noFill/>
+                    </a:lnL>
+                    <a:lnR w="12700" cap="flat" cmpd="sng" algn="ctr">
+                      <a:solidFill>
+                        <a:schemeClr val="bg1">
+                          <a:alpha val="0"/>
+                        </a:schemeClr>
+                      </a:solidFill>
+                      <a:prstDash val="solid"/>
+                      <a:round/>
+                      <a:headEnd type="none" w="med" len="med"/>
+                      <a:tailEnd type="none" w="med" len="med"/>
+                    </a:lnR>
+                    <a:lnT cap="flat">
+                      <a:noFill/>
+                    </a:lnT>
+                    <a:lnB w="6350" cap="flat" cmpd="sng" algn="ctr">
+                      <a:solidFill>
+                        <a:srgbClr val="DBD5CD"/>
+                      </a:solidFill>
+                      <a:prstDash val="solid"/>
+                      <a:round/>
+                      <a:headEnd type="none" w="med" len="med"/>
+                      <a:tailEnd type="none" w="med" len="med"/>
+                    </a:lnB>
+                    <a:lnTlToBr>
+                      <a:noFill/>
+                    </a:lnTlToBr>
+                    <a:lnBlToTr>
+                      <a:noFill/>
+                    </a:lnBlToTr>
+                    <a:solidFill>
+                      <a:schemeClr val="tx2"/>
+                    </a:solidFill>
+                  </a:tcPr>
+                </a:tc>
+                <a:tc>
+                  <a:txBody>
+                    <a:bodyPr/>
+                    <a:lstStyle/>
+                    <a:p>
+                      <a:pPr marL="0" marR="0" lvl="0" indent="0" algn="l" defTabSz="958850" rtl="0" eaLnBrk="1" fontAlgn="base" latinLnBrk="0" hangingPunct="1">
+                        <a:lnSpc>
+                          <a:spcPct val="100000"/>
+                        </a:lnSpc>
+                        <a:spcBef>
+                          <a:spcPct val="0"/>
+                        </a:spcBef>
+                        <a:spcAft>
+                          <a:spcPts val="0"/>
+                        </a:spcAft>
+                        <a:buClr>
+                          <a:srgbClr val="000080"/>
+                        </a:buClr>
+                        <a:buSzTx/>
+                        <a:buFont typeface="Wingdings" pitchFamily="2" charset="2"/>
+                        <a:buNone/>
+                        <a:tabLst/>
+                      </a:pPr>
+                      <a:r>
+                        <a:rPr kumimoji="0" lang="en-US" sz="700" b="1" i="0" u="none" strike="noStrike" cap="none" normalizeH="0" baseline="0" noProof="0" dirty="0">
+                          <a:ln>
+                            <a:noFill/>
+                          </a:ln>
+                          <a:solidFill>
+                            <a:srgbClr val="FFFFFF"/>
+                          </a:solidFill>
+                          <a:effectLst/>
+                          <a:latin typeface="Arial" panose="020B0604020202020204" pitchFamily="34" charset="0"/>
+                        </a:rPr>
+                        <a:t>Potential Buyers</a:t>
+                      </a:r>
+                    </a:p>
+                  </a:txBody>
+                  <a:tcPr marL="0" marR="68580" marT="0" marB="0" anchor="ctr" horzOverflow="overflow">
+                    <a:lnL w="12700" cap="flat" cmpd="sng" algn="ctr">
+                      <a:solidFill>
+                        <a:schemeClr val="bg1">
+                          <a:alpha val="0"/>
+                        </a:schemeClr>
+                      </a:solidFill>
+                      <a:prstDash val="solid"/>
+                      <a:round/>
+                      <a:headEnd type="none" w="med" len="med"/>
+                      <a:tailEnd type="none" w="med" len="med"/>
+                    </a:lnL>
+                    <a:lnR w="12700" cap="flat" cmpd="sng" algn="ctr">
+                      <a:solidFill>
+                        <a:schemeClr val="bg1">
+                          <a:alpha val="0"/>
+                        </a:schemeClr>
+                      </a:solidFill>
+                      <a:prstDash val="solid"/>
+                      <a:round/>
+                      <a:headEnd type="none" w="med" len="med"/>
+                      <a:tailEnd type="none" w="med" len="med"/>
+                    </a:lnR>
+                    <a:lnT cap="flat">
+                      <a:noFill/>
+                    </a:lnT>
+                    <a:lnB w="6350" cap="flat" cmpd="sng" algn="ctr">
+                      <a:solidFill>
+                        <a:srgbClr val="DBD5CD"/>
+                      </a:solidFill>
+                      <a:prstDash val="solid"/>
+                      <a:round/>
+                      <a:headEnd type="none" w="med" len="med"/>
+                      <a:tailEnd type="none" w="med" len="med"/>
+                    </a:lnB>
+                    <a:lnTlToBr>
+                      <a:noFill/>
+                    </a:lnTlToBr>
+                    <a:lnBlToTr>
+                      <a:noFill/>
+                    </a:lnBlToTr>
+                    <a:solidFill>
+                      <a:schemeClr val="tx2"/>
+                    </a:solidFill>
+                  </a:tcPr>
+                </a:tc>
+                <a:tc>
+                  <a:txBody>
+                    <a:bodyPr/>
+                    <a:lstStyle/>
+                    <a:p>
+                      <a:pPr marL="0" marR="0" lvl="0" indent="0" algn="ctr" defTabSz="958850" rtl="0" eaLnBrk="1" fontAlgn="base" latinLnBrk="0" hangingPunct="1">
+                        <a:lnSpc>
+                          <a:spcPct val="100000"/>
+                        </a:lnSpc>
+                        <a:spcBef>
+                          <a:spcPct val="0"/>
+                        </a:spcBef>
+                        <a:spcAft>
+                          <a:spcPts val="0"/>
+                        </a:spcAft>
+                        <a:buClr>
+                          <a:srgbClr val="000080"/>
+                        </a:buClr>
+                        <a:buSzTx/>
+                        <a:buFont typeface="Wingdings" pitchFamily="2" charset="2"/>
+                        <a:buNone/>
+                        <a:tabLst/>
+                        <a:defRPr/>
+                      </a:pPr>
+                      <a:r>
+                        <a:rPr kumimoji="0" lang="en-US" sz="700" b="1" i="0" u="none" strike="noStrike" cap="none" normalizeH="0" baseline="0" noProof="0" dirty="0">
+                          <a:ln>
+                            <a:noFill/>
+                          </a:ln>
+                          <a:solidFill>
+                            <a:srgbClr val="FFFFFF"/>
+                          </a:solidFill>
+                          <a:effectLst/>
+                          <a:latin typeface="Arial" panose="020B0604020202020204" pitchFamily="34" charset="0"/>
+                        </a:rPr>
+                        <a:t>Type</a:t>
+                      </a:r>
+                      <a:endParaRPr kumimoji="0" lang="en-US" sz="700" b="0" i="0" u="none" strike="noStrike" cap="none" normalizeH="0" baseline="0" noProof="0" dirty="0">
+                        <a:ln>
+                          <a:noFill/>
+                        </a:ln>
+                        <a:solidFill>
+                          <a:srgbClr val="FFFFFF"/>
+                        </a:solidFill>
+                        <a:effectLst/>
+                        <a:latin typeface="Arial" panose="020B0604020202020204" pitchFamily="34" charset="0"/>
+                      </a:endParaRPr>
+                    </a:p>
+                  </a:txBody>
+                  <a:tcPr marL="137160" marR="68580" marT="0" marB="0" anchor="ctr" horzOverflow="overflow">
+                    <a:lnL w="12700" cap="flat" cmpd="sng" algn="ctr">
+                      <a:solidFill>
+                        <a:schemeClr val="bg1">
+                          <a:alpha val="0"/>
+                        </a:schemeClr>
+                      </a:solidFill>
+                      <a:prstDash val="solid"/>
+                      <a:round/>
+                      <a:headEnd type="none" w="med" len="med"/>
+                      <a:tailEnd type="none" w="med" len="med"/>
+                    </a:lnL>
+                    <a:lnR w="12700" cap="flat" cmpd="sng" algn="ctr">
+                      <a:solidFill>
+                        <a:schemeClr val="bg1">
+                          <a:alpha val="0"/>
+                        </a:schemeClr>
+                      </a:solidFill>
+                      <a:prstDash val="solid"/>
+                      <a:round/>
+                      <a:headEnd type="none" w="med" len="med"/>
+                      <a:tailEnd type="none" w="med" len="med"/>
+                    </a:lnR>
+                    <a:lnT cap="flat">
+                      <a:noFill/>
+                    </a:lnT>
+                    <a:lnB w="6350" cap="flat" cmpd="sng" algn="ctr">
+                      <a:solidFill>
+                        <a:srgbClr val="DBD5CD"/>
+                      </a:solidFill>
+                      <a:prstDash val="solid"/>
+                      <a:round/>
+                      <a:headEnd type="none" w="med" len="med"/>
+                      <a:tailEnd type="none" w="med" len="med"/>
+                    </a:lnB>
+                    <a:lnTlToBr>
+                      <a:noFill/>
+                    </a:lnTlToBr>
+                    <a:lnBlToTr>
+                      <a:noFill/>
+                    </a:lnBlToTr>
+                    <a:solidFill>
+                      <a:schemeClr val="tx2"/>
+                    </a:solidFill>
+                  </a:tcPr>
+                </a:tc>
+                <a:tc>
+                  <a:txBody>
+                    <a:bodyPr/>
+                    <a:lstStyle/>
+                    <a:p>
+                      <a:pPr marL="0" marR="0" lvl="0" indent="0" algn="ctr" defTabSz="958850" rtl="0" eaLnBrk="1" fontAlgn="base" latinLnBrk="0" hangingPunct="1">
+                        <a:lnSpc>
+                          <a:spcPct val="100000"/>
+                        </a:lnSpc>
+                        <a:spcBef>
+                          <a:spcPct val="0"/>
+                        </a:spcBef>
+                        <a:spcAft>
+                          <a:spcPts val="0"/>
+                        </a:spcAft>
+                        <a:buClr>
+                          <a:srgbClr val="000080"/>
+                        </a:buClr>
+                        <a:buSzTx/>
+                        <a:buFont typeface="Wingdings" pitchFamily="2" charset="2"/>
+                        <a:buNone/>
+                        <a:tabLst/>
+                        <a:defRPr/>
+                      </a:pPr>
+                      <a:r>
+                        <a:rPr kumimoji="0" lang="en-US" sz="700" b="1" i="0" u="none" strike="noStrike" cap="none" normalizeH="0" baseline="0" noProof="0" dirty="0">
+                          <a:ln>
+                            <a:noFill/>
+                          </a:ln>
+                          <a:solidFill>
+                            <a:srgbClr val="FFFFFF"/>
+                          </a:solidFill>
+                          <a:effectLst/>
+                          <a:latin typeface="Arial" panose="020B0604020202020204" pitchFamily="34" charset="0"/>
+                        </a:rPr>
+                        <a:t>Dry Powder/AUM LATAM</a:t>
+                      </a:r>
+                    </a:p>
+                  </a:txBody>
+                  <a:tcPr marL="0" marR="68580" marT="0" marB="0" anchor="ctr" horzOverflow="overflow">
+                    <a:lnL w="12700" cap="flat" cmpd="sng" algn="ctr">
+                      <a:solidFill>
+                        <a:schemeClr val="bg1">
+                          <a:alpha val="0"/>
+                        </a:schemeClr>
+                      </a:solidFill>
+                      <a:prstDash val="solid"/>
+                      <a:round/>
+                      <a:headEnd type="none" w="med" len="med"/>
+                      <a:tailEnd type="none" w="med" len="med"/>
+                    </a:lnL>
+                    <a:lnR w="12700" cap="flat" cmpd="sng" algn="ctr">
+                      <a:solidFill>
+                        <a:schemeClr val="bg1">
+                          <a:alpha val="0"/>
+                        </a:schemeClr>
+                      </a:solidFill>
+                      <a:prstDash val="solid"/>
+                      <a:round/>
+                      <a:headEnd type="none" w="med" len="med"/>
+                      <a:tailEnd type="none" w="med" len="med"/>
+                    </a:lnR>
+                    <a:lnT cap="flat">
+                      <a:noFill/>
+                    </a:lnT>
+                    <a:lnB w="6350" cap="flat" cmpd="sng" algn="ctr">
+                      <a:solidFill>
+                        <a:srgbClr val="DBD5CD"/>
+                      </a:solidFill>
+                      <a:prstDash val="solid"/>
+                      <a:round/>
+                      <a:headEnd type="none" w="med" len="med"/>
+                      <a:tailEnd type="none" w="med" len="med"/>
+                    </a:lnB>
+                    <a:lnTlToBr>
+                      <a:noFill/>
+                    </a:lnTlToBr>
+                    <a:lnBlToTr>
+                      <a:noFill/>
+                    </a:lnBlToTr>
+                    <a:solidFill>
+                      <a:schemeClr val="tx2"/>
+                    </a:solidFill>
+                  </a:tcPr>
+                </a:tc>
+                <a:tc>
+                  <a:txBody>
+                    <a:bodyPr/>
+                    <a:lstStyle/>
+                    <a:p>
+                      <a:pPr marL="0" marR="0" lvl="0" indent="0" algn="ctr" defTabSz="958850" rtl="0" eaLnBrk="1" fontAlgn="base" latinLnBrk="0" hangingPunct="1">
+                        <a:lnSpc>
+                          <a:spcPct val="100000"/>
+                        </a:lnSpc>
+                        <a:spcBef>
+                          <a:spcPct val="0"/>
+                        </a:spcBef>
+                        <a:spcAft>
+                          <a:spcPts val="0"/>
+                        </a:spcAft>
+                        <a:buClr>
+                          <a:srgbClr val="000080"/>
+                        </a:buClr>
+                        <a:buSzTx/>
+                        <a:buFont typeface="Wingdings" pitchFamily="2" charset="2"/>
+                        <a:buNone/>
+                        <a:tabLst/>
+                        <a:defRPr/>
+                      </a:pPr>
+                      <a:r>
+                        <a:rPr kumimoji="0" lang="en-US" sz="700" b="1" i="0" u="none" strike="noStrike" cap="none" normalizeH="0" baseline="0" noProof="0" dirty="0">
+                          <a:ln>
+                            <a:noFill/>
+                          </a:ln>
+                          <a:solidFill>
+                            <a:srgbClr val="FFFFFF"/>
+                          </a:solidFill>
+                          <a:effectLst/>
+                          <a:latin typeface="Arial" panose="020B0604020202020204" pitchFamily="34" charset="0"/>
+                        </a:rPr>
+                        <a:t>Brazil Presence</a:t>
+                      </a:r>
+                    </a:p>
+                  </a:txBody>
+                  <a:tcPr marL="0" marR="68580" marT="0" marB="0" anchor="ctr" horzOverflow="overflow">
+                    <a:lnL w="12700" cap="flat" cmpd="sng" algn="ctr">
+                      <a:solidFill>
+                        <a:schemeClr val="bg1">
+                          <a:alpha val="0"/>
+                        </a:schemeClr>
+                      </a:solidFill>
+                      <a:prstDash val="solid"/>
+                      <a:round/>
+                      <a:headEnd type="none" w="med" len="med"/>
+                      <a:tailEnd type="none" w="med" len="med"/>
+                    </a:lnL>
+                    <a:lnR w="12700" cap="flat" cmpd="sng" algn="ctr">
+                      <a:solidFill>
+                        <a:schemeClr val="bg1">
+                          <a:alpha val="0"/>
+                        </a:schemeClr>
+                      </a:solidFill>
+                      <a:prstDash val="solid"/>
+                      <a:round/>
+                      <a:headEnd type="none" w="med" len="med"/>
+                      <a:tailEnd type="none" w="med" len="med"/>
+                    </a:lnR>
+                    <a:lnT cap="flat">
+                      <a:noFill/>
+                    </a:lnT>
+                    <a:lnB w="6350" cap="flat" cmpd="sng" algn="ctr">
+                      <a:solidFill>
+                        <a:srgbClr val="DBD5CD"/>
+                      </a:solidFill>
+                      <a:prstDash val="solid"/>
+                      <a:round/>
+                      <a:headEnd type="none" w="med" len="med"/>
+                      <a:tailEnd type="none" w="med" len="med"/>
+                    </a:lnB>
+                    <a:lnTlToBr>
+                      <a:noFill/>
+                    </a:lnTlToBr>
+                    <a:lnBlToTr>
+                      <a:noFill/>
+                    </a:lnBlToTr>
+                    <a:solidFill>
+                      <a:schemeClr val="tx2"/>
+                    </a:solidFill>
+                  </a:tcPr>
+                </a:tc>
+                <a:tc gridSpan="3">
+                  <a:txBody>
+                    <a:bodyPr/>
+                    <a:lstStyle/>
+                    <a:p>
+                      <a:pPr marL="0" marR="0" lvl="0" indent="0" algn="ctr" defTabSz="958850" rtl="0" eaLnBrk="1" fontAlgn="base" latinLnBrk="0" hangingPunct="1">
+                        <a:lnSpc>
+                          <a:spcPct val="100000"/>
+                        </a:lnSpc>
+                        <a:spcBef>
+                          <a:spcPct val="0"/>
+                        </a:spcBef>
+                        <a:spcAft>
+                          <a:spcPts val="0"/>
+                        </a:spcAft>
+                        <a:buClr>
+                          <a:srgbClr val="000080"/>
+                        </a:buClr>
+                        <a:buSzTx/>
+                        <a:buFont typeface="Wingdings" pitchFamily="2" charset="2"/>
+                        <a:buNone/>
+                        <a:tabLst/>
+                        <a:defRPr/>
+                      </a:pPr>
+                      <a:r>
+                        <a:rPr kumimoji="0" lang="en-US" sz="700" b="1" i="0" u="none" strike="noStrike" cap="none" normalizeH="0" baseline="0" noProof="0" dirty="0">
+                          <a:ln>
+                            <a:noFill/>
+                          </a:ln>
+                          <a:solidFill>
+                            <a:srgbClr val="FFFFFF"/>
+                          </a:solidFill>
+                          <a:effectLst/>
+                          <a:latin typeface="Arial" panose="020B0604020202020204" pitchFamily="34" charset="0"/>
+                        </a:rPr>
+                        <a:t>Investments</a:t>
+                      </a:r>
+                      <a:endParaRPr kumimoji="0" lang="en-US" sz="700" b="1" i="0" u="none" strike="noStrike" cap="none" normalizeH="0" baseline="30000" noProof="0" dirty="0">
+                        <a:ln>
+                          <a:noFill/>
+                        </a:ln>
+                        <a:solidFill>
+                          <a:srgbClr val="FFFFFF"/>
+                        </a:solidFill>
+                        <a:effectLst/>
+                        <a:latin typeface="Arial" panose="020B0604020202020204" pitchFamily="34" charset="0"/>
+                      </a:endParaRPr>
+                    </a:p>
+                  </a:txBody>
+                  <a:tcPr marL="0" marR="68580" marT="0" marB="0" anchor="ctr" horzOverflow="overflow">
+                    <a:lnL w="12700" cap="flat" cmpd="sng" algn="ctr">
+                      <a:solidFill>
+                        <a:schemeClr val="bg1">
+                          <a:alpha val="0"/>
+                        </a:schemeClr>
+                      </a:solidFill>
+                      <a:prstDash val="solid"/>
+                      <a:round/>
+                      <a:headEnd type="none" w="med" len="med"/>
+                      <a:tailEnd type="none" w="med" len="med"/>
+                    </a:lnL>
+                    <a:lnR w="12700" cap="flat" cmpd="sng" algn="ctr">
+                      <a:solidFill>
+                        <a:schemeClr val="bg1">
+                          <a:alpha val="0"/>
+                        </a:schemeClr>
+                      </a:solidFill>
+                      <a:prstDash val="solid"/>
+                      <a:round/>
+                      <a:headEnd type="none" w="med" len="med"/>
+                      <a:tailEnd type="none" w="med" len="med"/>
+                    </a:lnR>
+                    <a:lnT cap="flat">
+                      <a:noFill/>
+                    </a:lnT>
+                    <a:lnB w="6350" cap="flat" cmpd="sng" algn="ctr">
+                      <a:solidFill>
+                        <a:srgbClr val="DBD5CD"/>
+                      </a:solidFill>
+                      <a:prstDash val="solid"/>
+                      <a:round/>
+                      <a:headEnd type="none" w="med" len="med"/>
+                      <a:tailEnd type="none" w="med" len="med"/>
+                    </a:lnB>
+                    <a:lnTlToBr>
+                      <a:noFill/>
+                    </a:lnTlToBr>
+                    <a:lnBlToTr>
+                      <a:noFill/>
+                    </a:lnBlToTr>
+                    <a:solidFill>
+                      <a:schemeClr val="tx2"/>
+                    </a:solidFill>
+                  </a:tcPr>
+                </a:tc>
+                <a:tc hMerge="1">
+                  <a:txBody>
+                    <a:bodyPr/>
+                    <a:lstStyle/>
+                    <a:p>
+                      <a:endParaRPr lang="en-US"/>
+                    </a:p>
+                  </a:txBody>
+                  <a:tcPr/>
+                </a:tc>
+                <a:tc hMerge="1">
+                  <a:txBody>
+                    <a:bodyPr/>
+                    <a:lstStyle/>
+                    <a:p>
+                      <a:endParaRPr lang="en-US"/>
+                    </a:p>
+                  </a:txBody>
+                  <a:tcPr/>
+                </a:tc>
+                <a:extLst>
+                  <a:ext uri="{0D108BD9-81ED-4DB2-BD59-A6C34878D82A}">
+                    <a16:rowId xmlns:a16="http://schemas.microsoft.com/office/drawing/2014/main" val="10000"/>
+                  </a:ext>
+                </a:extLst>
+              </a:tr>
+              <a:tr h="945291">
+                <a:tc>
+                  <a:txBody>
+                    <a:bodyPr/>
+                    <a:lstStyle/>
+                    <a:p>
+                      <a:pPr marL="0" marR="0" lvl="0" indent="0" algn="ctr" defTabSz="958850" rtl="0" eaLnBrk="1" fontAlgn="base" latinLnBrk="0" hangingPunct="1">
+                        <a:lnSpc>
+                          <a:spcPct val="100000"/>
+                        </a:lnSpc>
+                        <a:spcBef>
+                          <a:spcPct val="0"/>
+                        </a:spcBef>
+                        <a:spcAft>
+                          <a:spcPct val="0"/>
+                        </a:spcAft>
+                        <a:buClr>
+                          <a:srgbClr val="000080"/>
+                        </a:buClr>
+                        <a:buSzTx/>
+                        <a:buFont typeface="Wingdings" pitchFamily="2" charset="2"/>
+                        <a:buNone/>
+                        <a:tabLst/>
+                        <a:defRPr/>
+                      </a:pPr>
+                      <a:r>
+                        <a:rPr lang="en-US" sz="600" b="1" i="0" u="none" kern="1200" noProof="0" dirty="0">
+                          <a:solidFill>
+                            <a:schemeClr val="tx2"/>
+                          </a:solidFill>
+                          <a:latin typeface="Arial" panose="020B0604020202020204" pitchFamily="34" charset="0"/>
+                          <a:ea typeface="+mn-ea"/>
+                          <a:cs typeface="+mn-cs"/>
+                        </a:rPr>
+                        <a:t>6</a:t>
+                      </a:r>
+                    </a:p>
+                  </a:txBody>
+                  <a:tcPr marL="0" marR="84406" marT="0" marB="0" anchor="ctr" horzOverflow="overflow">
+                    <a:lnL cap="flat">
+                      <a:noFill/>
+                    </a:lnL>
+                    <a:lnR>
+                      <a:noFill/>
+                    </a:lnR>
+                    <a:lnT w="6350" cap="flat" cmpd="sng" algn="ctr">
+                      <a:solidFill>
+                        <a:srgbClr val="DBD5CD"/>
+                      </a:solidFill>
+                      <a:prstDash val="solid"/>
+                      <a:round/>
+                      <a:headEnd type="none" w="med" len="med"/>
+                      <a:tailEnd type="none" w="med" len="med"/>
+                    </a:lnT>
+                    <a:lnB w="6350" cap="flat" cmpd="sng" algn="ctr">
+                      <a:solidFill>
+                        <a:srgbClr val="DBD5CD"/>
+                      </a:solidFill>
+                      <a:prstDash val="solid"/>
+                      <a:round/>
+                      <a:headEnd type="none" w="med" len="med"/>
+                      <a:tailEnd type="none" w="med" len="med"/>
+                    </a:lnB>
+                    <a:lnTlToBr>
+                      <a:noFill/>
+                    </a:lnTlToBr>
+                    <a:lnBlToTr>
+                      <a:noFill/>
+                    </a:lnBlToTr>
+                    <a:solidFill>
+                      <a:schemeClr val="bg1"/>
+                    </a:solidFill>
+                  </a:tcPr>
+                </a:tc>
+                <a:tc>
+                  <a:txBody>
+                    <a:bodyPr/>
+                    <a:lstStyle/>
+                    <a:p>
+                      <a:pPr marL="0" marR="0" lvl="0" indent="0" algn="l" defTabSz="958850" rtl="0" eaLnBrk="1" fontAlgn="base" latinLnBrk="0" hangingPunct="1">
+                        <a:lnSpc>
+                          <a:spcPct val="100000"/>
+                        </a:lnSpc>
+                        <a:spcBef>
+                          <a:spcPct val="0"/>
+                        </a:spcBef>
+                        <a:spcAft>
+                          <a:spcPct val="0"/>
+                        </a:spcAft>
+                        <a:buClr>
+                          <a:srgbClr val="000080"/>
+                        </a:buClr>
+                        <a:buSzTx/>
+                        <a:buFont typeface="Wingdings" pitchFamily="2" charset="2"/>
+                        <a:buNone/>
+                        <a:tabLst/>
+                        <a:defRPr/>
+                      </a:pPr>
+                      <a:endParaRPr kumimoji="0" lang="en-US" sz="700" b="0" i="0" u="none" strike="noStrike" kern="1200" cap="none" spc="0" normalizeH="0" baseline="0" noProof="0" dirty="0">
+                        <a:ln>
+                          <a:noFill/>
+                        </a:ln>
+                        <a:solidFill>
+                          <a:srgbClr val="003B4C"/>
+                        </a:solidFill>
+                        <a:effectLst/>
+                        <a:highlight>
+                          <a:srgbClr val="FFFF00"/>
+                        </a:highlight>
+                        <a:uLnTx/>
+                        <a:uFillTx/>
+                        <a:latin typeface="Arial" panose="020B0604020202020204" pitchFamily="34" charset="0"/>
+                        <a:ea typeface="+mn-ea"/>
+                        <a:cs typeface="+mn-cs"/>
+                      </a:endParaRPr>
+                    </a:p>
+                    <a:p>
+                      <a:pPr marL="0" marR="0" lvl="0" indent="0" algn="l" defTabSz="958850" rtl="0" eaLnBrk="1" fontAlgn="base" latinLnBrk="0" hangingPunct="1">
+                        <a:lnSpc>
+                          <a:spcPct val="100000"/>
+                        </a:lnSpc>
+                        <a:spcBef>
+                          <a:spcPct val="0"/>
+                        </a:spcBef>
+                        <a:spcAft>
+                          <a:spcPct val="0"/>
+                        </a:spcAft>
+                        <a:buClr>
+                          <a:srgbClr val="000080"/>
+                        </a:buClr>
+                        <a:buSzTx/>
+                        <a:buFont typeface="Wingdings" pitchFamily="2" charset="2"/>
+                        <a:buNone/>
+                        <a:tabLst/>
+                        <a:defRPr/>
+                      </a:pPr>
+                      <a:endParaRPr kumimoji="0" lang="en-US" sz="700" b="0" i="0" u="none" strike="noStrike" kern="1200" cap="none" spc="0" normalizeH="0" baseline="0" noProof="0" dirty="0">
+                        <a:ln>
+                          <a:noFill/>
+                        </a:ln>
+                        <a:solidFill>
+                          <a:srgbClr val="003B4C"/>
+                        </a:solidFill>
+                        <a:effectLst/>
+                        <a:highlight>
+                          <a:srgbClr val="FFFF00"/>
+                        </a:highlight>
+                        <a:uLnTx/>
+                        <a:uFillTx/>
+                        <a:latin typeface="Arial" panose="020B0604020202020204" pitchFamily="34" charset="0"/>
+                        <a:ea typeface="+mn-ea"/>
+                        <a:cs typeface="+mn-cs"/>
+                      </a:endParaRPr>
+                    </a:p>
+                    <a:p>
+                      <a:pPr marL="0" marR="0" lvl="0" indent="0" algn="l" defTabSz="958850" rtl="0" eaLnBrk="1" fontAlgn="base" latinLnBrk="0" hangingPunct="1">
+                        <a:lnSpc>
+                          <a:spcPct val="100000"/>
+                        </a:lnSpc>
+                        <a:spcBef>
+                          <a:spcPct val="0"/>
+                        </a:spcBef>
+                        <a:spcAft>
+                          <a:spcPct val="0"/>
+                        </a:spcAft>
+                        <a:buClr>
+                          <a:srgbClr val="000080"/>
+                        </a:buClr>
+                        <a:buSzTx/>
+                        <a:buFont typeface="Wingdings" pitchFamily="2" charset="2"/>
+                        <a:buNone/>
+                        <a:tabLst/>
+                        <a:defRPr/>
+                      </a:pPr>
+                      <a:endParaRPr kumimoji="0" lang="en-US" sz="700" b="0" i="0" u="none" strike="noStrike" kern="1200" cap="none" spc="0" normalizeH="0" baseline="0" noProof="0" dirty="0">
+                        <a:ln>
+                          <a:noFill/>
+                        </a:ln>
+                        <a:solidFill>
+                          <a:srgbClr val="003B4C"/>
+                        </a:solidFill>
+                        <a:effectLst/>
+                        <a:highlight>
+                          <a:srgbClr val="FFFF00"/>
+                        </a:highlight>
+                        <a:uLnTx/>
+                        <a:uFillTx/>
+                        <a:latin typeface="Arial" panose="020B0604020202020204" pitchFamily="34" charset="0"/>
+                        <a:ea typeface="+mn-ea"/>
+                        <a:cs typeface="+mn-cs"/>
+                      </a:endParaRPr>
+                    </a:p>
+                    <a:p>
+                      <a:pPr marL="0" marR="0" lvl="0" indent="0" algn="l" defTabSz="958850" rtl="0" eaLnBrk="1" fontAlgn="base" latinLnBrk="0" hangingPunct="1">
+                        <a:lnSpc>
+                          <a:spcPct val="100000"/>
+                        </a:lnSpc>
+                        <a:spcBef>
+                          <a:spcPct val="0"/>
+                        </a:spcBef>
+                        <a:spcAft>
+                          <a:spcPct val="0"/>
+                        </a:spcAft>
+                        <a:buClr>
+                          <a:srgbClr val="000080"/>
+                        </a:buClr>
+                        <a:buSzTx/>
+                        <a:buFont typeface="Wingdings" pitchFamily="2" charset="2"/>
+                        <a:buNone/>
+                        <a:tabLst/>
+                        <a:defRPr/>
+                      </a:pPr>
+                      <a:endParaRPr kumimoji="0" lang="en-US" sz="700" b="0" i="0" u="none" strike="noStrike" kern="1200" cap="none" spc="0" normalizeH="0" baseline="0" noProof="0" dirty="0">
+                        <a:ln>
+                          <a:noFill/>
+                        </a:ln>
+                        <a:solidFill>
+                          <a:srgbClr val="003B4C"/>
+                        </a:solidFill>
+                        <a:effectLst/>
+                        <a:highlight>
+                          <a:srgbClr val="FFFF00"/>
+                        </a:highlight>
+                        <a:uLnTx/>
+                        <a:uFillTx/>
+                        <a:latin typeface="Arial" panose="020B0604020202020204" pitchFamily="34" charset="0"/>
+                        <a:ea typeface="+mn-ea"/>
+                        <a:cs typeface="+mn-cs"/>
+                      </a:endParaRPr>
+                    </a:p>
+                    <a:p>
+                      <a:pPr marL="0" marR="0" lvl="0" indent="0" algn="l" defTabSz="958850" rtl="0" eaLnBrk="1" fontAlgn="base" latinLnBrk="0" hangingPunct="1">
+                        <a:lnSpc>
+                          <a:spcPct val="100000"/>
+                        </a:lnSpc>
+                        <a:spcBef>
+                          <a:spcPct val="0"/>
+                        </a:spcBef>
+                        <a:spcAft>
+                          <a:spcPct val="0"/>
+                        </a:spcAft>
+                        <a:buClr>
+                          <a:srgbClr val="000080"/>
+                        </a:buClr>
+                        <a:buSzTx/>
+                        <a:buFont typeface="Wingdings" pitchFamily="2" charset="2"/>
+                        <a:buNone/>
+                        <a:tabLst/>
+                        <a:defRPr/>
+                      </a:pPr>
+                      <a:endParaRPr kumimoji="0" lang="en-US" sz="700" b="0" i="0" u="none" strike="noStrike" kern="1200" cap="none" spc="0" normalizeH="0" baseline="0" noProof="0" dirty="0">
+                        <a:ln>
+                          <a:noFill/>
+                        </a:ln>
+                        <a:solidFill>
+                          <a:srgbClr val="003B4C"/>
+                        </a:solidFill>
+                        <a:effectLst/>
+                        <a:uLnTx/>
+                        <a:uFillTx/>
+                        <a:latin typeface="Arial" panose="020B0604020202020204" pitchFamily="34" charset="0"/>
+                        <a:ea typeface="+mn-ea"/>
+                        <a:cs typeface="+mn-cs"/>
+                      </a:endParaRPr>
+                    </a:p>
+                    <a:p>
+                      <a:pPr marL="0" marR="0" lvl="0" indent="0" algn="l" defTabSz="958850" rtl="0" eaLnBrk="1" fontAlgn="base" latinLnBrk="0" hangingPunct="1">
+                        <a:lnSpc>
+                          <a:spcPct val="100000"/>
+                        </a:lnSpc>
+                        <a:spcBef>
+                          <a:spcPct val="0"/>
+                        </a:spcBef>
+                        <a:spcAft>
+                          <a:spcPct val="0"/>
+                        </a:spcAft>
+                        <a:buClr>
+                          <a:srgbClr val="000080"/>
+                        </a:buClr>
+                        <a:buSzTx/>
+                        <a:buFont typeface="Wingdings" pitchFamily="2" charset="2"/>
+                        <a:buNone/>
+                        <a:tabLst/>
+                        <a:defRPr/>
+                      </a:pPr>
+                      <a:endParaRPr kumimoji="0" lang="en-US" sz="700" b="0" i="0" u="none" strike="noStrike" kern="1200" cap="none" spc="0" normalizeH="0" baseline="0" noProof="0" dirty="0">
+                        <a:ln>
+                          <a:noFill/>
+                        </a:ln>
+                        <a:solidFill>
+                          <a:srgbClr val="003B4C"/>
+                        </a:solidFill>
+                        <a:effectLst/>
+                        <a:uLnTx/>
+                        <a:uFillTx/>
+                        <a:latin typeface="Arial" panose="020B0604020202020204" pitchFamily="34" charset="0"/>
+                        <a:ea typeface="+mn-ea"/>
+                        <a:cs typeface="+mn-cs"/>
+                      </a:endParaRPr>
+                    </a:p>
+                    <a:p>
+                      <a:pPr marL="0" marR="0" lvl="0" indent="0" algn="l" defTabSz="958850" rtl="0" eaLnBrk="1" fontAlgn="base" latinLnBrk="0" hangingPunct="1">
+                        <a:lnSpc>
+                          <a:spcPct val="100000"/>
+                        </a:lnSpc>
+                        <a:spcBef>
+                          <a:spcPct val="0"/>
+                        </a:spcBef>
+                        <a:spcAft>
+                          <a:spcPct val="0"/>
+                        </a:spcAft>
+                        <a:buClr>
+                          <a:srgbClr val="000080"/>
+                        </a:buClr>
+                        <a:buSzTx/>
+                        <a:buFont typeface="Wingdings" pitchFamily="2" charset="2"/>
+                        <a:buNone/>
+                        <a:tabLst/>
+                        <a:defRPr/>
+                      </a:pPr>
+                      <a:r>
+                        <a:rPr kumimoji="0" lang="en-US" sz="700" b="0" i="0" u="none" strike="noStrike" kern="1200" cap="none" spc="0" normalizeH="0" baseline="0" noProof="0" dirty="0">
+                          <a:ln>
+                            <a:noFill/>
+                          </a:ln>
+                          <a:solidFill>
+                            <a:srgbClr val="003B4C"/>
+                          </a:solidFill>
+                          <a:effectLst/>
+                          <a:uLnTx/>
+                          <a:uFillTx/>
+                          <a:latin typeface="Arial" panose="020B0604020202020204" pitchFamily="34" charset="0"/>
+                          <a:ea typeface="+mn-ea"/>
+                          <a:cs typeface="+mn-cs"/>
+                        </a:rPr>
+                        <a:t>Brazil</a:t>
+                      </a:r>
+                    </a:p>
+                  </a:txBody>
+                  <a:tcPr marL="0" marR="84406" marT="0" marB="0" anchor="ctr" horzOverflow="overflow">
+                    <a:lnL cap="flat">
+                      <a:noFill/>
+                    </a:lnL>
+                    <a:lnR>
+                      <a:noFill/>
+                    </a:lnR>
+                    <a:lnT w="6350" cap="flat" cmpd="sng" algn="ctr">
+                      <a:solidFill>
+                        <a:srgbClr val="DBD5CD"/>
+                      </a:solidFill>
+                      <a:prstDash val="solid"/>
+                      <a:round/>
+                      <a:headEnd type="none" w="med" len="med"/>
+                      <a:tailEnd type="none" w="med" len="med"/>
+                    </a:lnT>
+                    <a:lnB w="6350" cap="flat" cmpd="sng" algn="ctr">
+                      <a:solidFill>
+                        <a:srgbClr val="DBD5CD"/>
+                      </a:solidFill>
+                      <a:prstDash val="solid"/>
+                      <a:round/>
+                      <a:headEnd type="none" w="med" len="med"/>
+                      <a:tailEnd type="none" w="med" len="med"/>
+                    </a:lnB>
+                    <a:lnTlToBr>
+                      <a:noFill/>
+                    </a:lnTlToBr>
+                    <a:lnBlToTr>
+                      <a:noFill/>
+                    </a:lnBlToTr>
+                    <a:noFill/>
+                  </a:tcPr>
+                </a:tc>
+                <a:tc>
+                  <a:txBody>
+                    <a:bodyPr/>
+                    <a:lstStyle/>
+                    <a:p>
+                      <a:pPr marL="0" marR="0" lvl="0" indent="0" algn="l" defTabSz="914395" rtl="0" eaLnBrk="1" fontAlgn="t" latinLnBrk="0" hangingPunct="1">
+                        <a:lnSpc>
+                          <a:spcPct val="100000"/>
+                        </a:lnSpc>
+                        <a:spcBef>
+                          <a:spcPts val="0"/>
+                        </a:spcBef>
+                        <a:spcAft>
+                          <a:spcPts val="0"/>
+                        </a:spcAft>
+                        <a:buClr>
+                          <a:srgbClr val="003B4C"/>
+                        </a:buClr>
+                        <a:buSzTx/>
+                        <a:buFontTx/>
+                        <a:buNone/>
+                        <a:tabLst/>
+                        <a:defRPr/>
+                      </a:pPr>
+                      <a:r>
+                        <a:rPr kumimoji="0" lang="en-US" sz="700" b="0" i="0" u="none" strike="noStrike" kern="1200" cap="none" spc="0" normalizeH="0" baseline="0" noProof="0" dirty="0">
+                          <a:ln>
+                            <a:noFill/>
+                          </a:ln>
+                          <a:solidFill>
+                            <a:srgbClr val="003B4C"/>
+                          </a:solidFill>
+                          <a:effectLst/>
+                          <a:uLnTx/>
+                          <a:uFillTx/>
+                          <a:latin typeface="Arial" panose="020B0604020202020204" pitchFamily="34" charset="0"/>
+                          <a:ea typeface="+mn-ea"/>
+                          <a:cs typeface="+mn-cs"/>
+                        </a:rPr>
+                        <a:t>Private Equity</a:t>
+                      </a:r>
+                    </a:p>
+                  </a:txBody>
+                  <a:tcPr marL="168812" marR="0" marT="0" marB="0" anchor="ctr">
+                    <a:lnL>
+                      <a:noFill/>
+                    </a:lnL>
+                    <a:lnR>
+                      <a:noFill/>
+                    </a:lnR>
+                    <a:lnT w="6350" cap="flat" cmpd="sng" algn="ctr">
+                      <a:solidFill>
+                        <a:srgbClr val="DBD5CD"/>
+                      </a:solidFill>
+                      <a:prstDash val="solid"/>
+                      <a:round/>
+                      <a:headEnd type="none" w="med" len="med"/>
+                      <a:tailEnd type="none" w="med" len="med"/>
+                    </a:lnT>
+                    <a:lnB w="6350" cap="flat" cmpd="sng" algn="ctr">
+                      <a:solidFill>
+                        <a:srgbClr val="DBD5CD"/>
+                      </a:solidFill>
+                      <a:prstDash val="solid"/>
+                      <a:round/>
+                      <a:headEnd type="none" w="med" len="med"/>
+                      <a:tailEnd type="none" w="med" len="med"/>
+                    </a:lnB>
+                    <a:lnTlToBr>
+                      <a:noFill/>
+                    </a:lnTlToBr>
+                    <a:lnBlToTr>
+                      <a:noFill/>
+                    </a:lnBlToTr>
+                    <a:noFill/>
+                  </a:tcPr>
+                </a:tc>
+                <a:tc>
+                  <a:txBody>
+                    <a:bodyPr/>
+                    <a:lstStyle/>
+                    <a:p>
+                      <a:pPr marL="0" marR="0" lvl="0" indent="0" algn="ctr" defTabSz="914395" rtl="0" eaLnBrk="1" fontAlgn="t" latinLnBrk="0" hangingPunct="1">
+                        <a:lnSpc>
+                          <a:spcPct val="100000"/>
+                        </a:lnSpc>
+                        <a:spcBef>
+                          <a:spcPts val="0"/>
+                        </a:spcBef>
+                        <a:spcAft>
+                          <a:spcPts val="0"/>
+                        </a:spcAft>
+                        <a:buClrTx/>
+                        <a:buSzTx/>
+                        <a:buFontTx/>
+                        <a:buNone/>
+                        <a:tabLst/>
+                        <a:defRPr/>
+                      </a:pPr>
+                      <a:r>
+                        <a:rPr kumimoji="0" lang="en-US" sz="700" b="0" i="0" u="none" strike="noStrike" kern="1200" cap="none" spc="0" normalizeH="0" baseline="0" noProof="0" dirty="0">
+                          <a:ln>
+                            <a:noFill/>
+                          </a:ln>
+                          <a:solidFill>
+                            <a:srgbClr val="003B4C"/>
+                          </a:solidFill>
+                          <a:effectLst/>
+                          <a:uLnTx/>
+                          <a:uFillTx/>
+                          <a:latin typeface="Arial" panose="020B0604020202020204" pitchFamily="34" charset="0"/>
+                          <a:ea typeface="+mn-ea"/>
+                          <a:cs typeface="+mn-cs"/>
+                        </a:rPr>
+                        <a:t>DP:0.00
+AUM:0.00</a:t>
+                      </a:r>
+                    </a:p>
+                  </a:txBody>
+                  <a:tcPr marL="0" marR="0" marT="0" marB="0" anchor="ctr">
+                    <a:lnL>
+                      <a:noFill/>
+                    </a:lnL>
+                    <a:lnR cap="flat">
+                      <a:noFill/>
+                    </a:lnR>
+                    <a:lnT w="6350" cap="flat" cmpd="sng" algn="ctr">
+                      <a:solidFill>
+                        <a:srgbClr val="DBD5CD"/>
+                      </a:solidFill>
+                      <a:prstDash val="solid"/>
+                      <a:round/>
+                      <a:headEnd type="none" w="med" len="med"/>
+                      <a:tailEnd type="none" w="med" len="med"/>
+                    </a:lnT>
+                    <a:lnB w="6350" cap="flat" cmpd="sng" algn="ctr">
+                      <a:solidFill>
+                        <a:srgbClr val="DBD5CD"/>
+                      </a:solidFill>
+                      <a:prstDash val="solid"/>
+                      <a:round/>
+                      <a:headEnd type="none" w="med" len="med"/>
+                      <a:tailEnd type="none" w="med" len="med"/>
+                    </a:lnB>
+                    <a:lnTlToBr>
+                      <a:noFill/>
+                    </a:lnTlToBr>
+                    <a:lnBlToTr>
+                      <a:noFill/>
+                    </a:lnBlToTr>
+                    <a:noFill/>
+                  </a:tcPr>
+                </a:tc>
+                <a:tc>
+                  <a:txBody>
+                    <a:bodyPr/>
+                    <a:lstStyle/>
+                    <a:p>
+                      <a:pPr marL="0" marR="0" lvl="0" indent="0" algn="ctr" defTabSz="914395" rtl="0" eaLnBrk="1" fontAlgn="t" latinLnBrk="0" hangingPunct="1">
+                        <a:lnSpc>
+                          <a:spcPct val="100000"/>
+                        </a:lnSpc>
+                        <a:spcBef>
+                          <a:spcPts val="0"/>
+                        </a:spcBef>
+                        <a:spcAft>
+                          <a:spcPts val="0"/>
+                        </a:spcAft>
+                        <a:buClrTx/>
+                        <a:buSzTx/>
+                        <a:buFontTx/>
+                        <a:buNone/>
+                        <a:tabLst/>
+                        <a:defRPr/>
+                      </a:pPr>
+                      <a:r>
+                        <a:rPr kumimoji="0" lang="en-US" sz="2200" b="0" i="0" u="none" strike="noStrike" kern="1200" cap="none" spc="0" normalizeH="0" baseline="0" noProof="0" dirty="0">
+                          <a:ln>
+                            <a:noFill/>
+                          </a:ln>
+                          <a:solidFill>
+                            <a:srgbClr val="00A87E"/>
+                          </a:solidFill>
+                          <a:effectLst/>
+                          <a:uLnTx/>
+                          <a:uFillTx/>
+                          <a:latin typeface="+mn-lt"/>
+                          <a:ea typeface="+mn-ea"/>
+                          <a:cs typeface="+mn-cs"/>
+                          <a:sym typeface="Wingdings"/>
+                        </a:rPr>
+                        <a:t>✓</a:t>
+                      </a:r>
+                      <a:endParaRPr kumimoji="0" lang="en-US" sz="2200" b="0" i="0" u="none" strike="noStrike" kern="1200" cap="none" spc="0" normalizeH="0" baseline="0" noProof="0" dirty="0">
+                        <a:ln>
+                          <a:noFill/>
+                        </a:ln>
+                        <a:solidFill>
+                          <a:srgbClr val="FF0000"/>
+                        </a:solidFill>
+                        <a:effectLst/>
+                        <a:uLnTx/>
+                        <a:uFillTx/>
+                        <a:latin typeface="+mn-lt"/>
+                        <a:ea typeface="+mn-ea"/>
+                        <a:cs typeface="+mn-cs"/>
+                      </a:endParaRPr>
+                    </a:p>
+                  </a:txBody>
+                  <a:tcPr marL="0" marR="0" marT="0" marB="0" anchor="ctr">
+                    <a:lnL>
+                      <a:noFill/>
+                    </a:lnL>
+                    <a:lnR cap="flat">
+                      <a:noFill/>
+                    </a:lnR>
+                    <a:lnT w="6350" cap="flat" cmpd="sng" algn="ctr">
+                      <a:solidFill>
+                        <a:srgbClr val="DBD5CD"/>
+                      </a:solidFill>
+                      <a:prstDash val="solid"/>
+                      <a:round/>
+                      <a:headEnd type="none" w="med" len="med"/>
+                      <a:tailEnd type="none" w="med" len="med"/>
+                    </a:lnT>
+                    <a:lnB w="6350" cap="flat" cmpd="sng" algn="ctr">
+                      <a:solidFill>
+                        <a:srgbClr val="DBD5CD"/>
+                      </a:solidFill>
+                      <a:prstDash val="solid"/>
+                      <a:round/>
+                      <a:headEnd type="none" w="med" len="med"/>
+                      <a:tailEnd type="none" w="med" len="med"/>
+                    </a:lnB>
+                    <a:lnTlToBr>
+                      <a:noFill/>
+                    </a:lnTlToBr>
+                    <a:lnBlToTr>
+                      <a:noFill/>
+                    </a:lnBlToTr>
+                    <a:noFill/>
+                  </a:tcPr>
+                </a:tc>
+                <a:tc>
+                  <a:txBody>
+                    <a:bodyPr/>
+                    <a:lstStyle/>
+                    <a:p>
+                      <a:pPr marL="0" marR="0" lvl="0" indent="0" algn="ctr" defTabSz="914395" rtl="0" eaLnBrk="1" fontAlgn="t" latinLnBrk="0" hangingPunct="1">
+                        <a:lnSpc>
+                          <a:spcPct val="100000"/>
+                        </a:lnSpc>
+                        <a:spcBef>
+                          <a:spcPts val="0"/>
+                        </a:spcBef>
+                        <a:spcAft>
+                          <a:spcPts val="0"/>
+                        </a:spcAft>
+                        <a:buClrTx/>
+                        <a:buSzTx/>
+                        <a:buFontTx/>
+                        <a:buNone/>
+                        <a:tabLst/>
+                        <a:defRPr/>
+                      </a:pPr>
+                      <a:endParaRPr lang="en-US" sz="700" noProof="0" dirty="0">
+                        <a:solidFill>
+                          <a:srgbClr val="003B4C"/>
+                        </a:solidFill>
+                        <a:latin typeface="+mn-lt"/>
+                      </a:endParaRPr>
+                    </a:p>
+                    <a:p>
+                      <a:pPr marL="0" marR="0" lvl="0" indent="0" algn="ctr" defTabSz="914395" rtl="0" eaLnBrk="1" fontAlgn="t" latinLnBrk="0" hangingPunct="1">
+                        <a:lnSpc>
+                          <a:spcPct val="100000"/>
+                        </a:lnSpc>
+                        <a:spcBef>
+                          <a:spcPts val="0"/>
+                        </a:spcBef>
+                        <a:spcAft>
+                          <a:spcPts val="0"/>
+                        </a:spcAft>
+                        <a:buClrTx/>
+                        <a:buSzTx/>
+                        <a:buFontTx/>
+                        <a:buNone/>
+                        <a:tabLst/>
+                        <a:defRPr/>
+                      </a:pPr>
+                      <a:endParaRPr lang="en-US" sz="700" noProof="0" dirty="0">
+                        <a:solidFill>
+                          <a:srgbClr val="003B4C"/>
+                        </a:solidFill>
+                        <a:latin typeface="+mn-lt"/>
+                      </a:endParaRPr>
+                    </a:p>
+                    <a:p>
+                      <a:pPr marL="0" marR="0" lvl="0" indent="0" algn="ctr" defTabSz="914395" rtl="0" eaLnBrk="1" fontAlgn="t" latinLnBrk="0" hangingPunct="1">
+                        <a:lnSpc>
+                          <a:spcPct val="100000"/>
+                        </a:lnSpc>
+                        <a:spcBef>
+                          <a:spcPts val="0"/>
+                        </a:spcBef>
+                        <a:spcAft>
+                          <a:spcPts val="0"/>
+                        </a:spcAft>
+                        <a:buClrTx/>
+                        <a:buSzTx/>
+                        <a:buFontTx/>
+                        <a:buNone/>
+                        <a:tabLst/>
+                        <a:defRPr/>
+                      </a:pPr>
+                      <a:endParaRPr lang="en-US" sz="700" noProof="0" dirty="0">
+                        <a:solidFill>
+                          <a:srgbClr val="003B4C"/>
+                        </a:solidFill>
+                        <a:latin typeface="+mn-lt"/>
+                      </a:endParaRPr>
+                    </a:p>
+                    <a:p>
+                      <a:pPr marL="0" marR="0" lvl="0" indent="0" algn="ctr" defTabSz="914395" rtl="0" eaLnBrk="1" fontAlgn="t" latinLnBrk="0" hangingPunct="1">
+                        <a:lnSpc>
+                          <a:spcPct val="100000"/>
+                        </a:lnSpc>
+                        <a:spcBef>
+                          <a:spcPts val="0"/>
+                        </a:spcBef>
+                        <a:spcAft>
+                          <a:spcPts val="0"/>
+                        </a:spcAft>
+                        <a:buClrTx/>
+                        <a:buSzTx/>
+                        <a:buFontTx/>
+                        <a:buNone/>
+                        <a:tabLst/>
+                        <a:defRPr/>
+                      </a:pPr>
+                      <a:endParaRPr lang="en-US" sz="700" noProof="0" dirty="0">
+                        <a:solidFill>
+                          <a:srgbClr val="003B4C"/>
+                        </a:solidFill>
+                        <a:latin typeface="+mn-lt"/>
+                      </a:endParaRPr>
+                    </a:p>
+                    <a:p>
+                      <a:pPr marL="0" marR="0" lvl="0" indent="0" algn="ctr" defTabSz="914395" rtl="0" eaLnBrk="1" fontAlgn="t" latinLnBrk="0" hangingPunct="1">
+                        <a:lnSpc>
+                          <a:spcPct val="100000"/>
+                        </a:lnSpc>
+                        <a:spcBef>
+                          <a:spcPts val="0"/>
+                        </a:spcBef>
+                        <a:spcAft>
+                          <a:spcPts val="0"/>
+                        </a:spcAft>
+                        <a:buClrTx/>
+                        <a:buSzTx/>
+                        <a:buFontTx/>
+                        <a:buNone/>
+                        <a:tabLst/>
+                        <a:defRPr/>
+                      </a:pPr>
+                      <a:endParaRPr lang="en-US" sz="700" noProof="0" dirty="0">
+                        <a:solidFill>
+                          <a:srgbClr val="003B4C"/>
+                        </a:solidFill>
+                        <a:latin typeface="+mn-lt"/>
+                      </a:endParaRPr>
+                    </a:p>
+                    <a:p>
+                      <a:pPr marL="0" marR="0" lvl="0" indent="0" algn="ctr" defTabSz="914395" rtl="0" eaLnBrk="1" fontAlgn="t" latinLnBrk="0" hangingPunct="1">
+                        <a:lnSpc>
+                          <a:spcPct val="100000"/>
+                        </a:lnSpc>
+                        <a:spcBef>
+                          <a:spcPts val="0"/>
+                        </a:spcBef>
+                        <a:spcAft>
+                          <a:spcPts val="0"/>
+                        </a:spcAft>
+                        <a:buClrTx/>
+                        <a:buSzTx/>
+                        <a:buFontTx/>
+                        <a:buNone/>
+                        <a:tabLst/>
+                        <a:defRPr/>
+                      </a:pPr>
+                      <a:r>
+                        <a:rPr lang="en-US" sz="700" noProof="0" dirty="0">
+                          <a:solidFill>
+                            <a:srgbClr val="003B4C"/>
+                          </a:solidFill>
+                          <a:latin typeface="+mn-lt"/>
+                        </a:rPr>
+                        <a:t>Producer of UHT (Ultra High Temperature) dairy beverages based in Rio Verde, Brazil.</a:t>
+                      </a:r>
+                    </a:p>
+                  </a:txBody>
+                  <a:tcPr marL="0" marR="0" marT="0" marB="0" anchor="ctr">
+                    <a:lnL>
+                      <a:noFill/>
+                    </a:lnL>
+                    <a:lnR cap="flat">
+                      <a:noFill/>
+                    </a:lnR>
+                    <a:lnT w="6350" cap="flat" cmpd="sng" algn="ctr">
+                      <a:solidFill>
+                        <a:srgbClr val="DBD5CD"/>
+                      </a:solidFill>
+                      <a:prstDash val="solid"/>
+                      <a:round/>
+                      <a:headEnd type="none" w="med" len="med"/>
+                      <a:tailEnd type="none" w="med" len="med"/>
+                    </a:lnT>
+                    <a:lnB w="6350" cap="flat" cmpd="sng" algn="ctr">
+                      <a:solidFill>
+                        <a:srgbClr val="DBD5CD"/>
+                      </a:solidFill>
+                      <a:prstDash val="solid"/>
+                      <a:round/>
+                      <a:headEnd type="none" w="med" len="med"/>
+                      <a:tailEnd type="none" w="med" len="med"/>
+                    </a:lnB>
+                    <a:lnTlToBr>
+                      <a:noFill/>
+                    </a:lnTlToBr>
+                    <a:lnBlToTr>
+                      <a:noFill/>
+                    </a:lnBlToTr>
+                    <a:noFill/>
+                  </a:tcPr>
+                </a:tc>
+                <a:tc>
+                  <a:txBody>
+                    <a:bodyPr/>
+                    <a:lstStyle/>
+                    <a:p>
+                      <a:pPr marL="0" marR="0" lvl="0" indent="0" algn="ctr" defTabSz="914395" rtl="0" eaLnBrk="1" fontAlgn="t" latinLnBrk="0" hangingPunct="1">
+                        <a:lnSpc>
+                          <a:spcPct val="100000"/>
+                        </a:lnSpc>
+                        <a:spcBef>
+                          <a:spcPts val="0"/>
+                        </a:spcBef>
+                        <a:spcAft>
+                          <a:spcPts val="0"/>
+                        </a:spcAft>
+                        <a:buClrTx/>
+                        <a:buSzTx/>
+                        <a:buFontTx/>
+                        <a:buNone/>
+                        <a:tabLst/>
+                        <a:defRPr/>
+                      </a:pPr>
+                      <a:endParaRPr lang="en-US" sz="700" noProof="0" dirty="0">
+                        <a:solidFill>
+                          <a:srgbClr val="003B4C"/>
+                        </a:solidFill>
+                        <a:latin typeface="+mn-lt"/>
+                      </a:endParaRPr>
+                    </a:p>
+                    <a:p>
+                      <a:pPr marL="0" marR="0" lvl="0" indent="0" algn="ctr" defTabSz="914395" rtl="0" eaLnBrk="1" fontAlgn="t" latinLnBrk="0" hangingPunct="1">
+                        <a:lnSpc>
+                          <a:spcPct val="100000"/>
+                        </a:lnSpc>
+                        <a:spcBef>
+                          <a:spcPts val="0"/>
+                        </a:spcBef>
+                        <a:spcAft>
+                          <a:spcPts val="0"/>
+                        </a:spcAft>
+                        <a:buClrTx/>
+                        <a:buSzTx/>
+                        <a:buFontTx/>
+                        <a:buNone/>
+                        <a:tabLst/>
+                        <a:defRPr/>
+                      </a:pPr>
+                      <a:endParaRPr lang="en-US" sz="700" noProof="0" dirty="0">
+                        <a:solidFill>
+                          <a:srgbClr val="003B4C"/>
+                        </a:solidFill>
+                        <a:latin typeface="+mn-lt"/>
+                      </a:endParaRPr>
+                    </a:p>
+                    <a:p>
+                      <a:pPr marL="0" marR="0" lvl="0" indent="0" algn="ctr" defTabSz="914395" rtl="0" eaLnBrk="1" fontAlgn="t" latinLnBrk="0" hangingPunct="1">
+                        <a:lnSpc>
+                          <a:spcPct val="100000"/>
+                        </a:lnSpc>
+                        <a:spcBef>
+                          <a:spcPts val="0"/>
+                        </a:spcBef>
+                        <a:spcAft>
+                          <a:spcPts val="0"/>
+                        </a:spcAft>
+                        <a:buClrTx/>
+                        <a:buSzTx/>
+                        <a:buFontTx/>
+                        <a:buNone/>
+                        <a:tabLst/>
+                        <a:defRPr/>
+                      </a:pPr>
+                      <a:endParaRPr lang="en-US" sz="700" noProof="0" dirty="0">
+                        <a:solidFill>
+                          <a:srgbClr val="003B4C"/>
+                        </a:solidFill>
+                        <a:latin typeface="+mn-lt"/>
+                      </a:endParaRPr>
+                    </a:p>
+                    <a:p>
+                      <a:pPr marL="0" marR="0" lvl="0" indent="0" algn="ctr" defTabSz="914395" rtl="0" eaLnBrk="1" fontAlgn="t" latinLnBrk="0" hangingPunct="1">
+                        <a:lnSpc>
+                          <a:spcPct val="100000"/>
+                        </a:lnSpc>
+                        <a:spcBef>
+                          <a:spcPts val="0"/>
+                        </a:spcBef>
+                        <a:spcAft>
+                          <a:spcPts val="0"/>
+                        </a:spcAft>
+                        <a:buClrTx/>
+                        <a:buSzTx/>
+                        <a:buFontTx/>
+                        <a:buNone/>
+                        <a:tabLst/>
+                        <a:defRPr/>
+                      </a:pPr>
+                      <a:endParaRPr lang="en-US" sz="700" noProof="0" dirty="0">
+                        <a:solidFill>
+                          <a:srgbClr val="003B4C"/>
+                        </a:solidFill>
+                        <a:latin typeface="+mn-lt"/>
+                      </a:endParaRPr>
+                    </a:p>
+                    <a:p>
+                      <a:pPr marL="0" marR="0" lvl="0" indent="0" algn="ctr" defTabSz="914395" rtl="0" eaLnBrk="1" fontAlgn="t" latinLnBrk="0" hangingPunct="1">
+                        <a:lnSpc>
+                          <a:spcPct val="100000"/>
+                        </a:lnSpc>
+                        <a:spcBef>
+                          <a:spcPts val="0"/>
+                        </a:spcBef>
+                        <a:spcAft>
+                          <a:spcPts val="0"/>
+                        </a:spcAft>
+                        <a:buClrTx/>
+                        <a:buSzTx/>
+                        <a:buFontTx/>
+                        <a:buNone/>
+                        <a:tabLst/>
+                        <a:defRPr/>
+                      </a:pPr>
+                      <a:endParaRPr lang="en-US" sz="700" noProof="0" dirty="0">
+                        <a:solidFill>
+                          <a:srgbClr val="003B4C"/>
+                        </a:solidFill>
+                        <a:latin typeface="+mn-lt"/>
+                      </a:endParaRPr>
+                    </a:p>
+                    <a:p>
+                      <a:pPr marL="0" marR="0" lvl="0" indent="0" algn="ctr" defTabSz="914395" rtl="0" eaLnBrk="1" fontAlgn="t" latinLnBrk="0" hangingPunct="1">
+                        <a:lnSpc>
+                          <a:spcPct val="100000"/>
+                        </a:lnSpc>
+                        <a:spcBef>
+                          <a:spcPts val="0"/>
+                        </a:spcBef>
+                        <a:spcAft>
+                          <a:spcPts val="0"/>
+                        </a:spcAft>
+                        <a:buClrTx/>
+                        <a:buSzTx/>
+                        <a:buFontTx/>
+                        <a:buNone/>
+                        <a:tabLst/>
+                        <a:defRPr/>
+                      </a:pPr>
+                      <a:r>
+                        <a:rPr lang="en-US" sz="700" noProof="0" dirty="0">
+                          <a:solidFill>
+                            <a:srgbClr val="003B4C"/>
+                          </a:solidFill>
+                          <a:latin typeface="+mn-lt"/>
+                        </a:rPr>
+                        <a:t>Developer of a technological ecosystem designed to use big data insights through a geographic platform to help agribusinesses make smart decisions, leading to increased sustainability and profitability.</a:t>
+                      </a:r>
+                    </a:p>
+                  </a:txBody>
+                  <a:tcPr marL="0" marR="0" marT="0" marB="0" anchor="ctr">
+                    <a:lnL>
+                      <a:noFill/>
+                    </a:lnL>
+                    <a:lnR cap="flat">
+                      <a:noFill/>
+                    </a:lnR>
+                    <a:lnT w="6350" cap="flat" cmpd="sng" algn="ctr">
+                      <a:solidFill>
+                        <a:srgbClr val="DBD5CD"/>
+                      </a:solidFill>
+                      <a:prstDash val="solid"/>
+                      <a:round/>
+                      <a:headEnd type="none" w="med" len="med"/>
+                      <a:tailEnd type="none" w="med" len="med"/>
+                    </a:lnT>
+                    <a:lnB w="6350" cap="flat" cmpd="sng" algn="ctr">
+                      <a:solidFill>
+                        <a:srgbClr val="DBD5CD"/>
+                      </a:solidFill>
+                      <a:prstDash val="solid"/>
+                      <a:round/>
+                      <a:headEnd type="none" w="med" len="med"/>
+                      <a:tailEnd type="none" w="med" len="med"/>
+                    </a:lnB>
+                    <a:lnTlToBr>
+                      <a:noFill/>
+                    </a:lnTlToBr>
+                    <a:lnBlToTr>
+                      <a:noFill/>
+                    </a:lnBlToTr>
+                    <a:noFill/>
+                  </a:tcPr>
+                </a:tc>
+                <a:tc>
+                  <a:txBody>
+                    <a:bodyPr/>
+                    <a:lstStyle/>
+                    <a:p>
+                      <a:pPr marL="0" marR="0" lvl="0" indent="0" algn="ctr" defTabSz="914395" rtl="0" eaLnBrk="1" fontAlgn="t" latinLnBrk="0" hangingPunct="1">
+                        <a:lnSpc>
+                          <a:spcPct val="100000"/>
+                        </a:lnSpc>
+                        <a:spcBef>
+                          <a:spcPts val="0"/>
+                        </a:spcBef>
+                        <a:spcAft>
+                          <a:spcPts val="0"/>
+                        </a:spcAft>
+                        <a:buClrTx/>
+                        <a:buSzTx/>
+                        <a:buFontTx/>
+                        <a:buNone/>
+                        <a:tabLst/>
+                        <a:defRPr/>
+                      </a:pPr>
+                      <a:endParaRPr lang="en-US" sz="700" noProof="0" dirty="0">
+                        <a:solidFill>
+                          <a:srgbClr val="003B4C"/>
+                        </a:solidFill>
+                        <a:latin typeface="+mn-lt"/>
+                      </a:endParaRPr>
+                    </a:p>
+                    <a:p>
+                      <a:pPr marL="0" marR="0" lvl="0" indent="0" algn="ctr" defTabSz="914395" rtl="0" eaLnBrk="1" fontAlgn="t" latinLnBrk="0" hangingPunct="1">
+                        <a:lnSpc>
+                          <a:spcPct val="100000"/>
+                        </a:lnSpc>
+                        <a:spcBef>
+                          <a:spcPts val="0"/>
+                        </a:spcBef>
+                        <a:spcAft>
+                          <a:spcPts val="0"/>
+                        </a:spcAft>
+                        <a:buClrTx/>
+                        <a:buSzTx/>
+                        <a:buFontTx/>
+                        <a:buNone/>
+                        <a:tabLst/>
+                        <a:defRPr/>
+                      </a:pPr>
+                      <a:endParaRPr lang="en-US" sz="700" noProof="0" dirty="0">
+                        <a:solidFill>
+                          <a:srgbClr val="003B4C"/>
+                        </a:solidFill>
+                        <a:latin typeface="+mn-lt"/>
+                      </a:endParaRPr>
+                    </a:p>
+                    <a:p>
+                      <a:pPr marL="0" marR="0" lvl="0" indent="0" algn="ctr" defTabSz="914395" rtl="0" eaLnBrk="1" fontAlgn="t" latinLnBrk="0" hangingPunct="1">
+                        <a:lnSpc>
+                          <a:spcPct val="100000"/>
+                        </a:lnSpc>
+                        <a:spcBef>
+                          <a:spcPts val="0"/>
+                        </a:spcBef>
+                        <a:spcAft>
+                          <a:spcPts val="0"/>
+                        </a:spcAft>
+                        <a:buClrTx/>
+                        <a:buSzTx/>
+                        <a:buFontTx/>
+                        <a:buNone/>
+                        <a:tabLst/>
+                        <a:defRPr/>
+                      </a:pPr>
+                      <a:endParaRPr lang="en-US" sz="700" noProof="0" dirty="0">
+                        <a:solidFill>
+                          <a:srgbClr val="003B4C"/>
+                        </a:solidFill>
+                        <a:latin typeface="+mn-lt"/>
+                      </a:endParaRPr>
+                    </a:p>
+                    <a:p>
+                      <a:pPr marL="0" marR="0" lvl="0" indent="0" algn="ctr" defTabSz="914395" rtl="0" eaLnBrk="1" fontAlgn="t" latinLnBrk="0" hangingPunct="1">
+                        <a:lnSpc>
+                          <a:spcPct val="100000"/>
+                        </a:lnSpc>
+                        <a:spcBef>
+                          <a:spcPts val="0"/>
+                        </a:spcBef>
+                        <a:spcAft>
+                          <a:spcPts val="0"/>
+                        </a:spcAft>
+                        <a:buClrTx/>
+                        <a:buSzTx/>
+                        <a:buFontTx/>
+                        <a:buNone/>
+                        <a:tabLst/>
+                        <a:defRPr/>
+                      </a:pPr>
+                      <a:endParaRPr lang="en-US" sz="700" noProof="0" dirty="0">
+                        <a:solidFill>
+                          <a:srgbClr val="003B4C"/>
+                        </a:solidFill>
+                        <a:latin typeface="+mn-lt"/>
+                      </a:endParaRPr>
+                    </a:p>
+                    <a:p>
+                      <a:pPr marL="0" marR="0" lvl="0" indent="0" algn="ctr" defTabSz="914395" rtl="0" eaLnBrk="1" fontAlgn="t" latinLnBrk="0" hangingPunct="1">
+                        <a:lnSpc>
+                          <a:spcPct val="100000"/>
+                        </a:lnSpc>
+                        <a:spcBef>
+                          <a:spcPts val="0"/>
+                        </a:spcBef>
+                        <a:spcAft>
+                          <a:spcPts val="0"/>
+                        </a:spcAft>
+                        <a:buClrTx/>
+                        <a:buSzTx/>
+                        <a:buFontTx/>
+                        <a:buNone/>
+                        <a:tabLst/>
+                        <a:defRPr/>
+                      </a:pPr>
+                      <a:endParaRPr lang="en-US" sz="700" noProof="0" dirty="0">
+                        <a:solidFill>
+                          <a:srgbClr val="003B4C"/>
+                        </a:solidFill>
+                        <a:latin typeface="+mn-lt"/>
+                      </a:endParaRPr>
+                    </a:p>
+                    <a:p>
+                      <a:pPr marL="0" marR="0" lvl="0" indent="0" algn="ctr" defTabSz="914395" rtl="0" eaLnBrk="1" fontAlgn="t" latinLnBrk="0" hangingPunct="1">
+                        <a:lnSpc>
+                          <a:spcPct val="100000"/>
+                        </a:lnSpc>
+                        <a:spcBef>
+                          <a:spcPts val="0"/>
+                        </a:spcBef>
+                        <a:spcAft>
+                          <a:spcPts val="0"/>
+                        </a:spcAft>
+                        <a:buClrTx/>
+                        <a:buSzTx/>
+                        <a:buFontTx/>
+                        <a:buNone/>
+                        <a:tabLst/>
+                        <a:defRPr/>
+                      </a:pPr>
+                      <a:r>
+                        <a:rPr lang="en-US" sz="700" noProof="0" dirty="0">
+                          <a:solidFill>
+                            <a:srgbClr val="003B4C"/>
+                          </a:solidFill>
+                          <a:latin typeface="+mn-lt"/>
+                        </a:rPr>
+                        <a:t>Developer of a technological management platform designed to simplify the migration of systems. f</a:t>
+                      </a:r>
+                    </a:p>
+                  </a:txBody>
+                  <a:tcPr marL="0" marR="0" marT="0" marB="0" anchor="ctr">
+                    <a:lnL>
+                      <a:noFill/>
+                    </a:lnL>
+                    <a:lnR cap="flat">
+                      <a:noFill/>
+                    </a:lnR>
+                    <a:lnT w="6350" cap="flat" cmpd="sng" algn="ctr">
+                      <a:solidFill>
+                        <a:srgbClr val="DBD5CD"/>
+                      </a:solidFill>
+                      <a:prstDash val="solid"/>
+                      <a:round/>
+                      <a:headEnd type="none" w="med" len="med"/>
+                      <a:tailEnd type="none" w="med" len="med"/>
+                    </a:lnT>
+                    <a:lnB w="6350" cap="flat" cmpd="sng" algn="ctr">
+                      <a:solidFill>
+                        <a:srgbClr val="DBD5CD"/>
+                      </a:solidFill>
+                      <a:prstDash val="solid"/>
+                      <a:round/>
+                      <a:headEnd type="none" w="med" len="med"/>
+                      <a:tailEnd type="none" w="med" len="med"/>
+                    </a:lnB>
+                    <a:lnTlToBr>
+                      <a:noFill/>
+                    </a:lnTlToBr>
+                    <a:lnBlToTr>
+                      <a:noFill/>
+                    </a:lnBlToTr>
+                    <a:noFill/>
+                  </a:tcPr>
+                </a:tc>
+                <a:extLst>
+                  <a:ext uri="{0D108BD9-81ED-4DB2-BD59-A6C34878D82A}">
+                    <a16:rowId xmlns:a16="http://schemas.microsoft.com/office/drawing/2014/main" val="4263838716"/>
+                  </a:ext>
+                </a:extLst>
+              </a:tr>
+              <a:tr h="936243">
+                <a:tc>
+                  <a:txBody>
+                    <a:bodyPr/>
+                    <a:lstStyle/>
+                    <a:p>
+                      <a:pPr marL="0" marR="0" lvl="0" indent="0" algn="ctr" defTabSz="958850" rtl="0" eaLnBrk="1" fontAlgn="base" latinLnBrk="0" hangingPunct="1">
+                        <a:lnSpc>
+                          <a:spcPct val="100000"/>
+                        </a:lnSpc>
+                        <a:spcBef>
+                          <a:spcPct val="0"/>
+                        </a:spcBef>
+                        <a:spcAft>
+                          <a:spcPct val="0"/>
+                        </a:spcAft>
+                        <a:buClr>
+                          <a:srgbClr val="000080"/>
+                        </a:buClr>
+                        <a:buSzTx/>
+                        <a:buFont typeface="Wingdings" pitchFamily="2" charset="2"/>
+                        <a:buNone/>
+                        <a:tabLst/>
+                        <a:defRPr/>
+                      </a:pPr>
+                      <a:r>
+                        <a:rPr kumimoji="0" lang="en-US" sz="600" b="1" i="0" u="none" strike="noStrike" kern="1200" cap="none" spc="0" normalizeH="0" baseline="0" noProof="0" dirty="0">
+                          <a:ln>
+                            <a:noFill/>
+                          </a:ln>
+                          <a:solidFill>
+                            <a:srgbClr val="003B4C"/>
+                          </a:solidFill>
+                          <a:effectLst/>
+                          <a:uLnTx/>
+                          <a:uFillTx/>
+                          <a:latin typeface="Arial" panose="020B0604020202020204" pitchFamily="34" charset="0"/>
+                          <a:ea typeface="+mn-ea"/>
+                          <a:cs typeface="+mn-cs"/>
+                        </a:rPr>
+                        <a:t>7</a:t>
+                      </a:r>
+                      <a:endParaRPr lang="en-US" sz="600" b="1" i="0" u="none" kern="1200" noProof="0" dirty="0">
+                        <a:solidFill>
+                          <a:schemeClr val="tx2"/>
+                        </a:solidFill>
+                        <a:latin typeface="Arial" panose="020B0604020202020204" pitchFamily="34" charset="0"/>
+                        <a:ea typeface="+mn-ea"/>
+                        <a:cs typeface="+mn-cs"/>
+                      </a:endParaRPr>
+                    </a:p>
+                  </a:txBody>
+                  <a:tcPr marL="0" marR="84406" marT="0" marB="0" anchor="ctr" horzOverflow="overflow">
+                    <a:lnL cap="flat">
+                      <a:noFill/>
+                    </a:lnL>
+                    <a:lnR>
+                      <a:noFill/>
+                    </a:lnR>
+                    <a:lnT w="6350" cap="flat" cmpd="sng" algn="ctr">
+                      <a:solidFill>
+                        <a:srgbClr val="DBD5CD"/>
+                      </a:solidFill>
+                      <a:prstDash val="solid"/>
+                      <a:round/>
+                      <a:headEnd type="none" w="med" len="med"/>
+                      <a:tailEnd type="none" w="med" len="med"/>
+                    </a:lnT>
+                    <a:lnB w="6350" cap="flat" cmpd="sng" algn="ctr">
+                      <a:solidFill>
+                        <a:srgbClr val="DBD5CD"/>
+                      </a:solidFill>
+                      <a:prstDash val="solid"/>
+                      <a:round/>
+                      <a:headEnd type="none" w="med" len="med"/>
+                      <a:tailEnd type="none" w="med" len="med"/>
+                    </a:lnB>
+                    <a:lnTlToBr>
+                      <a:noFill/>
+                    </a:lnTlToBr>
+                    <a:lnBlToTr>
+                      <a:noFill/>
+                    </a:lnBlToTr>
+                    <a:solidFill>
+                      <a:srgbClr val="F0F5F7"/>
+                    </a:solidFill>
+                  </a:tcPr>
+                </a:tc>
+                <a:tc>
+                  <a:txBody>
+                    <a:bodyPr/>
+                    <a:lstStyle/>
+                    <a:p>
+                      <a:pPr marL="0" marR="0" lvl="0" indent="0" algn="l" defTabSz="958850" rtl="0" eaLnBrk="1" fontAlgn="base" latinLnBrk="0" hangingPunct="1">
+                        <a:lnSpc>
+                          <a:spcPct val="100000"/>
+                        </a:lnSpc>
+                        <a:spcBef>
+                          <a:spcPct val="0"/>
+                        </a:spcBef>
+                        <a:spcAft>
+                          <a:spcPct val="0"/>
+                        </a:spcAft>
+                        <a:buClr>
+                          <a:srgbClr val="000080"/>
+                        </a:buClr>
+                        <a:buSzTx/>
+                        <a:buFont typeface="Wingdings" pitchFamily="2" charset="2"/>
+                        <a:buNone/>
+                        <a:tabLst/>
+                        <a:defRPr/>
+                      </a:pPr>
+                      <a:endParaRPr kumimoji="0" lang="en-US" sz="700" b="0" i="0" u="none" strike="noStrike" kern="1200" cap="none" spc="0" normalizeH="0" baseline="0" noProof="0" dirty="0">
+                        <a:ln>
+                          <a:noFill/>
+                        </a:ln>
+                        <a:solidFill>
+                          <a:srgbClr val="003B4C"/>
+                        </a:solidFill>
+                        <a:effectLst/>
+                        <a:highlight>
+                          <a:srgbClr val="FFFF00"/>
+                        </a:highlight>
+                        <a:uLnTx/>
+                        <a:uFillTx/>
+                        <a:latin typeface="Arial" panose="020B0604020202020204" pitchFamily="34" charset="0"/>
+                        <a:ea typeface="+mn-ea"/>
+                        <a:cs typeface="+mn-cs"/>
+                      </a:endParaRPr>
+                    </a:p>
+                    <a:p>
+                      <a:pPr marL="0" marR="0" lvl="0" indent="0" algn="l" defTabSz="958850" rtl="0" eaLnBrk="1" fontAlgn="base" latinLnBrk="0" hangingPunct="1">
+                        <a:lnSpc>
+                          <a:spcPct val="100000"/>
+                        </a:lnSpc>
+                        <a:spcBef>
+                          <a:spcPct val="0"/>
+                        </a:spcBef>
+                        <a:spcAft>
+                          <a:spcPct val="0"/>
+                        </a:spcAft>
+                        <a:buClr>
+                          <a:srgbClr val="000080"/>
+                        </a:buClr>
+                        <a:buSzTx/>
+                        <a:buFont typeface="Wingdings" pitchFamily="2" charset="2"/>
+                        <a:buNone/>
+                        <a:tabLst/>
+                        <a:defRPr/>
+                      </a:pPr>
+                      <a:endParaRPr kumimoji="0" lang="en-US" sz="700" b="0" i="0" u="none" strike="noStrike" kern="1200" cap="none" spc="0" normalizeH="0" baseline="0" noProof="0" dirty="0">
+                        <a:ln>
+                          <a:noFill/>
+                        </a:ln>
+                        <a:solidFill>
+                          <a:srgbClr val="003B4C"/>
+                        </a:solidFill>
+                        <a:effectLst/>
+                        <a:highlight>
+                          <a:srgbClr val="FFFF00"/>
+                        </a:highlight>
+                        <a:uLnTx/>
+                        <a:uFillTx/>
+                        <a:latin typeface="Arial" panose="020B0604020202020204" pitchFamily="34" charset="0"/>
+                        <a:ea typeface="+mn-ea"/>
+                        <a:cs typeface="+mn-cs"/>
+                      </a:endParaRPr>
+                    </a:p>
+                    <a:p>
+                      <a:pPr marL="0" marR="0" lvl="0" indent="0" algn="l" defTabSz="958850" rtl="0" eaLnBrk="1" fontAlgn="base" latinLnBrk="0" hangingPunct="1">
+                        <a:lnSpc>
+                          <a:spcPct val="100000"/>
+                        </a:lnSpc>
+                        <a:spcBef>
+                          <a:spcPct val="0"/>
+                        </a:spcBef>
+                        <a:spcAft>
+                          <a:spcPct val="0"/>
+                        </a:spcAft>
+                        <a:buClr>
+                          <a:srgbClr val="000080"/>
+                        </a:buClr>
+                        <a:buSzTx/>
+                        <a:buFont typeface="Wingdings" pitchFamily="2" charset="2"/>
+                        <a:buNone/>
+                        <a:tabLst/>
+                        <a:defRPr/>
+                      </a:pPr>
+                      <a:endParaRPr kumimoji="0" lang="en-US" sz="700" b="0" i="0" u="none" strike="noStrike" kern="1200" cap="none" spc="0" normalizeH="0" baseline="0" noProof="0" dirty="0">
+                        <a:ln>
+                          <a:noFill/>
+                        </a:ln>
+                        <a:solidFill>
+                          <a:srgbClr val="003B4C"/>
+                        </a:solidFill>
+                        <a:effectLst/>
+                        <a:highlight>
+                          <a:srgbClr val="FFFF00"/>
+                        </a:highlight>
+                        <a:uLnTx/>
+                        <a:uFillTx/>
+                        <a:latin typeface="Arial" panose="020B0604020202020204" pitchFamily="34" charset="0"/>
+                        <a:ea typeface="+mn-ea"/>
+                        <a:cs typeface="+mn-cs"/>
+                      </a:endParaRPr>
+                    </a:p>
+                    <a:p>
+                      <a:pPr marL="0" marR="0" lvl="0" indent="0" algn="l" defTabSz="958850" rtl="0" eaLnBrk="1" fontAlgn="base" latinLnBrk="0" hangingPunct="1">
+                        <a:lnSpc>
+                          <a:spcPct val="100000"/>
+                        </a:lnSpc>
+                        <a:spcBef>
+                          <a:spcPct val="0"/>
+                        </a:spcBef>
+                        <a:spcAft>
+                          <a:spcPct val="0"/>
+                        </a:spcAft>
+                        <a:buClr>
+                          <a:srgbClr val="000080"/>
+                        </a:buClr>
+                        <a:buSzTx/>
+                        <a:buFont typeface="Wingdings" pitchFamily="2" charset="2"/>
+                        <a:buNone/>
+                        <a:tabLst/>
+                        <a:defRPr/>
+                      </a:pPr>
+                      <a:endParaRPr kumimoji="0" lang="en-US" sz="700" b="0" i="0" u="none" strike="noStrike" kern="1200" cap="none" spc="0" normalizeH="0" baseline="0" noProof="0" dirty="0">
+                        <a:ln>
+                          <a:noFill/>
+                        </a:ln>
+                        <a:solidFill>
+                          <a:srgbClr val="003B4C"/>
+                        </a:solidFill>
+                        <a:effectLst/>
+                        <a:highlight>
+                          <a:srgbClr val="FFFF00"/>
+                        </a:highlight>
+                        <a:uLnTx/>
+                        <a:uFillTx/>
+                        <a:latin typeface="Arial" panose="020B0604020202020204" pitchFamily="34" charset="0"/>
+                        <a:ea typeface="+mn-ea"/>
+                        <a:cs typeface="+mn-cs"/>
+                      </a:endParaRPr>
+                    </a:p>
+                    <a:p>
+                      <a:pPr marL="0" marR="0" lvl="0" indent="0" algn="l" defTabSz="958850" rtl="0" eaLnBrk="1" fontAlgn="base" latinLnBrk="0" hangingPunct="1">
+                        <a:lnSpc>
+                          <a:spcPct val="100000"/>
+                        </a:lnSpc>
+                        <a:spcBef>
+                          <a:spcPct val="0"/>
+                        </a:spcBef>
+                        <a:spcAft>
+                          <a:spcPct val="0"/>
+                        </a:spcAft>
+                        <a:buClr>
+                          <a:srgbClr val="000080"/>
+                        </a:buClr>
+                        <a:buSzTx/>
+                        <a:buFont typeface="Wingdings" pitchFamily="2" charset="2"/>
+                        <a:buNone/>
+                        <a:tabLst/>
+                        <a:defRPr/>
+                      </a:pPr>
+                      <a:endParaRPr kumimoji="0" lang="en-US" sz="700" b="0" i="0" u="none" strike="noStrike" kern="1200" cap="none" spc="0" normalizeH="0" baseline="0" noProof="0" dirty="0">
+                        <a:ln>
+                          <a:noFill/>
+                        </a:ln>
+                        <a:solidFill>
+                          <a:srgbClr val="003B4C"/>
+                        </a:solidFill>
+                        <a:effectLst/>
+                        <a:highlight>
+                          <a:srgbClr val="FFFF00"/>
+                        </a:highlight>
+                        <a:uLnTx/>
+                        <a:uFillTx/>
+                        <a:latin typeface="Arial" panose="020B0604020202020204" pitchFamily="34" charset="0"/>
+                        <a:ea typeface="+mn-ea"/>
+                        <a:cs typeface="+mn-cs"/>
+                      </a:endParaRPr>
+                    </a:p>
+                    <a:p>
+                      <a:pPr marL="0" marR="0" lvl="0" indent="0" algn="l" defTabSz="958850" rtl="0" eaLnBrk="1" fontAlgn="base" latinLnBrk="0" hangingPunct="1">
+                        <a:lnSpc>
+                          <a:spcPct val="100000"/>
+                        </a:lnSpc>
+                        <a:spcBef>
+                          <a:spcPct val="0"/>
+                        </a:spcBef>
+                        <a:spcAft>
+                          <a:spcPct val="0"/>
+                        </a:spcAft>
+                        <a:buClr>
+                          <a:srgbClr val="000080"/>
+                        </a:buClr>
+                        <a:buSzTx/>
+                        <a:buFont typeface="Wingdings" pitchFamily="2" charset="2"/>
+                        <a:buNone/>
+                        <a:tabLst/>
+                        <a:defRPr/>
+                      </a:pPr>
+                      <a:endParaRPr kumimoji="0" lang="en-US" sz="700" b="0" i="0" u="none" strike="noStrike" kern="1200" cap="none" spc="0" normalizeH="0" baseline="0" noProof="0" dirty="0">
+                        <a:ln>
+                          <a:noFill/>
+                        </a:ln>
+                        <a:solidFill>
+                          <a:srgbClr val="003B4C"/>
+                        </a:solidFill>
+                        <a:effectLst/>
+                        <a:highlight>
+                          <a:srgbClr val="FFFF00"/>
+                        </a:highlight>
+                        <a:uLnTx/>
+                        <a:uFillTx/>
+                        <a:latin typeface="Arial" panose="020B0604020202020204" pitchFamily="34" charset="0"/>
+                        <a:ea typeface="+mn-ea"/>
+                        <a:cs typeface="+mn-cs"/>
+                      </a:endParaRPr>
+                    </a:p>
+                    <a:p>
+                      <a:pPr marL="0" marR="0" lvl="0" indent="0" algn="l" defTabSz="958850" rtl="0" eaLnBrk="1" fontAlgn="base" latinLnBrk="0" hangingPunct="1">
+                        <a:lnSpc>
+                          <a:spcPct val="100000"/>
+                        </a:lnSpc>
+                        <a:spcBef>
+                          <a:spcPct val="0"/>
+                        </a:spcBef>
+                        <a:spcAft>
+                          <a:spcPct val="0"/>
+                        </a:spcAft>
+                        <a:buClr>
+                          <a:srgbClr val="000080"/>
+                        </a:buClr>
+                        <a:buSzTx/>
+                        <a:buFont typeface="Wingdings" pitchFamily="2" charset="2"/>
+                        <a:buNone/>
+                        <a:tabLst/>
+                        <a:defRPr/>
+                      </a:pPr>
+                      <a:r>
+                        <a:rPr kumimoji="0" lang="en-US" sz="700" b="0" i="0" u="none" strike="noStrike" kern="1200" cap="none" spc="0" normalizeH="0" baseline="0" noProof="0" dirty="0">
+                          <a:ln>
+                            <a:noFill/>
+                          </a:ln>
+                          <a:solidFill>
+                            <a:srgbClr val="003B4C"/>
+                          </a:solidFill>
+                          <a:effectLst/>
+                          <a:uLnTx/>
+                          <a:uFillTx/>
+                          <a:latin typeface="Arial" panose="020B0604020202020204" pitchFamily="34" charset="0"/>
+                          <a:ea typeface="+mn-ea"/>
+                          <a:cs typeface="+mn-cs"/>
+                        </a:rPr>
+                        <a:t>Argentina</a:t>
+                      </a:r>
+                    </a:p>
+                  </a:txBody>
+                  <a:tcPr marL="0" marR="84406" marT="0" marB="0" anchor="ctr" horzOverflow="overflow">
+                    <a:lnL cap="flat">
+                      <a:noFill/>
+                    </a:lnL>
+                    <a:lnR>
+                      <a:noFill/>
+                    </a:lnR>
+                    <a:lnT w="6350" cap="flat" cmpd="sng" algn="ctr">
+                      <a:solidFill>
+                        <a:srgbClr val="DBD5CD"/>
+                      </a:solidFill>
+                      <a:prstDash val="solid"/>
+                      <a:round/>
+                      <a:headEnd type="none" w="med" len="med"/>
+                      <a:tailEnd type="none" w="med" len="med"/>
+                    </a:lnT>
+                    <a:lnB w="6350" cap="flat" cmpd="sng" algn="ctr">
+                      <a:solidFill>
+                        <a:srgbClr val="DBD5CD"/>
+                      </a:solidFill>
+                      <a:prstDash val="solid"/>
+                      <a:round/>
+                      <a:headEnd type="none" w="med" len="med"/>
+                      <a:tailEnd type="none" w="med" len="med"/>
+                    </a:lnB>
+                    <a:lnTlToBr>
+                      <a:noFill/>
+                    </a:lnTlToBr>
+                    <a:lnBlToTr>
+                      <a:noFill/>
+                    </a:lnBlToTr>
+                    <a:solidFill>
+                      <a:srgbClr val="F0F5F7"/>
+                    </a:solidFill>
+                  </a:tcPr>
+                </a:tc>
+                <a:tc>
+                  <a:txBody>
+                    <a:bodyPr/>
+                    <a:lstStyle/>
+                    <a:p>
+                      <a:pPr marL="0" marR="0" lvl="0" indent="0" algn="l" defTabSz="914395" rtl="0" eaLnBrk="1" fontAlgn="t" latinLnBrk="0" hangingPunct="1">
+                        <a:lnSpc>
+                          <a:spcPct val="100000"/>
+                        </a:lnSpc>
+                        <a:spcBef>
+                          <a:spcPts val="0"/>
+                        </a:spcBef>
+                        <a:spcAft>
+                          <a:spcPts val="0"/>
+                        </a:spcAft>
+                        <a:buClr>
+                          <a:srgbClr val="003B4C"/>
+                        </a:buClr>
+                        <a:buSzTx/>
+                        <a:buFont typeface="Wingdings" panose="05000000000000000000" pitchFamily="2" charset="2"/>
+                        <a:buNone/>
+                        <a:tabLst/>
+                        <a:defRPr/>
+                      </a:pPr>
+                      <a:r>
+                        <a:rPr kumimoji="0" lang="en-US" sz="700" b="0" i="0" u="none" strike="noStrike" kern="1200" cap="none" spc="0" normalizeH="0" baseline="0" noProof="0" dirty="0">
+                          <a:ln>
+                            <a:noFill/>
+                          </a:ln>
+                          <a:solidFill>
+                            <a:srgbClr val="003B4C"/>
+                          </a:solidFill>
+                          <a:effectLst/>
+                          <a:uLnTx/>
+                          <a:uFillTx/>
+                          <a:latin typeface="Arial" panose="020B0604020202020204" pitchFamily="34" charset="0"/>
+                          <a:ea typeface="+mn-ea"/>
+                          <a:cs typeface="+mn-cs"/>
+                        </a:rPr>
+                        <a:t>Growth/Expansion
+Family Office</a:t>
+                      </a:r>
+                    </a:p>
+                  </a:txBody>
+                  <a:tcPr marL="168812" marR="0" marT="0" marB="0" anchor="ctr">
+                    <a:lnL>
+                      <a:noFill/>
+                    </a:lnL>
+                    <a:lnR>
+                      <a:noFill/>
+                    </a:lnR>
+                    <a:lnT w="6350" cap="flat" cmpd="sng" algn="ctr">
+                      <a:solidFill>
+                        <a:srgbClr val="DBD5CD"/>
+                      </a:solidFill>
+                      <a:prstDash val="solid"/>
+                      <a:round/>
+                      <a:headEnd type="none" w="med" len="med"/>
+                      <a:tailEnd type="none" w="med" len="med"/>
+                    </a:lnT>
+                    <a:lnB w="6350" cap="flat" cmpd="sng" algn="ctr">
+                      <a:solidFill>
+                        <a:srgbClr val="DBD5CD"/>
+                      </a:solidFill>
+                      <a:prstDash val="solid"/>
+                      <a:round/>
+                      <a:headEnd type="none" w="med" len="med"/>
+                      <a:tailEnd type="none" w="med" len="med"/>
+                    </a:lnB>
+                    <a:lnTlToBr>
+                      <a:noFill/>
+                    </a:lnTlToBr>
+                    <a:lnBlToTr>
+                      <a:noFill/>
+                    </a:lnBlToTr>
+                    <a:solidFill>
+                      <a:srgbClr val="F0F5F7"/>
+                    </a:solidFill>
+                  </a:tcPr>
+                </a:tc>
+                <a:tc>
+                  <a:txBody>
+                    <a:bodyPr/>
+                    <a:lstStyle/>
+                    <a:p>
+                      <a:pPr marL="0" marR="0" lvl="0" indent="0" algn="ctr" defTabSz="914395" rtl="0" eaLnBrk="1" fontAlgn="t" latinLnBrk="0" hangingPunct="1">
+                        <a:lnSpc>
+                          <a:spcPct val="100000"/>
+                        </a:lnSpc>
+                        <a:spcBef>
+                          <a:spcPts val="0"/>
+                        </a:spcBef>
+                        <a:spcAft>
+                          <a:spcPts val="0"/>
+                        </a:spcAft>
+                        <a:buClrTx/>
+                        <a:buSzTx/>
+                        <a:buFontTx/>
+                        <a:buNone/>
+                        <a:tabLst/>
+                        <a:defRPr/>
+                      </a:pPr>
+                      <a:r>
+                        <a:rPr kumimoji="0" lang="en-US" sz="700" b="0" i="0" u="none" strike="noStrike" kern="1200" cap="none" spc="0" normalizeH="0" baseline="0" noProof="0" dirty="0">
+                          <a:ln>
+                            <a:noFill/>
+                          </a:ln>
+                          <a:solidFill>
+                            <a:srgbClr val="003B4C"/>
+                          </a:solidFill>
+                          <a:effectLst/>
+                          <a:uLnTx/>
+                          <a:uFillTx/>
+                          <a:latin typeface="Arial" panose="020B0604020202020204" pitchFamily="34" charset="0"/>
+                          <a:ea typeface="+mn-ea"/>
+                          <a:cs typeface="+mn-cs"/>
+                        </a:rPr>
+                        <a:t>DP:0.00
+AUM:0.00</a:t>
+                      </a:r>
+                    </a:p>
+                  </a:txBody>
+                  <a:tcPr marL="0" marR="0" marT="0" marB="0" anchor="ctr">
+                    <a:lnL>
+                      <a:noFill/>
+                    </a:lnL>
+                    <a:lnR cap="flat">
+                      <a:noFill/>
+                    </a:lnR>
+                    <a:lnT w="6350" cap="flat" cmpd="sng" algn="ctr">
+                      <a:solidFill>
+                        <a:srgbClr val="DBD5CD"/>
+                      </a:solidFill>
+                      <a:prstDash val="solid"/>
+                      <a:round/>
+                      <a:headEnd type="none" w="med" len="med"/>
+                      <a:tailEnd type="none" w="med" len="med"/>
+                    </a:lnT>
+                    <a:lnB w="6350" cap="flat" cmpd="sng" algn="ctr">
+                      <a:solidFill>
+                        <a:srgbClr val="DBD5CD"/>
+                      </a:solidFill>
+                      <a:prstDash val="solid"/>
+                      <a:round/>
+                      <a:headEnd type="none" w="med" len="med"/>
+                      <a:tailEnd type="none" w="med" len="med"/>
+                    </a:lnB>
+                    <a:lnTlToBr>
+                      <a:noFill/>
+                    </a:lnTlToBr>
+                    <a:lnBlToTr>
+                      <a:noFill/>
+                    </a:lnBlToTr>
+                    <a:solidFill>
+                      <a:srgbClr val="F0F5F7"/>
+                    </a:solidFill>
+                  </a:tcPr>
+                </a:tc>
+                <a:tc>
+                  <a:txBody>
+                    <a:bodyPr/>
+                    <a:lstStyle/>
+                    <a:p>
+                      <a:pPr marL="0" marR="0" lvl="0" indent="0" algn="ctr" defTabSz="914395" rtl="0" eaLnBrk="1" fontAlgn="t" latinLnBrk="0" hangingPunct="1">
+                        <a:lnSpc>
+                          <a:spcPct val="100000"/>
+                        </a:lnSpc>
+                        <a:spcBef>
+                          <a:spcPts val="0"/>
+                        </a:spcBef>
+                        <a:spcAft>
+                          <a:spcPts val="0"/>
+                        </a:spcAft>
+                        <a:buClrTx/>
+                        <a:buSzTx/>
+                        <a:buFontTx/>
+                        <a:buNone/>
+                        <a:tabLst/>
+                        <a:defRPr/>
+                      </a:pPr>
+                      <a:r>
+                        <a:rPr kumimoji="0" lang="en-US" sz="2200" b="0" i="0" u="none" strike="noStrike" kern="1200" cap="none" spc="0" normalizeH="0" baseline="0" noProof="0" dirty="0">
+                          <a:ln>
+                            <a:noFill/>
+                          </a:ln>
+                          <a:solidFill>
+                            <a:srgbClr val="C00000"/>
+                          </a:solidFill>
+                          <a:effectLst/>
+                          <a:uLnTx/>
+                          <a:uFillTx/>
+                          <a:latin typeface="+mn-lt"/>
+                          <a:ea typeface="+mn-ea"/>
+                          <a:cs typeface="+mn-cs"/>
+                          <a:sym typeface="Wingdings"/>
+                        </a:rPr>
+                        <a:t>✘</a:t>
+                      </a:r>
+                      <a:endParaRPr kumimoji="0" lang="en-US" sz="2200" b="0" i="0" u="none" strike="noStrike" kern="1200" cap="none" spc="0" normalizeH="0" baseline="0" noProof="0" dirty="0">
+                        <a:ln>
+                          <a:noFill/>
+                        </a:ln>
+                        <a:solidFill>
+                          <a:srgbClr val="FF0000"/>
+                        </a:solidFill>
+                        <a:effectLst/>
+                        <a:uLnTx/>
+                        <a:uFillTx/>
+                        <a:latin typeface="+mn-lt"/>
+                        <a:ea typeface="+mn-ea"/>
+                        <a:cs typeface="+mn-cs"/>
+                      </a:endParaRPr>
+                    </a:p>
+                  </a:txBody>
+                  <a:tcPr marL="0" marR="0" marT="0" marB="0" anchor="ctr">
+                    <a:lnL>
+                      <a:noFill/>
+                    </a:lnL>
+                    <a:lnR cap="flat">
+                      <a:noFill/>
+                    </a:lnR>
+                    <a:lnT w="6350" cap="flat" cmpd="sng" algn="ctr">
+                      <a:solidFill>
+                        <a:srgbClr val="DBD5CD"/>
+                      </a:solidFill>
+                      <a:prstDash val="solid"/>
+                      <a:round/>
+                      <a:headEnd type="none" w="med" len="med"/>
+                      <a:tailEnd type="none" w="med" len="med"/>
+                    </a:lnT>
+                    <a:lnB w="6350" cap="flat" cmpd="sng" algn="ctr">
+                      <a:solidFill>
+                        <a:srgbClr val="DBD5CD"/>
+                      </a:solidFill>
+                      <a:prstDash val="solid"/>
+                      <a:round/>
+                      <a:headEnd type="none" w="med" len="med"/>
+                      <a:tailEnd type="none" w="med" len="med"/>
+                    </a:lnB>
+                    <a:lnTlToBr>
+                      <a:noFill/>
+                    </a:lnTlToBr>
+                    <a:lnBlToTr>
+                      <a:noFill/>
+                    </a:lnBlToTr>
+                    <a:solidFill>
+                      <a:srgbClr val="F0F5F7"/>
+                    </a:solidFill>
+                  </a:tcPr>
+                </a:tc>
+                <a:tc>
+                  <a:txBody>
+                    <a:bodyPr/>
+                    <a:lstStyle/>
+                    <a:p>
+                      <a:pPr marL="0" marR="0" lvl="0" indent="0" algn="ctr" defTabSz="914395" rtl="0" eaLnBrk="1" fontAlgn="t" latinLnBrk="0" hangingPunct="1">
+                        <a:lnSpc>
+                          <a:spcPct val="100000"/>
+                        </a:lnSpc>
+                        <a:spcBef>
+                          <a:spcPts val="0"/>
+                        </a:spcBef>
+                        <a:spcAft>
+                          <a:spcPts val="0"/>
+                        </a:spcAft>
+                        <a:buClrTx/>
+                        <a:buSzTx/>
+                        <a:buFontTx/>
+                        <a:buNone/>
+                        <a:tabLst/>
+                        <a:defRPr/>
+                      </a:pPr>
+                      <a:endParaRPr lang="en-US" sz="700" noProof="0" dirty="0">
+                        <a:solidFill>
+                          <a:srgbClr val="003B4C"/>
+                        </a:solidFill>
+                        <a:latin typeface="+mn-lt"/>
+                      </a:endParaRPr>
+                    </a:p>
+                    <a:p>
+                      <a:pPr marL="0" marR="0" lvl="0" indent="0" algn="ctr" defTabSz="914395" rtl="0" eaLnBrk="1" fontAlgn="t" latinLnBrk="0" hangingPunct="1">
+                        <a:lnSpc>
+                          <a:spcPct val="100000"/>
+                        </a:lnSpc>
+                        <a:spcBef>
+                          <a:spcPts val="0"/>
+                        </a:spcBef>
+                        <a:spcAft>
+                          <a:spcPts val="0"/>
+                        </a:spcAft>
+                        <a:buClrTx/>
+                        <a:buSzTx/>
+                        <a:buFontTx/>
+                        <a:buNone/>
+                        <a:tabLst/>
+                        <a:defRPr/>
+                      </a:pPr>
+                      <a:endParaRPr lang="en-US" sz="700" noProof="0" dirty="0">
+                        <a:solidFill>
+                          <a:srgbClr val="003B4C"/>
+                        </a:solidFill>
+                        <a:latin typeface="+mn-lt"/>
+                      </a:endParaRPr>
+                    </a:p>
+                    <a:p>
+                      <a:pPr marL="0" marR="0" lvl="0" indent="0" algn="ctr" defTabSz="914395" rtl="0" eaLnBrk="1" fontAlgn="t" latinLnBrk="0" hangingPunct="1">
+                        <a:lnSpc>
+                          <a:spcPct val="100000"/>
+                        </a:lnSpc>
+                        <a:spcBef>
+                          <a:spcPts val="0"/>
+                        </a:spcBef>
+                        <a:spcAft>
+                          <a:spcPts val="0"/>
+                        </a:spcAft>
+                        <a:buClrTx/>
+                        <a:buSzTx/>
+                        <a:buFontTx/>
+                        <a:buNone/>
+                        <a:tabLst/>
+                        <a:defRPr/>
+                      </a:pPr>
+                      <a:endParaRPr lang="en-US" sz="700" noProof="0" dirty="0">
+                        <a:solidFill>
+                          <a:srgbClr val="003B4C"/>
+                        </a:solidFill>
+                        <a:latin typeface="+mn-lt"/>
+                      </a:endParaRPr>
+                    </a:p>
+                    <a:p>
+                      <a:pPr marL="0" marR="0" lvl="0" indent="0" algn="ctr" defTabSz="914395" rtl="0" eaLnBrk="1" fontAlgn="t" latinLnBrk="0" hangingPunct="1">
+                        <a:lnSpc>
+                          <a:spcPct val="100000"/>
+                        </a:lnSpc>
+                        <a:spcBef>
+                          <a:spcPts val="0"/>
+                        </a:spcBef>
+                        <a:spcAft>
+                          <a:spcPts val="0"/>
+                        </a:spcAft>
+                        <a:buClrTx/>
+                        <a:buSzTx/>
+                        <a:buFontTx/>
+                        <a:buNone/>
+                        <a:tabLst/>
+                        <a:defRPr/>
+                      </a:pPr>
+                      <a:endParaRPr lang="en-US" sz="700" noProof="0" dirty="0">
+                        <a:solidFill>
+                          <a:srgbClr val="003B4C"/>
+                        </a:solidFill>
+                        <a:latin typeface="+mn-lt"/>
+                      </a:endParaRPr>
+                    </a:p>
+                    <a:p>
+                      <a:pPr marL="0" marR="0" lvl="0" indent="0" algn="ctr" defTabSz="914395" rtl="0" eaLnBrk="1" fontAlgn="t" latinLnBrk="0" hangingPunct="1">
+                        <a:lnSpc>
+                          <a:spcPct val="100000"/>
+                        </a:lnSpc>
+                        <a:spcBef>
+                          <a:spcPts val="0"/>
+                        </a:spcBef>
+                        <a:spcAft>
+                          <a:spcPts val="0"/>
+                        </a:spcAft>
+                        <a:buClrTx/>
+                        <a:buSzTx/>
+                        <a:buFontTx/>
+                        <a:buNone/>
+                        <a:tabLst/>
+                        <a:defRPr/>
+                      </a:pPr>
+                      <a:endParaRPr lang="en-US" sz="700" noProof="0" dirty="0">
+                        <a:solidFill>
+                          <a:srgbClr val="003B4C"/>
+                        </a:solidFill>
+                        <a:latin typeface="+mn-lt"/>
+                      </a:endParaRPr>
+                    </a:p>
+                    <a:p>
+                      <a:pPr marL="0" marR="0" lvl="0" indent="0" algn="ctr" defTabSz="914395" rtl="0" eaLnBrk="1" fontAlgn="t" latinLnBrk="0" hangingPunct="1">
+                        <a:lnSpc>
+                          <a:spcPct val="100000"/>
+                        </a:lnSpc>
+                        <a:spcBef>
+                          <a:spcPts val="0"/>
+                        </a:spcBef>
+                        <a:spcAft>
+                          <a:spcPts val="0"/>
+                        </a:spcAft>
+                        <a:buClrTx/>
+                        <a:buSzTx/>
+                        <a:buFontTx/>
+                        <a:buNone/>
+                        <a:tabLst/>
+                        <a:defRPr/>
+                      </a:pPr>
+                      <a:r>
+                        <a:rPr lang="en-US" sz="700" noProof="0" dirty="0">
+                          <a:solidFill>
+                            <a:srgbClr val="003B4C"/>
+                          </a:solidFill>
+                          <a:latin typeface="+mn-lt"/>
+                        </a:rPr>
+                        <a:t>Operator of a drugstore chain based in Buenos Aires, Argentina.</a:t>
+                      </a:r>
+                    </a:p>
+                  </a:txBody>
+                  <a:tcPr marL="0" marR="0" marT="0" marB="0" anchor="ctr">
+                    <a:lnL>
+                      <a:noFill/>
+                    </a:lnL>
+                    <a:lnR cap="flat">
+                      <a:noFill/>
+                    </a:lnR>
+                    <a:lnT w="6350" cap="flat" cmpd="sng" algn="ctr">
+                      <a:solidFill>
+                        <a:srgbClr val="DBD5CD"/>
+                      </a:solidFill>
+                      <a:prstDash val="solid"/>
+                      <a:round/>
+                      <a:headEnd type="none" w="med" len="med"/>
+                      <a:tailEnd type="none" w="med" len="med"/>
+                    </a:lnT>
+                    <a:lnB w="6350" cap="flat" cmpd="sng" algn="ctr">
+                      <a:solidFill>
+                        <a:srgbClr val="DBD5CD"/>
+                      </a:solidFill>
+                      <a:prstDash val="solid"/>
+                      <a:round/>
+                      <a:headEnd type="none" w="med" len="med"/>
+                      <a:tailEnd type="none" w="med" len="med"/>
+                    </a:lnB>
+                    <a:lnTlToBr>
+                      <a:noFill/>
+                    </a:lnTlToBr>
+                    <a:lnBlToTr>
+                      <a:noFill/>
+                    </a:lnBlToTr>
+                    <a:solidFill>
+                      <a:srgbClr val="F0F5F7"/>
+                    </a:solidFill>
+                  </a:tcPr>
+                </a:tc>
+                <a:tc>
+                  <a:txBody>
+                    <a:bodyPr/>
+                    <a:lstStyle/>
+                    <a:p>
+                      <a:pPr marL="0" marR="0" lvl="0" indent="0" algn="ctr" defTabSz="914395" rtl="0" eaLnBrk="1" fontAlgn="t" latinLnBrk="0" hangingPunct="1">
+                        <a:lnSpc>
+                          <a:spcPct val="100000"/>
+                        </a:lnSpc>
+                        <a:spcBef>
+                          <a:spcPts val="0"/>
+                        </a:spcBef>
+                        <a:spcAft>
+                          <a:spcPts val="0"/>
+                        </a:spcAft>
+                        <a:buClrTx/>
+                        <a:buSzTx/>
+                        <a:buFontTx/>
+                        <a:buNone/>
+                        <a:tabLst/>
+                        <a:defRPr/>
+                      </a:pPr>
+                      <a:endParaRPr lang="en-US" sz="700" noProof="0" dirty="0">
+                        <a:solidFill>
+                          <a:srgbClr val="003B4C"/>
+                        </a:solidFill>
+                        <a:latin typeface="+mn-lt"/>
+                      </a:endParaRPr>
+                    </a:p>
+                    <a:p>
+                      <a:pPr marL="0" marR="0" lvl="0" indent="0" algn="ctr" defTabSz="914395" rtl="0" eaLnBrk="1" fontAlgn="t" latinLnBrk="0" hangingPunct="1">
+                        <a:lnSpc>
+                          <a:spcPct val="100000"/>
+                        </a:lnSpc>
+                        <a:spcBef>
+                          <a:spcPts val="0"/>
+                        </a:spcBef>
+                        <a:spcAft>
+                          <a:spcPts val="0"/>
+                        </a:spcAft>
+                        <a:buClrTx/>
+                        <a:buSzTx/>
+                        <a:buFontTx/>
+                        <a:buNone/>
+                        <a:tabLst/>
+                        <a:defRPr/>
+                      </a:pPr>
+                      <a:endParaRPr lang="en-US" sz="700" noProof="0" dirty="0">
+                        <a:solidFill>
+                          <a:srgbClr val="003B4C"/>
+                        </a:solidFill>
+                        <a:latin typeface="+mn-lt"/>
+                      </a:endParaRPr>
+                    </a:p>
+                    <a:p>
+                      <a:pPr marL="0" marR="0" lvl="0" indent="0" algn="ctr" defTabSz="914395" rtl="0" eaLnBrk="1" fontAlgn="t" latinLnBrk="0" hangingPunct="1">
+                        <a:lnSpc>
+                          <a:spcPct val="100000"/>
+                        </a:lnSpc>
+                        <a:spcBef>
+                          <a:spcPts val="0"/>
+                        </a:spcBef>
+                        <a:spcAft>
+                          <a:spcPts val="0"/>
+                        </a:spcAft>
+                        <a:buClrTx/>
+                        <a:buSzTx/>
+                        <a:buFontTx/>
+                        <a:buNone/>
+                        <a:tabLst/>
+                        <a:defRPr/>
+                      </a:pPr>
+                      <a:endParaRPr lang="en-US" sz="700" noProof="0" dirty="0">
+                        <a:solidFill>
+                          <a:srgbClr val="003B4C"/>
+                        </a:solidFill>
+                        <a:latin typeface="+mn-lt"/>
+                      </a:endParaRPr>
+                    </a:p>
+                    <a:p>
+                      <a:pPr marL="0" marR="0" lvl="0" indent="0" algn="ctr" defTabSz="914395" rtl="0" eaLnBrk="1" fontAlgn="t" latinLnBrk="0" hangingPunct="1">
+                        <a:lnSpc>
+                          <a:spcPct val="100000"/>
+                        </a:lnSpc>
+                        <a:spcBef>
+                          <a:spcPts val="0"/>
+                        </a:spcBef>
+                        <a:spcAft>
+                          <a:spcPts val="0"/>
+                        </a:spcAft>
+                        <a:buClrTx/>
+                        <a:buSzTx/>
+                        <a:buFontTx/>
+                        <a:buNone/>
+                        <a:tabLst/>
+                        <a:defRPr/>
+                      </a:pPr>
+                      <a:endParaRPr lang="en-US" sz="700" noProof="0" dirty="0">
+                        <a:solidFill>
+                          <a:srgbClr val="003B4C"/>
+                        </a:solidFill>
+                        <a:latin typeface="+mn-lt"/>
+                      </a:endParaRPr>
+                    </a:p>
+                    <a:p>
+                      <a:pPr marL="0" marR="0" lvl="0" indent="0" algn="ctr" defTabSz="914395" rtl="0" eaLnBrk="1" fontAlgn="t" latinLnBrk="0" hangingPunct="1">
+                        <a:lnSpc>
+                          <a:spcPct val="100000"/>
+                        </a:lnSpc>
+                        <a:spcBef>
+                          <a:spcPts val="0"/>
+                        </a:spcBef>
+                        <a:spcAft>
+                          <a:spcPts val="0"/>
+                        </a:spcAft>
+                        <a:buClrTx/>
+                        <a:buSzTx/>
+                        <a:buFontTx/>
+                        <a:buNone/>
+                        <a:tabLst/>
+                        <a:defRPr/>
+                      </a:pPr>
+                      <a:endParaRPr lang="en-US" sz="700" noProof="0" dirty="0">
+                        <a:solidFill>
+                          <a:srgbClr val="003B4C"/>
+                        </a:solidFill>
+                        <a:latin typeface="+mn-lt"/>
+                      </a:endParaRPr>
+                    </a:p>
+                    <a:p>
+                      <a:pPr marL="0" marR="0" lvl="0" indent="0" algn="ctr" defTabSz="914395" rtl="0" eaLnBrk="1" fontAlgn="t" latinLnBrk="0" hangingPunct="1">
+                        <a:lnSpc>
+                          <a:spcPct val="100000"/>
+                        </a:lnSpc>
+                        <a:spcBef>
+                          <a:spcPts val="0"/>
+                        </a:spcBef>
+                        <a:spcAft>
+                          <a:spcPts val="0"/>
+                        </a:spcAft>
+                        <a:buClrTx/>
+                        <a:buSzTx/>
+                        <a:buFontTx/>
+                        <a:buNone/>
+                        <a:tabLst/>
+                        <a:defRPr/>
+                      </a:pPr>
+                      <a:r>
+                        <a:rPr lang="en-US" sz="700" noProof="0" dirty="0">
+                          <a:solidFill>
+                            <a:srgbClr val="003B4C"/>
+                          </a:solidFill>
+                          <a:latin typeface="+mn-lt"/>
+                        </a:rPr>
+                        <a:t>Operator of the hostel chain serving Latin America.</a:t>
+                      </a:r>
+                    </a:p>
+                  </a:txBody>
+                  <a:tcPr marL="0" marR="0" marT="0" marB="0" anchor="ctr">
+                    <a:lnL>
+                      <a:noFill/>
+                    </a:lnL>
+                    <a:lnR cap="flat">
+                      <a:noFill/>
+                    </a:lnR>
+                    <a:lnT w="6350" cap="flat" cmpd="sng" algn="ctr">
+                      <a:solidFill>
+                        <a:srgbClr val="DBD5CD"/>
+                      </a:solidFill>
+                      <a:prstDash val="solid"/>
+                      <a:round/>
+                      <a:headEnd type="none" w="med" len="med"/>
+                      <a:tailEnd type="none" w="med" len="med"/>
+                    </a:lnT>
+                    <a:lnB w="6350" cap="flat" cmpd="sng" algn="ctr">
+                      <a:solidFill>
+                        <a:srgbClr val="DBD5CD"/>
+                      </a:solidFill>
+                      <a:prstDash val="solid"/>
+                      <a:round/>
+                      <a:headEnd type="none" w="med" len="med"/>
+                      <a:tailEnd type="none" w="med" len="med"/>
+                    </a:lnB>
+                    <a:lnTlToBr>
+                      <a:noFill/>
+                    </a:lnTlToBr>
+                    <a:lnBlToTr>
+                      <a:noFill/>
+                    </a:lnBlToTr>
+                    <a:solidFill>
+                      <a:srgbClr val="F0F5F7"/>
+                    </a:solidFill>
+                  </a:tcPr>
+                </a:tc>
+                <a:tc>
+                  <a:txBody>
+                    <a:bodyPr/>
+                    <a:lstStyle/>
+                    <a:p>
+                      <a:pPr marL="0" marR="0" lvl="0" indent="0" algn="ctr" defTabSz="914395" rtl="0" eaLnBrk="1" fontAlgn="t" latinLnBrk="0" hangingPunct="1">
+                        <a:lnSpc>
+                          <a:spcPct val="100000"/>
+                        </a:lnSpc>
+                        <a:spcBef>
+                          <a:spcPts val="0"/>
+                        </a:spcBef>
+                        <a:spcAft>
+                          <a:spcPts val="0"/>
+                        </a:spcAft>
+                        <a:buClrTx/>
+                        <a:buSzTx/>
+                        <a:buFontTx/>
+                        <a:buNone/>
+                        <a:tabLst/>
+                        <a:defRPr/>
+                      </a:pPr>
+                      <a:endParaRPr lang="en-US" sz="700" noProof="0" dirty="0">
+                        <a:solidFill>
+                          <a:srgbClr val="003B4C"/>
+                        </a:solidFill>
+                        <a:latin typeface="+mn-lt"/>
+                      </a:endParaRPr>
+                    </a:p>
+                    <a:p>
+                      <a:pPr marL="0" marR="0" lvl="0" indent="0" algn="ctr" defTabSz="914395" rtl="0" eaLnBrk="1" fontAlgn="t" latinLnBrk="0" hangingPunct="1">
+                        <a:lnSpc>
+                          <a:spcPct val="100000"/>
+                        </a:lnSpc>
+                        <a:spcBef>
+                          <a:spcPts val="0"/>
+                        </a:spcBef>
+                        <a:spcAft>
+                          <a:spcPts val="0"/>
+                        </a:spcAft>
+                        <a:buClrTx/>
+                        <a:buSzTx/>
+                        <a:buFontTx/>
+                        <a:buNone/>
+                        <a:tabLst/>
+                        <a:defRPr/>
+                      </a:pPr>
+                      <a:endParaRPr lang="en-US" sz="700" noProof="0" dirty="0">
+                        <a:solidFill>
+                          <a:srgbClr val="003B4C"/>
+                        </a:solidFill>
+                        <a:latin typeface="+mn-lt"/>
+                      </a:endParaRPr>
+                    </a:p>
+                    <a:p>
+                      <a:pPr marL="0" marR="0" lvl="0" indent="0" algn="ctr" defTabSz="914395" rtl="0" eaLnBrk="1" fontAlgn="t" latinLnBrk="0" hangingPunct="1">
+                        <a:lnSpc>
+                          <a:spcPct val="100000"/>
+                        </a:lnSpc>
+                        <a:spcBef>
+                          <a:spcPts val="0"/>
+                        </a:spcBef>
+                        <a:spcAft>
+                          <a:spcPts val="0"/>
+                        </a:spcAft>
+                        <a:buClrTx/>
+                        <a:buSzTx/>
+                        <a:buFontTx/>
+                        <a:buNone/>
+                        <a:tabLst/>
+                        <a:defRPr/>
+                      </a:pPr>
+                      <a:endParaRPr lang="en-US" sz="700" noProof="0" dirty="0">
+                        <a:solidFill>
+                          <a:srgbClr val="003B4C"/>
+                        </a:solidFill>
+                        <a:latin typeface="+mn-lt"/>
+                      </a:endParaRPr>
+                    </a:p>
+                    <a:p>
+                      <a:pPr marL="0" marR="0" lvl="0" indent="0" algn="ctr" defTabSz="914395" rtl="0" eaLnBrk="1" fontAlgn="t" latinLnBrk="0" hangingPunct="1">
+                        <a:lnSpc>
+                          <a:spcPct val="100000"/>
+                        </a:lnSpc>
+                        <a:spcBef>
+                          <a:spcPts val="0"/>
+                        </a:spcBef>
+                        <a:spcAft>
+                          <a:spcPts val="0"/>
+                        </a:spcAft>
+                        <a:buClrTx/>
+                        <a:buSzTx/>
+                        <a:buFontTx/>
+                        <a:buNone/>
+                        <a:tabLst/>
+                        <a:defRPr/>
+                      </a:pPr>
+                      <a:endParaRPr lang="en-US" sz="700" noProof="0" dirty="0">
+                        <a:solidFill>
+                          <a:srgbClr val="003B4C"/>
+                        </a:solidFill>
+                        <a:latin typeface="+mn-lt"/>
+                      </a:endParaRPr>
+                    </a:p>
+                    <a:p>
+                      <a:pPr marL="0" marR="0" lvl="0" indent="0" algn="ctr" defTabSz="914395" rtl="0" eaLnBrk="1" fontAlgn="t" latinLnBrk="0" hangingPunct="1">
+                        <a:lnSpc>
+                          <a:spcPct val="100000"/>
+                        </a:lnSpc>
+                        <a:spcBef>
+                          <a:spcPts val="0"/>
+                        </a:spcBef>
+                        <a:spcAft>
+                          <a:spcPts val="0"/>
+                        </a:spcAft>
+                        <a:buClrTx/>
+                        <a:buSzTx/>
+                        <a:buFontTx/>
+                        <a:buNone/>
+                        <a:tabLst/>
+                        <a:defRPr/>
+                      </a:pPr>
+                      <a:endParaRPr lang="en-US" sz="700" noProof="0" dirty="0">
+                        <a:solidFill>
+                          <a:srgbClr val="003B4C"/>
+                        </a:solidFill>
+                        <a:latin typeface="+mn-lt"/>
+                      </a:endParaRPr>
+                    </a:p>
+                    <a:p>
+                      <a:pPr marL="0" marR="0" lvl="0" indent="0" algn="ctr" defTabSz="914395" rtl="0" eaLnBrk="1" fontAlgn="t" latinLnBrk="0" hangingPunct="1">
+                        <a:lnSpc>
+                          <a:spcPct val="100000"/>
+                        </a:lnSpc>
+                        <a:spcBef>
+                          <a:spcPts val="0"/>
+                        </a:spcBef>
+                        <a:spcAft>
+                          <a:spcPts val="0"/>
+                        </a:spcAft>
+                        <a:buClrTx/>
+                        <a:buSzTx/>
+                        <a:buFontTx/>
+                        <a:buNone/>
+                        <a:tabLst/>
+                        <a:defRPr/>
+                      </a:pPr>
+                      <a:r>
+                        <a:rPr lang="en-US" sz="700" noProof="0" dirty="0">
+                          <a:solidFill>
+                            <a:srgbClr val="003B4C"/>
+                          </a:solidFill>
+                          <a:latin typeface="+mn-lt"/>
+                        </a:rPr>
+                        <a:t>Operator of a commercial real estate company based in Buenos Aires, Argentina.</a:t>
+                      </a:r>
+                    </a:p>
+                  </a:txBody>
+                  <a:tcPr marL="0" marR="0" marT="0" marB="0" anchor="ctr">
+                    <a:lnL>
+                      <a:noFill/>
+                    </a:lnL>
+                    <a:lnR cap="flat">
+                      <a:noFill/>
+                    </a:lnR>
+                    <a:lnT w="6350" cap="flat" cmpd="sng" algn="ctr">
+                      <a:solidFill>
+                        <a:srgbClr val="DBD5CD"/>
+                      </a:solidFill>
+                      <a:prstDash val="solid"/>
+                      <a:round/>
+                      <a:headEnd type="none" w="med" len="med"/>
+                      <a:tailEnd type="none" w="med" len="med"/>
+                    </a:lnT>
+                    <a:lnB w="6350" cap="flat" cmpd="sng" algn="ctr">
+                      <a:solidFill>
+                        <a:srgbClr val="DBD5CD"/>
+                      </a:solidFill>
+                      <a:prstDash val="solid"/>
+                      <a:round/>
+                      <a:headEnd type="none" w="med" len="med"/>
+                      <a:tailEnd type="none" w="med" len="med"/>
+                    </a:lnB>
+                    <a:lnTlToBr>
+                      <a:noFill/>
+                    </a:lnTlToBr>
+                    <a:lnBlToTr>
+                      <a:noFill/>
+                    </a:lnBlToTr>
+                    <a:solidFill>
+                      <a:srgbClr val="F0F5F7"/>
+                    </a:solidFill>
+                  </a:tcPr>
+                </a:tc>
+                <a:extLst>
+                  <a:ext uri="{0D108BD9-81ED-4DB2-BD59-A6C34878D82A}">
+                    <a16:rowId xmlns:a16="http://schemas.microsoft.com/office/drawing/2014/main" val="2943688724"/>
+                  </a:ext>
+                </a:extLst>
+              </a:tr>
+              <a:tr h="936243">
+                <a:tc>
+                  <a:txBody>
+                    <a:bodyPr/>
+                    <a:lstStyle/>
+                    <a:p>
+                      <a:pPr marL="0" marR="0" lvl="0" indent="0" algn="ctr" defTabSz="958850" rtl="0" eaLnBrk="1" fontAlgn="base" latinLnBrk="0" hangingPunct="1">
+                        <a:lnSpc>
+                          <a:spcPct val="100000"/>
+                        </a:lnSpc>
+                        <a:spcBef>
+                          <a:spcPct val="0"/>
+                        </a:spcBef>
+                        <a:spcAft>
+                          <a:spcPct val="0"/>
+                        </a:spcAft>
+                        <a:buClr>
+                          <a:srgbClr val="000080"/>
+                        </a:buClr>
+                        <a:buSzTx/>
+                        <a:buFont typeface="Wingdings" pitchFamily="2" charset="2"/>
+                        <a:buNone/>
+                        <a:tabLst/>
+                        <a:defRPr/>
+                      </a:pPr>
+                      <a:r>
+                        <a:rPr kumimoji="0" lang="en-US" sz="600" b="1" i="0" u="none" strike="noStrike" kern="1200" cap="none" spc="0" normalizeH="0" baseline="0" noProof="0" dirty="0">
+                          <a:ln>
+                            <a:noFill/>
+                          </a:ln>
+                          <a:solidFill>
+                            <a:srgbClr val="003B4C"/>
+                          </a:solidFill>
+                          <a:effectLst/>
+                          <a:uLnTx/>
+                          <a:uFillTx/>
+                          <a:latin typeface="Arial" panose="020B0604020202020204" pitchFamily="34" charset="0"/>
+                          <a:ea typeface="+mn-ea"/>
+                          <a:cs typeface="+mn-cs"/>
+                        </a:rPr>
+                        <a:t>#</a:t>
+                      </a:r>
+                      <a:endParaRPr lang="en-US" sz="600" b="1" i="0" u="none" kern="1200" noProof="0" dirty="0">
+                        <a:solidFill>
+                          <a:schemeClr val="tx2"/>
+                        </a:solidFill>
+                        <a:latin typeface="Arial" panose="020B0604020202020204" pitchFamily="34" charset="0"/>
+                        <a:ea typeface="+mn-ea"/>
+                        <a:cs typeface="+mn-cs"/>
+                      </a:endParaRPr>
+                    </a:p>
+                  </a:txBody>
+                  <a:tcPr marL="0" marR="84406" marT="0" marB="0" anchor="ctr" horzOverflow="overflow">
+                    <a:lnL cap="flat">
+                      <a:noFill/>
+                    </a:lnL>
+                    <a:lnR>
+                      <a:noFill/>
+                    </a:lnR>
+                    <a:lnT w="6350" cap="flat" cmpd="sng" algn="ctr">
+                      <a:solidFill>
+                        <a:srgbClr val="DBD5CD"/>
+                      </a:solidFill>
+                      <a:prstDash val="solid"/>
+                      <a:round/>
+                      <a:headEnd type="none" w="med" len="med"/>
+                      <a:tailEnd type="none" w="med" len="med"/>
+                    </a:lnT>
+                    <a:lnB w="9525" cap="flat" cmpd="sng" algn="ctr">
+                      <a:solidFill>
+                        <a:schemeClr val="bg2"/>
+                      </a:solidFill>
+                      <a:prstDash val="solid"/>
+                      <a:round/>
+                      <a:headEnd type="none" w="med" len="med"/>
+                      <a:tailEnd type="none" w="med" len="med"/>
+                    </a:lnB>
+                    <a:lnTlToBr>
+                      <a:noFill/>
+                    </a:lnTlToBr>
+                    <a:lnBlToTr>
+                      <a:noFill/>
+                    </a:lnBlToTr>
+                    <a:solidFill>
+                      <a:srgbClr val="FFFFFF"/>
+                    </a:solidFill>
+                  </a:tcPr>
+                </a:tc>
+                <a:tc>
+                  <a:txBody>
+                    <a:bodyPr/>
+                    <a:lstStyle/>
+                    <a:p>
+                      <a:pPr marL="0" marR="0" lvl="0" indent="0" algn="l" defTabSz="958850" rtl="0" eaLnBrk="1" fontAlgn="base" latinLnBrk="0" hangingPunct="1">
+                        <a:lnSpc>
+                          <a:spcPct val="100000"/>
+                        </a:lnSpc>
+                        <a:spcBef>
+                          <a:spcPct val="0"/>
+                        </a:spcBef>
+                        <a:spcAft>
+                          <a:spcPct val="0"/>
+                        </a:spcAft>
+                        <a:buClr>
+                          <a:srgbClr val="000080"/>
+                        </a:buClr>
+                        <a:buSzTx/>
+                        <a:buFont typeface="Wingdings" pitchFamily="2" charset="2"/>
+                        <a:buNone/>
+                        <a:tabLst/>
+                        <a:defRPr/>
+                      </a:pPr>
+                      <a:endParaRPr kumimoji="0" lang="en-US" sz="700" b="0" i="0" u="none" strike="noStrike" kern="1200" cap="none" spc="0" normalizeH="0" baseline="0" noProof="0" dirty="0">
+                        <a:ln>
+                          <a:noFill/>
+                        </a:ln>
+                        <a:solidFill>
+                          <a:srgbClr val="003B4C"/>
+                        </a:solidFill>
+                        <a:effectLst/>
+                        <a:highlight>
+                          <a:srgbClr val="FFFF00"/>
+                        </a:highlight>
+                        <a:uLnTx/>
+                        <a:uFillTx/>
+                        <a:latin typeface="Arial" panose="020B0604020202020204" pitchFamily="34" charset="0"/>
+                        <a:ea typeface="+mn-ea"/>
+                        <a:cs typeface="+mn-cs"/>
+                      </a:endParaRPr>
+                    </a:p>
+                    <a:p>
+                      <a:pPr marL="0" marR="0" lvl="0" indent="0" algn="l" defTabSz="958850" rtl="0" eaLnBrk="1" fontAlgn="base" latinLnBrk="0" hangingPunct="1">
+                        <a:lnSpc>
+                          <a:spcPct val="100000"/>
+                        </a:lnSpc>
+                        <a:spcBef>
+                          <a:spcPct val="0"/>
+                        </a:spcBef>
+                        <a:spcAft>
+                          <a:spcPct val="0"/>
+                        </a:spcAft>
+                        <a:buClr>
+                          <a:srgbClr val="000080"/>
+                        </a:buClr>
+                        <a:buSzTx/>
+                        <a:buFont typeface="Wingdings" pitchFamily="2" charset="2"/>
+                        <a:buNone/>
+                        <a:tabLst/>
+                        <a:defRPr/>
+                      </a:pPr>
+                      <a:endParaRPr kumimoji="0" lang="en-US" sz="700" b="0" i="0" u="none" strike="noStrike" kern="1200" cap="none" spc="0" normalizeH="0" baseline="0" noProof="0" dirty="0">
+                        <a:ln>
+                          <a:noFill/>
+                        </a:ln>
+                        <a:solidFill>
+                          <a:srgbClr val="003B4C"/>
+                        </a:solidFill>
+                        <a:effectLst/>
+                        <a:highlight>
+                          <a:srgbClr val="FFFF00"/>
+                        </a:highlight>
+                        <a:uLnTx/>
+                        <a:uFillTx/>
+                        <a:latin typeface="Arial" panose="020B0604020202020204" pitchFamily="34" charset="0"/>
+                        <a:ea typeface="+mn-ea"/>
+                        <a:cs typeface="+mn-cs"/>
+                      </a:endParaRPr>
+                    </a:p>
+                    <a:p>
+                      <a:pPr marL="0" marR="0" lvl="0" indent="0" algn="l" defTabSz="958850" rtl="0" eaLnBrk="1" fontAlgn="base" latinLnBrk="0" hangingPunct="1">
+                        <a:lnSpc>
+                          <a:spcPct val="100000"/>
+                        </a:lnSpc>
+                        <a:spcBef>
+                          <a:spcPct val="0"/>
+                        </a:spcBef>
+                        <a:spcAft>
+                          <a:spcPct val="0"/>
+                        </a:spcAft>
+                        <a:buClr>
+                          <a:srgbClr val="000080"/>
+                        </a:buClr>
+                        <a:buSzTx/>
+                        <a:buFont typeface="Wingdings" pitchFamily="2" charset="2"/>
+                        <a:buNone/>
+                        <a:tabLst/>
+                        <a:defRPr/>
+                      </a:pPr>
+                      <a:endParaRPr kumimoji="0" lang="en-US" sz="700" b="0" i="0" u="none" strike="noStrike" kern="1200" cap="none" spc="0" normalizeH="0" baseline="0" noProof="0" dirty="0">
+                        <a:ln>
+                          <a:noFill/>
+                        </a:ln>
+                        <a:solidFill>
+                          <a:srgbClr val="003B4C"/>
+                        </a:solidFill>
+                        <a:effectLst/>
+                        <a:highlight>
+                          <a:srgbClr val="FFFF00"/>
+                        </a:highlight>
+                        <a:uLnTx/>
+                        <a:uFillTx/>
+                        <a:latin typeface="Arial" panose="020B0604020202020204" pitchFamily="34" charset="0"/>
+                        <a:ea typeface="+mn-ea"/>
+                        <a:cs typeface="+mn-cs"/>
+                      </a:endParaRPr>
+                    </a:p>
+                    <a:p>
+                      <a:pPr marL="0" marR="0" lvl="0" indent="0" algn="l" defTabSz="958850" rtl="0" eaLnBrk="1" fontAlgn="base" latinLnBrk="0" hangingPunct="1">
+                        <a:lnSpc>
+                          <a:spcPct val="100000"/>
+                        </a:lnSpc>
+                        <a:spcBef>
+                          <a:spcPct val="0"/>
+                        </a:spcBef>
+                        <a:spcAft>
+                          <a:spcPct val="0"/>
+                        </a:spcAft>
+                        <a:buClr>
+                          <a:srgbClr val="000080"/>
+                        </a:buClr>
+                        <a:buSzTx/>
+                        <a:buFont typeface="Wingdings" pitchFamily="2" charset="2"/>
+                        <a:buNone/>
+                        <a:tabLst/>
+                        <a:defRPr/>
+                      </a:pPr>
+                      <a:endParaRPr kumimoji="0" lang="en-US" sz="700" b="0" i="0" u="none" strike="noStrike" kern="1200" cap="none" spc="0" normalizeH="0" baseline="0" noProof="0" dirty="0">
+                        <a:ln>
+                          <a:noFill/>
+                        </a:ln>
+                        <a:solidFill>
+                          <a:srgbClr val="003B4C"/>
+                        </a:solidFill>
+                        <a:effectLst/>
+                        <a:highlight>
+                          <a:srgbClr val="FFFF00"/>
+                        </a:highlight>
+                        <a:uLnTx/>
+                        <a:uFillTx/>
+                        <a:latin typeface="Arial" panose="020B0604020202020204" pitchFamily="34" charset="0"/>
+                        <a:ea typeface="+mn-ea"/>
+                        <a:cs typeface="+mn-cs"/>
+                      </a:endParaRPr>
+                    </a:p>
+                    <a:p>
+                      <a:pPr marL="0" marR="0" lvl="0" indent="0" algn="l" defTabSz="958850" rtl="0" eaLnBrk="1" fontAlgn="base" latinLnBrk="0" hangingPunct="1">
+                        <a:lnSpc>
+                          <a:spcPct val="100000"/>
+                        </a:lnSpc>
+                        <a:spcBef>
+                          <a:spcPct val="0"/>
+                        </a:spcBef>
+                        <a:spcAft>
+                          <a:spcPct val="0"/>
+                        </a:spcAft>
+                        <a:buClr>
+                          <a:srgbClr val="000080"/>
+                        </a:buClr>
+                        <a:buSzTx/>
+                        <a:buFont typeface="Wingdings" pitchFamily="2" charset="2"/>
+                        <a:buNone/>
+                        <a:tabLst/>
+                        <a:defRPr/>
+                      </a:pPr>
+                      <a:endParaRPr kumimoji="0" lang="en-US" sz="700" b="0" i="0" u="none" strike="noStrike" kern="1200" cap="none" spc="0" normalizeH="0" baseline="0" noProof="0" dirty="0">
+                        <a:ln>
+                          <a:noFill/>
+                        </a:ln>
+                        <a:solidFill>
+                          <a:srgbClr val="003B4C"/>
+                        </a:solidFill>
+                        <a:effectLst/>
+                        <a:highlight>
+                          <a:srgbClr val="FFFF00"/>
+                        </a:highlight>
+                        <a:uLnTx/>
+                        <a:uFillTx/>
+                        <a:latin typeface="Arial" panose="020B0604020202020204" pitchFamily="34" charset="0"/>
+                        <a:ea typeface="+mn-ea"/>
+                        <a:cs typeface="+mn-cs"/>
+                      </a:endParaRPr>
+                    </a:p>
+                    <a:p>
+                      <a:pPr marL="0" marR="0" lvl="0" indent="0" algn="l" defTabSz="958850" rtl="0" eaLnBrk="1" fontAlgn="base" latinLnBrk="0" hangingPunct="1">
+                        <a:lnSpc>
+                          <a:spcPct val="100000"/>
+                        </a:lnSpc>
+                        <a:spcBef>
+                          <a:spcPct val="0"/>
+                        </a:spcBef>
+                        <a:spcAft>
+                          <a:spcPct val="0"/>
+                        </a:spcAft>
+                        <a:buClr>
+                          <a:srgbClr val="000080"/>
+                        </a:buClr>
+                        <a:buSzTx/>
+                        <a:buFont typeface="Wingdings" pitchFamily="2" charset="2"/>
+                        <a:buNone/>
+                        <a:tabLst/>
+                        <a:defRPr/>
+                      </a:pPr>
+                      <a:endParaRPr kumimoji="0" lang="en-US" sz="700" b="0" i="0" u="none" strike="noStrike" kern="1200" cap="none" spc="0" normalizeH="0" baseline="0" noProof="0" dirty="0">
+                        <a:ln>
+                          <a:noFill/>
+                        </a:ln>
+                        <a:solidFill>
+                          <a:srgbClr val="003B4C"/>
+                        </a:solidFill>
+                        <a:effectLst/>
+                        <a:highlight>
+                          <a:srgbClr val="FFFF00"/>
+                        </a:highlight>
+                        <a:uLnTx/>
+                        <a:uFillTx/>
+                        <a:latin typeface="Arial" panose="020B0604020202020204" pitchFamily="34" charset="0"/>
+                        <a:ea typeface="+mn-ea"/>
+                        <a:cs typeface="+mn-cs"/>
+                      </a:endParaRPr>
+                    </a:p>
+                    <a:p>
+                      <a:pPr marL="0" marR="0" lvl="0" indent="0" algn="l" defTabSz="958850" rtl="0" eaLnBrk="1" fontAlgn="base" latinLnBrk="0" hangingPunct="1">
+                        <a:lnSpc>
+                          <a:spcPct val="100000"/>
+                        </a:lnSpc>
+                        <a:spcBef>
+                          <a:spcPct val="0"/>
+                        </a:spcBef>
+                        <a:spcAft>
+                          <a:spcPct val="0"/>
+                        </a:spcAft>
+                        <a:buClr>
+                          <a:srgbClr val="000080"/>
+                        </a:buClr>
+                        <a:buSzTx/>
+                        <a:buFont typeface="Wingdings" pitchFamily="2" charset="2"/>
+                        <a:buNone/>
+                        <a:tabLst/>
+                        <a:defRPr/>
+                      </a:pPr>
+                      <a:r>
+                        <a:rPr kumimoji="0" lang="en-US" sz="700" b="0" i="0" u="none" strike="noStrike" kern="1200" cap="none" spc="0" normalizeH="0" baseline="0" noProof="0" dirty="0">
+                          <a:ln>
+                            <a:noFill/>
+                          </a:ln>
+                          <a:solidFill>
+                            <a:srgbClr val="003B4C"/>
+                          </a:solidFill>
+                          <a:effectLst/>
+                          <a:uLnTx/>
+                          <a:uFillTx/>
+                          <a:latin typeface="Arial" panose="020B0604020202020204" pitchFamily="34" charset="0"/>
+                          <a:ea typeface="+mn-ea"/>
+                          <a:cs typeface="+mn-cs"/>
+                        </a:rPr>
+                        <a:t>Country3</a:t>
+                      </a:r>
+                    </a:p>
+                  </a:txBody>
+                  <a:tcPr marL="0" marR="84406" marT="0" marB="0" anchor="ctr" horzOverflow="overflow">
+                    <a:lnL cap="flat">
+                      <a:noFill/>
+                    </a:lnL>
+                    <a:lnR>
+                      <a:noFill/>
+                    </a:lnR>
+                    <a:lnT w="6350" cap="flat" cmpd="sng" algn="ctr">
+                      <a:solidFill>
+                        <a:srgbClr val="DBD5CD"/>
+                      </a:solidFill>
+                      <a:prstDash val="solid"/>
+                      <a:round/>
+                      <a:headEnd type="none" w="med" len="med"/>
+                      <a:tailEnd type="none" w="med" len="med"/>
+                    </a:lnT>
+                    <a:lnB w="9525" cap="flat" cmpd="sng" algn="ctr">
+                      <a:solidFill>
+                        <a:schemeClr val="bg2"/>
+                      </a:solidFill>
+                      <a:prstDash val="solid"/>
+                      <a:round/>
+                      <a:headEnd type="none" w="med" len="med"/>
+                      <a:tailEnd type="none" w="med" len="med"/>
+                    </a:lnB>
+                    <a:lnTlToBr>
+                      <a:noFill/>
+                    </a:lnTlToBr>
+                    <a:lnBlToTr>
+                      <a:noFill/>
+                    </a:lnBlToTr>
+                    <a:solidFill>
+                      <a:srgbClr val="FFFFFF"/>
+                    </a:solidFill>
+                  </a:tcPr>
+                </a:tc>
+                <a:tc>
+                  <a:txBody>
+                    <a:bodyPr/>
+                    <a:lstStyle/>
+                    <a:p>
+                      <a:pPr marL="0" marR="0" lvl="0" indent="0" algn="l" defTabSz="914395" rtl="0" eaLnBrk="1" fontAlgn="t" latinLnBrk="0" hangingPunct="1">
+                        <a:lnSpc>
+                          <a:spcPct val="100000"/>
+                        </a:lnSpc>
+                        <a:spcBef>
+                          <a:spcPts val="0"/>
+                        </a:spcBef>
+                        <a:spcAft>
+                          <a:spcPts val="0"/>
+                        </a:spcAft>
+                        <a:buClr>
+                          <a:srgbClr val="003B4C"/>
+                        </a:buClr>
+                        <a:buSzTx/>
+                        <a:buFont typeface="Wingdings" panose="05000000000000000000" pitchFamily="2" charset="2"/>
+                        <a:buNone/>
+                        <a:tabLst/>
+                        <a:defRPr/>
+                      </a:pPr>
+                      <a:r>
+                        <a:rPr kumimoji="0" lang="en-US" sz="700" b="0" i="0" u="none" strike="noStrike" kern="1200" cap="none" spc="0" normalizeH="0" baseline="0" noProof="0" dirty="0">
+                          <a:ln>
+                            <a:noFill/>
+                          </a:ln>
+                          <a:solidFill>
+                            <a:srgbClr val="003B4C"/>
+                          </a:solidFill>
+                          <a:effectLst/>
+                          <a:uLnTx/>
+                          <a:uFillTx/>
+                          <a:latin typeface="Arial" panose="020B0604020202020204" pitchFamily="34" charset="0"/>
+                          <a:ea typeface="+mn-ea"/>
+                          <a:cs typeface="+mn-cs"/>
+                        </a:rPr>
+                        <a:t>Type3</a:t>
+                      </a:r>
+                    </a:p>
+                  </a:txBody>
+                  <a:tcPr marL="168812" marR="0" marT="0" marB="0" anchor="ctr">
+                    <a:lnL>
+                      <a:noFill/>
+                    </a:lnL>
+                    <a:lnR w="12700" cap="flat" cmpd="sng" algn="ctr">
+                      <a:noFill/>
+                      <a:prstDash val="solid"/>
+                      <a:round/>
+                      <a:headEnd type="none" w="med" len="med"/>
+                      <a:tailEnd type="none" w="med" len="med"/>
+                    </a:lnR>
+                    <a:lnT w="6350" cap="flat" cmpd="sng" algn="ctr">
+                      <a:solidFill>
+                        <a:srgbClr val="DBD5CD"/>
+                      </a:solidFill>
+                      <a:prstDash val="solid"/>
+                      <a:round/>
+                      <a:headEnd type="none" w="med" len="med"/>
+                      <a:tailEnd type="none" w="med" len="med"/>
+                    </a:lnT>
+                    <a:lnB w="9525" cap="flat" cmpd="sng" algn="ctr">
+                      <a:solidFill>
+                        <a:schemeClr val="bg2"/>
+                      </a:solidFill>
+                      <a:prstDash val="solid"/>
+                      <a:round/>
+                      <a:headEnd type="none" w="med" len="med"/>
+                      <a:tailEnd type="none" w="med" len="med"/>
+                    </a:lnB>
+                    <a:lnTlToBr>
+                      <a:noFill/>
+                    </a:lnTlToBr>
+                    <a:lnBlToTr>
+                      <a:noFill/>
+                    </a:lnBlToTr>
+                    <a:solidFill>
+                      <a:srgbClr val="FFFFFF"/>
+                    </a:solidFill>
+                  </a:tcPr>
+                </a:tc>
+                <a:tc>
+                  <a:txBody>
+                    <a:bodyPr/>
+                    <a:lstStyle/>
+                    <a:p>
+                      <a:pPr marL="0" marR="0" lvl="0" indent="0" algn="ctr" defTabSz="914395" rtl="0" eaLnBrk="1" fontAlgn="t" latinLnBrk="0" hangingPunct="1">
+                        <a:lnSpc>
+                          <a:spcPct val="100000"/>
+                        </a:lnSpc>
+                        <a:spcBef>
+                          <a:spcPts val="0"/>
+                        </a:spcBef>
+                        <a:spcAft>
+                          <a:spcPts val="0"/>
+                        </a:spcAft>
+                        <a:buClrTx/>
+                        <a:buSzTx/>
+                        <a:buFontTx/>
+                        <a:buNone/>
+                        <a:tabLst/>
+                        <a:defRPr/>
+                      </a:pPr>
+                      <a:r>
+                        <a:rPr kumimoji="0" lang="en-US" sz="700" b="0" i="0" u="none" strike="noStrike" kern="1200" cap="none" spc="0" normalizeH="0" baseline="0" noProof="0" dirty="0">
+                          <a:ln>
+                            <a:noFill/>
+                          </a:ln>
+                          <a:solidFill>
+                            <a:srgbClr val="003B4C"/>
+                          </a:solidFill>
+                          <a:effectLst/>
+                          <a:uLnTx/>
+                          <a:uFillTx/>
+                          <a:latin typeface="Arial" panose="020B0604020202020204" pitchFamily="34" charset="0"/>
+                          <a:ea typeface="+mn-ea"/>
+                          <a:cs typeface="+mn-cs"/>
+                        </a:rPr>
+                        <a:t>DryPowder3</a:t>
+                      </a:r>
+                    </a:p>
+                    <a:p>
+                      <a:pPr marL="0" marR="0" lvl="0" indent="0" algn="ctr" defTabSz="914395" rtl="0" eaLnBrk="1" fontAlgn="t" latinLnBrk="0" hangingPunct="1">
+                        <a:lnSpc>
+                          <a:spcPct val="100000"/>
+                        </a:lnSpc>
+                        <a:spcBef>
+                          <a:spcPts val="0"/>
+                        </a:spcBef>
+                        <a:spcAft>
+                          <a:spcPts val="0"/>
+                        </a:spcAft>
+                        <a:buClrTx/>
+                        <a:buSzTx/>
+                        <a:buFontTx/>
+                        <a:buNone/>
+                        <a:tabLst/>
+                        <a:defRPr/>
+                      </a:pPr>
+                      <a:r>
+                        <a:rPr kumimoji="0" lang="en-US" sz="700" b="0" i="0" u="none" strike="noStrike" kern="1200" cap="none" spc="0" normalizeH="0" baseline="0" noProof="0" dirty="0">
+                          <a:ln>
+                            <a:noFill/>
+                          </a:ln>
+                          <a:solidFill>
+                            <a:srgbClr val="003B4C"/>
+                          </a:solidFill>
+                          <a:effectLst/>
+                          <a:uLnTx/>
+                          <a:uFillTx/>
+                          <a:latin typeface="Arial" panose="020B0604020202020204" pitchFamily="34" charset="0"/>
+                          <a:ea typeface="+mn-ea"/>
+                          <a:cs typeface="+mn-cs"/>
+                        </a:rPr>
+                        <a:t>AUM3</a:t>
+                      </a:r>
+                      <a:endParaRPr kumimoji="0" lang="en-US" sz="700" b="0" i="0" u="none" strike="noStrike" kern="1200" cap="none" spc="0" normalizeH="0" baseline="0" noProof="0" dirty="0">
+                        <a:ln>
+                          <a:noFill/>
+                        </a:ln>
+                        <a:solidFill>
+                          <a:srgbClr val="FF0000"/>
+                        </a:solidFill>
+                        <a:effectLst/>
+                        <a:uLnTx/>
+                        <a:uFillTx/>
+                        <a:latin typeface="+mn-lt"/>
+                        <a:ea typeface="+mn-ea"/>
+                        <a:cs typeface="+mn-cs"/>
+                      </a:endParaRPr>
+                    </a:p>
+                  </a:txBody>
+                  <a:tcPr marL="0" marR="0" marT="0" marB="0" anchor="ctr">
+                    <a:lnL>
+                      <a:noFill/>
+                    </a:lnL>
+                    <a:lnR cap="flat">
+                      <a:noFill/>
+                    </a:lnR>
+                    <a:lnT w="6350" cap="flat" cmpd="sng" algn="ctr">
+                      <a:solidFill>
+                        <a:srgbClr val="DBD5CD"/>
+                      </a:solidFill>
+                      <a:prstDash val="solid"/>
+                      <a:round/>
+                      <a:headEnd type="none" w="med" len="med"/>
+                      <a:tailEnd type="none" w="med" len="med"/>
+                    </a:lnT>
+                    <a:lnB w="9525" cap="flat" cmpd="sng" algn="ctr">
+                      <a:solidFill>
+                        <a:schemeClr val="bg2"/>
+                      </a:solidFill>
+                      <a:prstDash val="solid"/>
+                      <a:round/>
+                      <a:headEnd type="none" w="med" len="med"/>
+                      <a:tailEnd type="none" w="med" len="med"/>
+                    </a:lnB>
+                    <a:lnTlToBr>
+                      <a:noFill/>
+                    </a:lnTlToBr>
+                    <a:lnBlToTr>
+                      <a:noFill/>
+                    </a:lnBlToTr>
+                    <a:solidFill>
+                      <a:srgbClr val="FFFFFF"/>
+                    </a:solidFill>
+                  </a:tcPr>
+                </a:tc>
+                <a:tc>
+                  <a:txBody>
+                    <a:bodyPr/>
+                    <a:lstStyle/>
+                    <a:p>
+                      <a:pPr marL="0" marR="0" lvl="0" indent="0" algn="ctr" defTabSz="914395" rtl="0" eaLnBrk="1" fontAlgn="t" latinLnBrk="0" hangingPunct="1">
+                        <a:lnSpc>
+                          <a:spcPct val="100000"/>
+                        </a:lnSpc>
+                        <a:spcBef>
+                          <a:spcPts val="0"/>
+                        </a:spcBef>
+                        <a:spcAft>
+                          <a:spcPts val="0"/>
+                        </a:spcAft>
+                        <a:buClrTx/>
+                        <a:buSzTx/>
+                        <a:buFontTx/>
+                        <a:buNone/>
+                        <a:tabLst/>
+                        <a:defRPr/>
+                      </a:pPr>
+                      <a:r>
+                        <a:rPr kumimoji="0" lang="en-US" sz="2200" b="1" i="0" u="none" strike="noStrike" kern="1200" cap="none" spc="0" normalizeH="0" baseline="0" noProof="0" dirty="0">
+                          <a:ln>
+                            <a:noFill/>
+                          </a:ln>
+                          <a:solidFill>
+                            <a:srgbClr val="C00000"/>
+                          </a:solidFill>
+                          <a:effectLst/>
+                          <a:uLnTx/>
+                          <a:uFillTx/>
+                          <a:latin typeface="+mn-lt"/>
+                          <a:ea typeface="+mn-ea"/>
+                          <a:cs typeface="Arial"/>
+                          <a:sym typeface="Wingdings" panose="05000000000000000000" pitchFamily="2" charset="2"/>
+                        </a:rPr>
+                        <a:t></a:t>
+                      </a:r>
+                      <a:endParaRPr kumimoji="0" lang="en-US" sz="2200" b="0" i="0" u="none" strike="noStrike" kern="1200" cap="none" spc="0" normalizeH="0" baseline="0" noProof="0" dirty="0">
+                        <a:ln>
+                          <a:noFill/>
+                        </a:ln>
+                        <a:solidFill>
+                          <a:srgbClr val="FF0000"/>
+                        </a:solidFill>
+                        <a:effectLst/>
+                        <a:uLnTx/>
+                        <a:uFillTx/>
+                        <a:latin typeface="+mn-lt"/>
+                        <a:ea typeface="+mn-ea"/>
+                        <a:cs typeface="+mn-cs"/>
+                      </a:endParaRPr>
+                    </a:p>
+                  </a:txBody>
+                  <a:tcPr marL="0" marR="0" marT="0" marB="0" anchor="ctr">
+                    <a:lnL>
+                      <a:noFill/>
+                    </a:lnL>
+                    <a:lnR cap="flat">
+                      <a:noFill/>
+                    </a:lnR>
+                    <a:lnT w="6350" cap="flat" cmpd="sng" algn="ctr">
+                      <a:solidFill>
+                        <a:srgbClr val="DBD5CD"/>
+                      </a:solidFill>
+                      <a:prstDash val="solid"/>
+                      <a:round/>
+                      <a:headEnd type="none" w="med" len="med"/>
+                      <a:tailEnd type="none" w="med" len="med"/>
+                    </a:lnT>
+                    <a:lnB w="9525" cap="flat" cmpd="sng" algn="ctr">
+                      <a:solidFill>
+                        <a:schemeClr val="bg2"/>
+                      </a:solidFill>
+                      <a:prstDash val="solid"/>
+                      <a:round/>
+                      <a:headEnd type="none" w="med" len="med"/>
+                      <a:tailEnd type="none" w="med" len="med"/>
+                    </a:lnB>
+                    <a:lnTlToBr>
+                      <a:noFill/>
+                    </a:lnTlToBr>
+                    <a:lnBlToTr>
+                      <a:noFill/>
+                    </a:lnBlToTr>
+                    <a:solidFill>
+                      <a:srgbClr val="FFFFFF"/>
+                    </a:solidFill>
+                  </a:tcPr>
+                </a:tc>
+                <a:tc>
+                  <a:txBody>
+                    <a:bodyPr/>
+                    <a:lstStyle/>
+                    <a:p>
+                      <a:pPr marL="0" marR="0" lvl="0" indent="0" algn="ctr" defTabSz="914395" rtl="0" eaLnBrk="1" fontAlgn="t" latinLnBrk="0" hangingPunct="1">
+                        <a:lnSpc>
+                          <a:spcPct val="100000"/>
+                        </a:lnSpc>
+                        <a:spcBef>
+                          <a:spcPts val="0"/>
+                        </a:spcBef>
+                        <a:spcAft>
+                          <a:spcPts val="0"/>
+                        </a:spcAft>
+                        <a:buClrTx/>
+                        <a:buSzTx/>
+                        <a:buFontTx/>
+                        <a:buNone/>
+                        <a:tabLst/>
+                        <a:defRPr/>
+                      </a:pPr>
+                      <a:endParaRPr lang="en-US" sz="700" noProof="0" dirty="0">
+                        <a:solidFill>
+                          <a:srgbClr val="003B4C"/>
+                        </a:solidFill>
+                        <a:latin typeface="+mn-lt"/>
+                      </a:endParaRPr>
+                    </a:p>
+                    <a:p>
+                      <a:pPr marL="0" marR="0" lvl="0" indent="0" algn="ctr" defTabSz="914395" rtl="0" eaLnBrk="1" fontAlgn="t" latinLnBrk="0" hangingPunct="1">
+                        <a:lnSpc>
+                          <a:spcPct val="100000"/>
+                        </a:lnSpc>
+                        <a:spcBef>
+                          <a:spcPts val="0"/>
+                        </a:spcBef>
+                        <a:spcAft>
+                          <a:spcPts val="0"/>
+                        </a:spcAft>
+                        <a:buClrTx/>
+                        <a:buSzTx/>
+                        <a:buFontTx/>
+                        <a:buNone/>
+                        <a:tabLst/>
+                        <a:defRPr/>
+                      </a:pPr>
+                      <a:endParaRPr lang="en-US" sz="700" noProof="0" dirty="0">
+                        <a:solidFill>
+                          <a:srgbClr val="003B4C"/>
+                        </a:solidFill>
+                        <a:latin typeface="+mn-lt"/>
+                      </a:endParaRPr>
+                    </a:p>
+                    <a:p>
+                      <a:pPr marL="0" marR="0" lvl="0" indent="0" algn="ctr" defTabSz="914395" rtl="0" eaLnBrk="1" fontAlgn="t" latinLnBrk="0" hangingPunct="1">
+                        <a:lnSpc>
+                          <a:spcPct val="100000"/>
+                        </a:lnSpc>
+                        <a:spcBef>
+                          <a:spcPts val="0"/>
+                        </a:spcBef>
+                        <a:spcAft>
+                          <a:spcPts val="0"/>
+                        </a:spcAft>
+                        <a:buClrTx/>
+                        <a:buSzTx/>
+                        <a:buFontTx/>
+                        <a:buNone/>
+                        <a:tabLst/>
+                        <a:defRPr/>
+                      </a:pPr>
+                      <a:endParaRPr lang="en-US" sz="700" noProof="0" dirty="0">
+                        <a:solidFill>
+                          <a:srgbClr val="003B4C"/>
+                        </a:solidFill>
+                        <a:latin typeface="+mn-lt"/>
+                      </a:endParaRPr>
+                    </a:p>
+                    <a:p>
+                      <a:pPr marL="0" marR="0" lvl="0" indent="0" algn="ctr" defTabSz="914395" rtl="0" eaLnBrk="1" fontAlgn="t" latinLnBrk="0" hangingPunct="1">
+                        <a:lnSpc>
+                          <a:spcPct val="100000"/>
+                        </a:lnSpc>
+                        <a:spcBef>
+                          <a:spcPts val="0"/>
+                        </a:spcBef>
+                        <a:spcAft>
+                          <a:spcPts val="0"/>
+                        </a:spcAft>
+                        <a:buClrTx/>
+                        <a:buSzTx/>
+                        <a:buFontTx/>
+                        <a:buNone/>
+                        <a:tabLst/>
+                        <a:defRPr/>
+                      </a:pPr>
+                      <a:endParaRPr lang="en-US" sz="700" noProof="0" dirty="0">
+                        <a:solidFill>
+                          <a:srgbClr val="003B4C"/>
+                        </a:solidFill>
+                        <a:latin typeface="+mn-lt"/>
+                      </a:endParaRPr>
+                    </a:p>
+                    <a:p>
+                      <a:pPr marL="0" marR="0" lvl="0" indent="0" algn="ctr" defTabSz="914395" rtl="0" eaLnBrk="1" fontAlgn="t" latinLnBrk="0" hangingPunct="1">
+                        <a:lnSpc>
+                          <a:spcPct val="100000"/>
+                        </a:lnSpc>
+                        <a:spcBef>
+                          <a:spcPts val="0"/>
+                        </a:spcBef>
+                        <a:spcAft>
+                          <a:spcPts val="0"/>
+                        </a:spcAft>
+                        <a:buClrTx/>
+                        <a:buSzTx/>
+                        <a:buFontTx/>
+                        <a:buNone/>
+                        <a:tabLst/>
+                        <a:defRPr/>
+                      </a:pPr>
+                      <a:endParaRPr lang="en-US" sz="700" noProof="0" dirty="0">
+                        <a:solidFill>
+                          <a:srgbClr val="003B4C"/>
+                        </a:solidFill>
+                        <a:latin typeface="+mn-lt"/>
+                      </a:endParaRPr>
+                    </a:p>
+                    <a:p>
+                      <a:pPr marL="0" marR="0" lvl="0" indent="0" algn="ctr" defTabSz="914395" rtl="0" eaLnBrk="1" fontAlgn="t" latinLnBrk="0" hangingPunct="1">
+                        <a:lnSpc>
+                          <a:spcPct val="100000"/>
+                        </a:lnSpc>
+                        <a:spcBef>
+                          <a:spcPts val="0"/>
+                        </a:spcBef>
+                        <a:spcAft>
+                          <a:spcPts val="0"/>
+                        </a:spcAft>
+                        <a:buClrTx/>
+                        <a:buSzTx/>
+                        <a:buFontTx/>
+                        <a:buNone/>
+                        <a:tabLst/>
+                        <a:defRPr/>
+                      </a:pPr>
+                      <a:r>
+                        <a:rPr lang="en-US" sz="700" noProof="0" dirty="0">
+                          <a:solidFill>
+                            <a:srgbClr val="003B4C"/>
+                          </a:solidFill>
+                          <a:latin typeface="+mn-lt"/>
+                        </a:rPr>
+                        <a:t>Investment1</a:t>
+                      </a:r>
+                    </a:p>
+                  </a:txBody>
+                  <a:tcPr marL="0" marR="0" marT="0" marB="0" anchor="ctr">
+                    <a:lnL>
+                      <a:noFill/>
+                    </a:lnL>
+                    <a:lnR cap="flat">
+                      <a:noFill/>
+                    </a:lnR>
+                    <a:lnT w="6350" cap="flat" cmpd="sng" algn="ctr">
+                      <a:solidFill>
+                        <a:srgbClr val="DBD5CD"/>
+                      </a:solidFill>
+                      <a:prstDash val="solid"/>
+                      <a:round/>
+                      <a:headEnd type="none" w="med" len="med"/>
+                      <a:tailEnd type="none" w="med" len="med"/>
+                    </a:lnT>
+                    <a:lnB w="9525" cap="flat" cmpd="sng" algn="ctr">
+                      <a:solidFill>
+                        <a:schemeClr val="bg2"/>
+                      </a:solidFill>
+                      <a:prstDash val="solid"/>
+                      <a:round/>
+                      <a:headEnd type="none" w="med" len="med"/>
+                      <a:tailEnd type="none" w="med" len="med"/>
+                    </a:lnB>
+                    <a:lnTlToBr>
+                      <a:noFill/>
+                    </a:lnTlToBr>
+                    <a:lnBlToTr>
+                      <a:noFill/>
+                    </a:lnBlToTr>
+                    <a:solidFill>
+                      <a:srgbClr val="FFFFFF"/>
+                    </a:solidFill>
+                  </a:tcPr>
+                </a:tc>
+                <a:tc>
+                  <a:txBody>
+                    <a:bodyPr/>
+                    <a:lstStyle/>
+                    <a:p>
+                      <a:pPr marL="0" marR="0" lvl="0" indent="0" algn="ctr" defTabSz="914395" rtl="0" eaLnBrk="1" fontAlgn="t" latinLnBrk="0" hangingPunct="1">
+                        <a:lnSpc>
+                          <a:spcPct val="100000"/>
+                        </a:lnSpc>
+                        <a:spcBef>
+                          <a:spcPts val="0"/>
+                        </a:spcBef>
+                        <a:spcAft>
+                          <a:spcPts val="0"/>
+                        </a:spcAft>
+                        <a:buClrTx/>
+                        <a:buSzTx/>
+                        <a:buFontTx/>
+                        <a:buNone/>
+                        <a:tabLst/>
+                        <a:defRPr/>
+                      </a:pPr>
+                      <a:endParaRPr lang="en-US" sz="700" noProof="0" dirty="0">
+                        <a:solidFill>
+                          <a:srgbClr val="003B4C"/>
+                        </a:solidFill>
+                        <a:latin typeface="+mn-lt"/>
+                      </a:endParaRPr>
+                    </a:p>
+                    <a:p>
+                      <a:pPr marL="0" marR="0" lvl="0" indent="0" algn="ctr" defTabSz="914395" rtl="0" eaLnBrk="1" fontAlgn="t" latinLnBrk="0" hangingPunct="1">
+                        <a:lnSpc>
+                          <a:spcPct val="100000"/>
+                        </a:lnSpc>
+                        <a:spcBef>
+                          <a:spcPts val="0"/>
+                        </a:spcBef>
+                        <a:spcAft>
+                          <a:spcPts val="0"/>
+                        </a:spcAft>
+                        <a:buClrTx/>
+                        <a:buSzTx/>
+                        <a:buFontTx/>
+                        <a:buNone/>
+                        <a:tabLst/>
+                        <a:defRPr/>
+                      </a:pPr>
+                      <a:endParaRPr lang="en-US" sz="700" noProof="0" dirty="0">
+                        <a:solidFill>
+                          <a:srgbClr val="003B4C"/>
+                        </a:solidFill>
+                        <a:latin typeface="+mn-lt"/>
+                      </a:endParaRPr>
+                    </a:p>
+                    <a:p>
+                      <a:pPr marL="0" marR="0" lvl="0" indent="0" algn="ctr" defTabSz="914395" rtl="0" eaLnBrk="1" fontAlgn="t" latinLnBrk="0" hangingPunct="1">
+                        <a:lnSpc>
+                          <a:spcPct val="100000"/>
+                        </a:lnSpc>
+                        <a:spcBef>
+                          <a:spcPts val="0"/>
+                        </a:spcBef>
+                        <a:spcAft>
+                          <a:spcPts val="0"/>
+                        </a:spcAft>
+                        <a:buClrTx/>
+                        <a:buSzTx/>
+                        <a:buFontTx/>
+                        <a:buNone/>
+                        <a:tabLst/>
+                        <a:defRPr/>
+                      </a:pPr>
+                      <a:endParaRPr lang="en-US" sz="700" noProof="0" dirty="0">
+                        <a:solidFill>
+                          <a:srgbClr val="003B4C"/>
+                        </a:solidFill>
+                        <a:latin typeface="+mn-lt"/>
+                      </a:endParaRPr>
+                    </a:p>
+                    <a:p>
+                      <a:pPr marL="0" marR="0" lvl="0" indent="0" algn="ctr" defTabSz="914395" rtl="0" eaLnBrk="1" fontAlgn="t" latinLnBrk="0" hangingPunct="1">
+                        <a:lnSpc>
+                          <a:spcPct val="100000"/>
+                        </a:lnSpc>
+                        <a:spcBef>
+                          <a:spcPts val="0"/>
+                        </a:spcBef>
+                        <a:spcAft>
+                          <a:spcPts val="0"/>
+                        </a:spcAft>
+                        <a:buClrTx/>
+                        <a:buSzTx/>
+                        <a:buFontTx/>
+                        <a:buNone/>
+                        <a:tabLst/>
+                        <a:defRPr/>
+                      </a:pPr>
+                      <a:endParaRPr lang="en-US" sz="700" noProof="0" dirty="0">
+                        <a:solidFill>
+                          <a:srgbClr val="003B4C"/>
+                        </a:solidFill>
+                        <a:latin typeface="+mn-lt"/>
+                      </a:endParaRPr>
+                    </a:p>
+                    <a:p>
+                      <a:pPr marL="0" marR="0" lvl="0" indent="0" algn="ctr" defTabSz="914395" rtl="0" eaLnBrk="1" fontAlgn="t" latinLnBrk="0" hangingPunct="1">
+                        <a:lnSpc>
+                          <a:spcPct val="100000"/>
+                        </a:lnSpc>
+                        <a:spcBef>
+                          <a:spcPts val="0"/>
+                        </a:spcBef>
+                        <a:spcAft>
+                          <a:spcPts val="0"/>
+                        </a:spcAft>
+                        <a:buClrTx/>
+                        <a:buSzTx/>
+                        <a:buFontTx/>
+                        <a:buNone/>
+                        <a:tabLst/>
+                        <a:defRPr/>
+                      </a:pPr>
+                      <a:endParaRPr lang="en-US" sz="700" noProof="0" dirty="0">
+                        <a:solidFill>
+                          <a:srgbClr val="003B4C"/>
+                        </a:solidFill>
+                        <a:latin typeface="+mn-lt"/>
+                      </a:endParaRPr>
+                    </a:p>
+                    <a:p>
+                      <a:pPr marL="0" marR="0" lvl="0" indent="0" algn="ctr" defTabSz="914395" rtl="0" eaLnBrk="1" fontAlgn="t" latinLnBrk="0" hangingPunct="1">
+                        <a:lnSpc>
+                          <a:spcPct val="100000"/>
+                        </a:lnSpc>
+                        <a:spcBef>
+                          <a:spcPts val="0"/>
+                        </a:spcBef>
+                        <a:spcAft>
+                          <a:spcPts val="0"/>
+                        </a:spcAft>
+                        <a:buClrTx/>
+                        <a:buSzTx/>
+                        <a:buFontTx/>
+                        <a:buNone/>
+                        <a:tabLst/>
+                        <a:defRPr/>
+                      </a:pPr>
+                      <a:r>
+                        <a:rPr lang="en-US" sz="700" noProof="0" dirty="0">
+                          <a:solidFill>
+                            <a:srgbClr val="003B4C"/>
+                          </a:solidFill>
+                          <a:latin typeface="+mn-lt"/>
+                        </a:rPr>
+                        <a:t>Investment2</a:t>
+                      </a:r>
+                    </a:p>
+                  </a:txBody>
+                  <a:tcPr marL="0" marR="0" marT="0" marB="0" anchor="ctr">
+                    <a:lnL>
+                      <a:noFill/>
+                    </a:lnL>
+                    <a:lnR cap="flat">
+                      <a:noFill/>
+                    </a:lnR>
+                    <a:lnT w="6350" cap="flat" cmpd="sng" algn="ctr">
+                      <a:solidFill>
+                        <a:srgbClr val="DBD5CD"/>
+                      </a:solidFill>
+                      <a:prstDash val="solid"/>
+                      <a:round/>
+                      <a:headEnd type="none" w="med" len="med"/>
+                      <a:tailEnd type="none" w="med" len="med"/>
+                    </a:lnT>
+                    <a:lnB w="9525" cap="flat" cmpd="sng" algn="ctr">
+                      <a:solidFill>
+                        <a:schemeClr val="bg2"/>
+                      </a:solidFill>
+                      <a:prstDash val="solid"/>
+                      <a:round/>
+                      <a:headEnd type="none" w="med" len="med"/>
+                      <a:tailEnd type="none" w="med" len="med"/>
+                    </a:lnB>
+                    <a:lnTlToBr>
+                      <a:noFill/>
+                    </a:lnTlToBr>
+                    <a:lnBlToTr>
+                      <a:noFill/>
+                    </a:lnBlToTr>
+                    <a:solidFill>
+                      <a:srgbClr val="FFFFFF"/>
+                    </a:solidFill>
+                  </a:tcPr>
+                </a:tc>
+                <a:tc>
+                  <a:txBody>
+                    <a:bodyPr/>
+                    <a:lstStyle/>
+                    <a:p>
+                      <a:pPr marL="0" marR="0" lvl="0" indent="0" algn="ctr" defTabSz="914395" rtl="0" eaLnBrk="1" fontAlgn="t" latinLnBrk="0" hangingPunct="1">
+                        <a:lnSpc>
+                          <a:spcPct val="100000"/>
+                        </a:lnSpc>
+                        <a:spcBef>
+                          <a:spcPts val="0"/>
+                        </a:spcBef>
+                        <a:spcAft>
+                          <a:spcPts val="0"/>
+                        </a:spcAft>
+                        <a:buClrTx/>
+                        <a:buSzTx/>
+                        <a:buFontTx/>
+                        <a:buNone/>
+                        <a:tabLst/>
+                        <a:defRPr/>
+                      </a:pPr>
+                      <a:endParaRPr lang="en-US" sz="700" noProof="0" dirty="0">
+                        <a:solidFill>
+                          <a:srgbClr val="003B4C"/>
+                        </a:solidFill>
+                        <a:latin typeface="+mn-lt"/>
+                      </a:endParaRPr>
+                    </a:p>
+                    <a:p>
+                      <a:pPr marL="0" marR="0" lvl="0" indent="0" algn="ctr" defTabSz="914395" rtl="0" eaLnBrk="1" fontAlgn="t" latinLnBrk="0" hangingPunct="1">
+                        <a:lnSpc>
+                          <a:spcPct val="100000"/>
+                        </a:lnSpc>
+                        <a:spcBef>
+                          <a:spcPts val="0"/>
+                        </a:spcBef>
+                        <a:spcAft>
+                          <a:spcPts val="0"/>
+                        </a:spcAft>
+                        <a:buClrTx/>
+                        <a:buSzTx/>
+                        <a:buFontTx/>
+                        <a:buNone/>
+                        <a:tabLst/>
+                        <a:defRPr/>
+                      </a:pPr>
+                      <a:endParaRPr lang="en-US" sz="700" noProof="0" dirty="0">
+                        <a:solidFill>
+                          <a:srgbClr val="003B4C"/>
+                        </a:solidFill>
+                        <a:latin typeface="+mn-lt"/>
+                      </a:endParaRPr>
+                    </a:p>
+                    <a:p>
+                      <a:pPr marL="0" marR="0" lvl="0" indent="0" algn="ctr" defTabSz="914395" rtl="0" eaLnBrk="1" fontAlgn="t" latinLnBrk="0" hangingPunct="1">
+                        <a:lnSpc>
+                          <a:spcPct val="100000"/>
+                        </a:lnSpc>
+                        <a:spcBef>
+                          <a:spcPts val="0"/>
+                        </a:spcBef>
+                        <a:spcAft>
+                          <a:spcPts val="0"/>
+                        </a:spcAft>
+                        <a:buClrTx/>
+                        <a:buSzTx/>
+                        <a:buFontTx/>
+                        <a:buNone/>
+                        <a:tabLst/>
+                        <a:defRPr/>
+                      </a:pPr>
+                      <a:endParaRPr lang="en-US" sz="700" noProof="0" dirty="0">
+                        <a:solidFill>
+                          <a:srgbClr val="003B4C"/>
+                        </a:solidFill>
+                        <a:latin typeface="+mn-lt"/>
+                      </a:endParaRPr>
+                    </a:p>
+                    <a:p>
+                      <a:pPr marL="0" marR="0" lvl="0" indent="0" algn="ctr" defTabSz="914395" rtl="0" eaLnBrk="1" fontAlgn="t" latinLnBrk="0" hangingPunct="1">
+                        <a:lnSpc>
+                          <a:spcPct val="100000"/>
+                        </a:lnSpc>
+                        <a:spcBef>
+                          <a:spcPts val="0"/>
+                        </a:spcBef>
+                        <a:spcAft>
+                          <a:spcPts val="0"/>
+                        </a:spcAft>
+                        <a:buClrTx/>
+                        <a:buSzTx/>
+                        <a:buFontTx/>
+                        <a:buNone/>
+                        <a:tabLst/>
+                        <a:defRPr/>
+                      </a:pPr>
+                      <a:endParaRPr lang="en-US" sz="700" noProof="0" dirty="0">
+                        <a:solidFill>
+                          <a:srgbClr val="003B4C"/>
+                        </a:solidFill>
+                        <a:latin typeface="+mn-lt"/>
+                      </a:endParaRPr>
+                    </a:p>
+                    <a:p>
+                      <a:pPr marL="0" marR="0" lvl="0" indent="0" algn="ctr" defTabSz="914395" rtl="0" eaLnBrk="1" fontAlgn="t" latinLnBrk="0" hangingPunct="1">
+                        <a:lnSpc>
+                          <a:spcPct val="100000"/>
+                        </a:lnSpc>
+                        <a:spcBef>
+                          <a:spcPts val="0"/>
+                        </a:spcBef>
+                        <a:spcAft>
+                          <a:spcPts val="0"/>
+                        </a:spcAft>
+                        <a:buClrTx/>
+                        <a:buSzTx/>
+                        <a:buFontTx/>
+                        <a:buNone/>
+                        <a:tabLst/>
+                        <a:defRPr/>
+                      </a:pPr>
+                      <a:endParaRPr lang="en-US" sz="700" noProof="0" dirty="0">
+                        <a:solidFill>
+                          <a:srgbClr val="003B4C"/>
+                        </a:solidFill>
+                        <a:latin typeface="+mn-lt"/>
+                      </a:endParaRPr>
+                    </a:p>
+                    <a:p>
+                      <a:pPr marL="0" marR="0" lvl="0" indent="0" algn="ctr" defTabSz="914395" rtl="0" eaLnBrk="1" fontAlgn="t" latinLnBrk="0" hangingPunct="1">
+                        <a:lnSpc>
+                          <a:spcPct val="100000"/>
+                        </a:lnSpc>
+                        <a:spcBef>
+                          <a:spcPts val="0"/>
+                        </a:spcBef>
+                        <a:spcAft>
+                          <a:spcPts val="0"/>
+                        </a:spcAft>
+                        <a:buClrTx/>
+                        <a:buSzTx/>
+                        <a:buFontTx/>
+                        <a:buNone/>
+                        <a:tabLst/>
+                        <a:defRPr/>
+                      </a:pPr>
+                      <a:r>
+                        <a:rPr lang="en-US" sz="700" noProof="0" dirty="0">
+                          <a:solidFill>
+                            <a:srgbClr val="003B4C"/>
+                          </a:solidFill>
+                          <a:latin typeface="+mn-lt"/>
+                        </a:rPr>
+                        <a:t>Investment3</a:t>
+                      </a:r>
+                    </a:p>
+                  </a:txBody>
+                  <a:tcPr marL="0" marR="0" marT="0" marB="0" anchor="ctr">
+                    <a:lnL>
+                      <a:noFill/>
+                    </a:lnL>
+                    <a:lnR cap="flat">
+                      <a:noFill/>
+                    </a:lnR>
+                    <a:lnT w="6350" cap="flat" cmpd="sng" algn="ctr">
+                      <a:solidFill>
+                        <a:srgbClr val="DBD5CD"/>
+                      </a:solidFill>
+                      <a:prstDash val="solid"/>
+                      <a:round/>
+                      <a:headEnd type="none" w="med" len="med"/>
+                      <a:tailEnd type="none" w="med" len="med"/>
+                    </a:lnT>
+                    <a:lnB w="9525" cap="flat" cmpd="sng" algn="ctr">
+                      <a:solidFill>
+                        <a:schemeClr val="bg2"/>
+                      </a:solidFill>
+                      <a:prstDash val="solid"/>
+                      <a:round/>
+                      <a:headEnd type="none" w="med" len="med"/>
+                      <a:tailEnd type="none" w="med" len="med"/>
+                    </a:lnB>
+                    <a:lnTlToBr>
+                      <a:noFill/>
+                    </a:lnTlToBr>
+                    <a:lnBlToTr>
+                      <a:noFill/>
+                    </a:lnBlToTr>
+                    <a:solidFill>
+                      <a:srgbClr val="FFFFFF"/>
+                    </a:solidFill>
+                  </a:tcPr>
+                </a:tc>
+                <a:extLst>
+                  <a:ext uri="{0D108BD9-81ED-4DB2-BD59-A6C34878D82A}">
+                    <a16:rowId xmlns:a16="http://schemas.microsoft.com/office/drawing/2014/main" val="10003"/>
+                  </a:ext>
+                </a:extLst>
+              </a:tr>
+              <a:tr h="936243">
+                <a:tc>
+                  <a:txBody>
+                    <a:bodyPr/>
+                    <a:lstStyle/>
+                    <a:p>
+                      <a:pPr marL="0" marR="0" lvl="0" indent="0" algn="ctr" defTabSz="958850" rtl="0" eaLnBrk="1" fontAlgn="base" latinLnBrk="0" hangingPunct="1">
+                        <a:lnSpc>
+                          <a:spcPct val="100000"/>
+                        </a:lnSpc>
+                        <a:spcBef>
+                          <a:spcPct val="0"/>
+                        </a:spcBef>
+                        <a:spcAft>
+                          <a:spcPct val="0"/>
+                        </a:spcAft>
+                        <a:buClr>
+                          <a:srgbClr val="000080"/>
+                        </a:buClr>
+                        <a:buSzTx/>
+                        <a:buFont typeface="Wingdings" pitchFamily="2" charset="2"/>
+                        <a:buNone/>
+                        <a:tabLst/>
+                        <a:defRPr/>
+                      </a:pPr>
+                      <a:r>
+                        <a:rPr kumimoji="0" lang="en-US" sz="600" b="1" i="0" u="none" strike="noStrike" kern="1200" cap="none" spc="0" normalizeH="0" baseline="0" noProof="0" dirty="0">
+                          <a:ln>
+                            <a:noFill/>
+                          </a:ln>
+                          <a:solidFill>
+                            <a:srgbClr val="003B4C"/>
+                          </a:solidFill>
+                          <a:effectLst/>
+                          <a:uLnTx/>
+                          <a:uFillTx/>
+                          <a:latin typeface="Arial" panose="020B0604020202020204" pitchFamily="34" charset="0"/>
+                          <a:ea typeface="+mn-ea"/>
+                          <a:cs typeface="+mn-cs"/>
+                        </a:rPr>
+                        <a:t>#</a:t>
+                      </a:r>
+                      <a:endParaRPr lang="en-US" sz="600" b="1" i="0" u="none" kern="1200" noProof="0" dirty="0">
+                        <a:solidFill>
+                          <a:schemeClr val="tx2"/>
+                        </a:solidFill>
+                        <a:latin typeface="Arial" panose="020B0604020202020204" pitchFamily="34" charset="0"/>
+                        <a:ea typeface="+mn-ea"/>
+                        <a:cs typeface="+mn-cs"/>
+                      </a:endParaRPr>
+                    </a:p>
+                  </a:txBody>
+                  <a:tcPr marL="0" marR="84406" marT="0" marB="0" anchor="ctr" horzOverflow="overflow">
+                    <a:lnL cap="flat">
+                      <a:noFill/>
+                    </a:lnL>
+                    <a:lnR>
+                      <a:noFill/>
+                    </a:lnR>
+                    <a:lnT w="9525" cap="flat" cmpd="sng" algn="ctr">
+                      <a:solidFill>
+                        <a:schemeClr val="bg2"/>
+                      </a:solidFill>
+                      <a:prstDash val="solid"/>
+                      <a:round/>
+                      <a:headEnd type="none" w="med" len="med"/>
+                      <a:tailEnd type="none" w="med" len="med"/>
+                    </a:lnT>
+                    <a:lnB w="9525" cap="flat" cmpd="sng" algn="ctr">
+                      <a:solidFill>
+                        <a:schemeClr val="bg2"/>
+                      </a:solidFill>
+                      <a:prstDash val="solid"/>
+                      <a:round/>
+                      <a:headEnd type="none" w="med" len="med"/>
+                      <a:tailEnd type="none" w="med" len="med"/>
+                    </a:lnB>
+                    <a:lnTlToBr>
+                      <a:noFill/>
+                    </a:lnTlToBr>
+                    <a:lnBlToTr>
+                      <a:noFill/>
+                    </a:lnBlToTr>
+                    <a:solidFill>
+                      <a:srgbClr val="F0F5F7"/>
+                    </a:solidFill>
+                  </a:tcPr>
+                </a:tc>
+                <a:tc>
+                  <a:txBody>
+                    <a:bodyPr/>
+                    <a:lstStyle/>
+                    <a:p>
+                      <a:pPr marL="0" marR="0" lvl="0" indent="0" algn="l" defTabSz="958850" rtl="0" eaLnBrk="1" fontAlgn="base" latinLnBrk="0" hangingPunct="1">
+                        <a:lnSpc>
+                          <a:spcPct val="100000"/>
+                        </a:lnSpc>
+                        <a:spcBef>
+                          <a:spcPct val="0"/>
+                        </a:spcBef>
+                        <a:spcAft>
+                          <a:spcPct val="0"/>
+                        </a:spcAft>
+                        <a:buClr>
+                          <a:srgbClr val="000080"/>
+                        </a:buClr>
+                        <a:buSzTx/>
+                        <a:buFont typeface="Wingdings" pitchFamily="2" charset="2"/>
+                        <a:buNone/>
+                        <a:tabLst/>
+                        <a:defRPr/>
+                      </a:pPr>
+                      <a:endParaRPr lang="en-US" sz="700" b="0" i="0" u="none" kern="1200" noProof="0" dirty="0">
+                        <a:solidFill>
+                          <a:schemeClr val="tx2"/>
+                        </a:solidFill>
+                        <a:highlight>
+                          <a:srgbClr val="FFFF00"/>
+                        </a:highlight>
+                        <a:latin typeface="Arial" panose="020B0604020202020204" pitchFamily="34" charset="0"/>
+                        <a:ea typeface="+mn-ea"/>
+                        <a:cs typeface="+mn-cs"/>
+                      </a:endParaRPr>
+                    </a:p>
+                    <a:p>
+                      <a:pPr marL="0" marR="0" lvl="0" indent="0" algn="l" defTabSz="958850" rtl="0" eaLnBrk="1" fontAlgn="base" latinLnBrk="0" hangingPunct="1">
+                        <a:lnSpc>
+                          <a:spcPct val="100000"/>
+                        </a:lnSpc>
+                        <a:spcBef>
+                          <a:spcPct val="0"/>
+                        </a:spcBef>
+                        <a:spcAft>
+                          <a:spcPct val="0"/>
+                        </a:spcAft>
+                        <a:buClr>
+                          <a:srgbClr val="000080"/>
+                        </a:buClr>
+                        <a:buSzTx/>
+                        <a:buFont typeface="Wingdings" pitchFamily="2" charset="2"/>
+                        <a:buNone/>
+                        <a:tabLst/>
+                        <a:defRPr/>
+                      </a:pPr>
+                      <a:endParaRPr lang="en-US" sz="700" b="0" i="0" u="none" kern="1200" noProof="0" dirty="0">
+                        <a:solidFill>
+                          <a:schemeClr val="tx2"/>
+                        </a:solidFill>
+                        <a:highlight>
+                          <a:srgbClr val="FFFF00"/>
+                        </a:highlight>
+                        <a:latin typeface="Arial" panose="020B0604020202020204" pitchFamily="34" charset="0"/>
+                        <a:ea typeface="+mn-ea"/>
+                        <a:cs typeface="+mn-cs"/>
+                      </a:endParaRPr>
+                    </a:p>
+                    <a:p>
+                      <a:pPr marL="0" marR="0" lvl="0" indent="0" algn="l" defTabSz="958850" rtl="0" eaLnBrk="1" fontAlgn="base" latinLnBrk="0" hangingPunct="1">
+                        <a:lnSpc>
+                          <a:spcPct val="100000"/>
+                        </a:lnSpc>
+                        <a:spcBef>
+                          <a:spcPct val="0"/>
+                        </a:spcBef>
+                        <a:spcAft>
+                          <a:spcPct val="0"/>
+                        </a:spcAft>
+                        <a:buClr>
+                          <a:srgbClr val="000080"/>
+                        </a:buClr>
+                        <a:buSzTx/>
+                        <a:buFont typeface="Wingdings" pitchFamily="2" charset="2"/>
+                        <a:buNone/>
+                        <a:tabLst/>
+                        <a:defRPr/>
+                      </a:pPr>
+                      <a:endParaRPr lang="en-US" sz="700" b="0" i="0" u="none" kern="1200" noProof="0" dirty="0">
+                        <a:solidFill>
+                          <a:schemeClr val="tx2"/>
+                        </a:solidFill>
+                        <a:highlight>
+                          <a:srgbClr val="FFFF00"/>
+                        </a:highlight>
+                        <a:latin typeface="Arial" panose="020B0604020202020204" pitchFamily="34" charset="0"/>
+                        <a:ea typeface="+mn-ea"/>
+                        <a:cs typeface="+mn-cs"/>
+                      </a:endParaRPr>
+                    </a:p>
+                    <a:p>
+                      <a:pPr marL="0" marR="0" lvl="0" indent="0" algn="l" defTabSz="958850" rtl="0" eaLnBrk="1" fontAlgn="base" latinLnBrk="0" hangingPunct="1">
+                        <a:lnSpc>
+                          <a:spcPct val="100000"/>
+                        </a:lnSpc>
+                        <a:spcBef>
+                          <a:spcPct val="0"/>
+                        </a:spcBef>
+                        <a:spcAft>
+                          <a:spcPct val="0"/>
+                        </a:spcAft>
+                        <a:buClr>
+                          <a:srgbClr val="000080"/>
+                        </a:buClr>
+                        <a:buSzTx/>
+                        <a:buFont typeface="Wingdings" pitchFamily="2" charset="2"/>
+                        <a:buNone/>
+                        <a:tabLst/>
+                        <a:defRPr/>
+                      </a:pPr>
+                      <a:endParaRPr lang="en-US" sz="700" b="0" i="0" u="none" kern="1200" noProof="0" dirty="0">
+                        <a:solidFill>
+                          <a:schemeClr val="tx2"/>
+                        </a:solidFill>
+                        <a:highlight>
+                          <a:srgbClr val="FFFF00"/>
+                        </a:highlight>
+                        <a:latin typeface="Arial" panose="020B0604020202020204" pitchFamily="34" charset="0"/>
+                        <a:ea typeface="+mn-ea"/>
+                        <a:cs typeface="+mn-cs"/>
+                      </a:endParaRPr>
+                    </a:p>
+                    <a:p>
+                      <a:pPr marL="0" marR="0" lvl="0" indent="0" algn="l" defTabSz="958850" rtl="0" eaLnBrk="1" fontAlgn="base" latinLnBrk="0" hangingPunct="1">
+                        <a:lnSpc>
+                          <a:spcPct val="100000"/>
+                        </a:lnSpc>
+                        <a:spcBef>
+                          <a:spcPct val="0"/>
+                        </a:spcBef>
+                        <a:spcAft>
+                          <a:spcPct val="0"/>
+                        </a:spcAft>
+                        <a:buClr>
+                          <a:srgbClr val="000080"/>
+                        </a:buClr>
+                        <a:buSzTx/>
+                        <a:buFont typeface="Wingdings" pitchFamily="2" charset="2"/>
+                        <a:buNone/>
+                        <a:tabLst/>
+                        <a:defRPr/>
+                      </a:pPr>
+                      <a:endParaRPr kumimoji="0" lang="en-US" sz="700" b="0" i="0" u="none" strike="noStrike" kern="1200" cap="none" spc="0" normalizeH="0" baseline="0" noProof="0" dirty="0">
+                        <a:ln>
+                          <a:noFill/>
+                        </a:ln>
+                        <a:solidFill>
+                          <a:srgbClr val="003B4C"/>
+                        </a:solidFill>
+                        <a:effectLst/>
+                        <a:uLnTx/>
+                        <a:uFillTx/>
+                        <a:latin typeface="Arial" panose="020B0604020202020204" pitchFamily="34" charset="0"/>
+                        <a:ea typeface="+mn-ea"/>
+                        <a:cs typeface="+mn-cs"/>
+                      </a:endParaRPr>
+                    </a:p>
+                    <a:p>
+                      <a:pPr marL="0" marR="0" lvl="0" indent="0" algn="l" defTabSz="958850" rtl="0" eaLnBrk="1" fontAlgn="base" latinLnBrk="0" hangingPunct="1">
+                        <a:lnSpc>
+                          <a:spcPct val="100000"/>
+                        </a:lnSpc>
+                        <a:spcBef>
+                          <a:spcPct val="0"/>
+                        </a:spcBef>
+                        <a:spcAft>
+                          <a:spcPct val="0"/>
+                        </a:spcAft>
+                        <a:buClr>
+                          <a:srgbClr val="000080"/>
+                        </a:buClr>
+                        <a:buSzTx/>
+                        <a:buFont typeface="Wingdings" pitchFamily="2" charset="2"/>
+                        <a:buNone/>
+                        <a:tabLst/>
+                        <a:defRPr/>
+                      </a:pPr>
+                      <a:endParaRPr kumimoji="0" lang="en-US" sz="700" b="0" i="0" u="none" strike="noStrike" kern="1200" cap="none" spc="0" normalizeH="0" baseline="0" noProof="0" dirty="0">
+                        <a:ln>
+                          <a:noFill/>
+                        </a:ln>
+                        <a:solidFill>
+                          <a:srgbClr val="003B4C"/>
+                        </a:solidFill>
+                        <a:effectLst/>
+                        <a:uLnTx/>
+                        <a:uFillTx/>
+                        <a:latin typeface="Arial" panose="020B0604020202020204" pitchFamily="34" charset="0"/>
+                        <a:ea typeface="+mn-ea"/>
+                        <a:cs typeface="+mn-cs"/>
+                      </a:endParaRPr>
+                    </a:p>
+                    <a:p>
+                      <a:pPr marL="0" marR="0" lvl="0" indent="0" algn="l" defTabSz="958850" rtl="0" eaLnBrk="1" fontAlgn="base" latinLnBrk="0" hangingPunct="1">
+                        <a:lnSpc>
+                          <a:spcPct val="100000"/>
+                        </a:lnSpc>
+                        <a:spcBef>
+                          <a:spcPct val="0"/>
+                        </a:spcBef>
+                        <a:spcAft>
+                          <a:spcPct val="0"/>
+                        </a:spcAft>
+                        <a:buClr>
+                          <a:srgbClr val="000080"/>
+                        </a:buClr>
+                        <a:buSzTx/>
+                        <a:buFont typeface="Wingdings" pitchFamily="2" charset="2"/>
+                        <a:buNone/>
+                        <a:tabLst/>
+                        <a:defRPr/>
+                      </a:pPr>
+                      <a:r>
+                        <a:rPr kumimoji="0" lang="en-US" sz="700" b="0" i="0" u="none" strike="noStrike" kern="1200" cap="none" spc="0" normalizeH="0" baseline="0" noProof="0" dirty="0">
+                          <a:ln>
+                            <a:noFill/>
+                          </a:ln>
+                          <a:solidFill>
+                            <a:srgbClr val="003B4C"/>
+                          </a:solidFill>
+                          <a:effectLst/>
+                          <a:uLnTx/>
+                          <a:uFillTx/>
+                          <a:latin typeface="Arial" panose="020B0604020202020204" pitchFamily="34" charset="0"/>
+                          <a:ea typeface="+mn-ea"/>
+                          <a:cs typeface="+mn-cs"/>
+                        </a:rPr>
+                        <a:t>Country4</a:t>
+                      </a:r>
+                    </a:p>
+                  </a:txBody>
+                  <a:tcPr marL="0" marR="84406" marT="0" marB="0" anchor="ctr" horzOverflow="overflow">
+                    <a:lnL cap="flat">
+                      <a:noFill/>
+                    </a:lnL>
+                    <a:lnR>
+                      <a:noFill/>
+                    </a:lnR>
+                    <a:lnT w="9525" cap="flat" cmpd="sng" algn="ctr">
+                      <a:solidFill>
+                        <a:schemeClr val="bg2"/>
+                      </a:solidFill>
+                      <a:prstDash val="solid"/>
+                      <a:round/>
+                      <a:headEnd type="none" w="med" len="med"/>
+                      <a:tailEnd type="none" w="med" len="med"/>
+                    </a:lnT>
+                    <a:lnB w="9525" cap="flat" cmpd="sng" algn="ctr">
+                      <a:solidFill>
+                        <a:schemeClr val="bg2"/>
+                      </a:solidFill>
+                      <a:prstDash val="solid"/>
+                      <a:round/>
+                      <a:headEnd type="none" w="med" len="med"/>
+                      <a:tailEnd type="none" w="med" len="med"/>
+                    </a:lnB>
+                    <a:lnTlToBr>
+                      <a:noFill/>
+                    </a:lnTlToBr>
+                    <a:lnBlToTr>
+                      <a:noFill/>
+                    </a:lnBlToTr>
+                    <a:solidFill>
+                      <a:srgbClr val="F0F5F7"/>
+                    </a:solidFill>
+                  </a:tcPr>
+                </a:tc>
+                <a:tc>
+                  <a:txBody>
+                    <a:bodyPr/>
+                    <a:lstStyle/>
+                    <a:p>
+                      <a:pPr marL="0" marR="0" lvl="0" indent="0" algn="l" defTabSz="914395" rtl="0" eaLnBrk="1" fontAlgn="t" latinLnBrk="0" hangingPunct="1">
+                        <a:lnSpc>
+                          <a:spcPct val="100000"/>
+                        </a:lnSpc>
+                        <a:spcBef>
+                          <a:spcPts val="0"/>
+                        </a:spcBef>
+                        <a:spcAft>
+                          <a:spcPts val="0"/>
+                        </a:spcAft>
+                        <a:buClr>
+                          <a:srgbClr val="003B4C"/>
+                        </a:buClr>
+                        <a:buSzTx/>
+                        <a:buFont typeface="Wingdings" panose="05000000000000000000" pitchFamily="2" charset="2"/>
+                        <a:buNone/>
+                        <a:tabLst/>
+                        <a:defRPr/>
+                      </a:pPr>
+                      <a:r>
+                        <a:rPr kumimoji="0" lang="en-US" sz="700" b="0" i="0" u="none" strike="noStrike" kern="1200" cap="none" spc="0" normalizeH="0" baseline="0" noProof="0" dirty="0">
+                          <a:ln>
+                            <a:noFill/>
+                          </a:ln>
+                          <a:solidFill>
+                            <a:srgbClr val="003B4C"/>
+                          </a:solidFill>
+                          <a:effectLst/>
+                          <a:uLnTx/>
+                          <a:uFillTx/>
+                          <a:latin typeface="Arial" panose="020B0604020202020204" pitchFamily="34" charset="0"/>
+                          <a:ea typeface="+mn-ea"/>
+                          <a:cs typeface="+mn-cs"/>
+                        </a:rPr>
+                        <a:t>Type4</a:t>
+                      </a:r>
+                    </a:p>
+                  </a:txBody>
+                  <a:tcPr marL="168812" marR="0" marT="0" marB="0" anchor="ctr">
+                    <a:lnL>
+                      <a:noFill/>
+                    </a:lnL>
+                    <a:lnR>
+                      <a:noFill/>
+                    </a:lnR>
+                    <a:lnT w="9525" cap="flat" cmpd="sng" algn="ctr">
+                      <a:solidFill>
+                        <a:schemeClr val="bg2"/>
+                      </a:solidFill>
+                      <a:prstDash val="solid"/>
+                      <a:round/>
+                      <a:headEnd type="none" w="med" len="med"/>
+                      <a:tailEnd type="none" w="med" len="med"/>
+                    </a:lnT>
+                    <a:lnB w="9525" cap="flat" cmpd="sng" algn="ctr">
+                      <a:solidFill>
+                        <a:schemeClr val="bg2"/>
+                      </a:solidFill>
+                      <a:prstDash val="solid"/>
+                      <a:round/>
+                      <a:headEnd type="none" w="med" len="med"/>
+                      <a:tailEnd type="none" w="med" len="med"/>
+                    </a:lnB>
+                    <a:lnTlToBr>
+                      <a:noFill/>
+                    </a:lnTlToBr>
+                    <a:lnBlToTr>
+                      <a:noFill/>
+                    </a:lnBlToTr>
+                    <a:solidFill>
+                      <a:srgbClr val="F0F5F7"/>
+                    </a:solidFill>
+                  </a:tcPr>
+                </a:tc>
+                <a:tc>
+                  <a:txBody>
+                    <a:bodyPr/>
+                    <a:lstStyle/>
+                    <a:p>
+                      <a:pPr marL="0" marR="0" lvl="0" indent="0" algn="ctr" defTabSz="914395" rtl="0" eaLnBrk="1" fontAlgn="t" latinLnBrk="0" hangingPunct="1">
+                        <a:lnSpc>
+                          <a:spcPct val="100000"/>
+                        </a:lnSpc>
+                        <a:spcBef>
+                          <a:spcPts val="0"/>
+                        </a:spcBef>
+                        <a:spcAft>
+                          <a:spcPts val="0"/>
+                        </a:spcAft>
+                        <a:buClrTx/>
+                        <a:buSzTx/>
+                        <a:buFontTx/>
+                        <a:buNone/>
+                        <a:tabLst/>
+                        <a:defRPr/>
+                      </a:pPr>
+                      <a:r>
+                        <a:rPr kumimoji="0" lang="en-US" sz="700" b="0" i="0" u="none" strike="noStrike" kern="1200" cap="none" spc="0" normalizeH="0" baseline="0" noProof="0" dirty="0">
+                          <a:ln>
+                            <a:noFill/>
+                          </a:ln>
+                          <a:solidFill>
+                            <a:srgbClr val="003B4C"/>
+                          </a:solidFill>
+                          <a:effectLst/>
+                          <a:uLnTx/>
+                          <a:uFillTx/>
+                          <a:latin typeface="Arial" panose="020B0604020202020204" pitchFamily="34" charset="0"/>
+                          <a:ea typeface="+mn-ea"/>
+                          <a:cs typeface="+mn-cs"/>
+                        </a:rPr>
+                        <a:t>DryPowder4</a:t>
+                      </a:r>
+                    </a:p>
+                    <a:p>
+                      <a:pPr marL="0" marR="0" lvl="0" indent="0" algn="ctr" defTabSz="914395" rtl="0" eaLnBrk="1" fontAlgn="t" latinLnBrk="0" hangingPunct="1">
+                        <a:lnSpc>
+                          <a:spcPct val="100000"/>
+                        </a:lnSpc>
+                        <a:spcBef>
+                          <a:spcPts val="0"/>
+                        </a:spcBef>
+                        <a:spcAft>
+                          <a:spcPts val="0"/>
+                        </a:spcAft>
+                        <a:buClrTx/>
+                        <a:buSzTx/>
+                        <a:buFontTx/>
+                        <a:buNone/>
+                        <a:tabLst/>
+                        <a:defRPr/>
+                      </a:pPr>
+                      <a:r>
+                        <a:rPr kumimoji="0" lang="en-US" sz="700" b="0" i="0" u="none" strike="noStrike" kern="1200" cap="none" spc="0" normalizeH="0" baseline="0" noProof="0" dirty="0">
+                          <a:ln>
+                            <a:noFill/>
+                          </a:ln>
+                          <a:solidFill>
+                            <a:srgbClr val="003B4C"/>
+                          </a:solidFill>
+                          <a:effectLst/>
+                          <a:uLnTx/>
+                          <a:uFillTx/>
+                          <a:latin typeface="Arial" panose="020B0604020202020204" pitchFamily="34" charset="0"/>
+                          <a:ea typeface="+mn-ea"/>
+                          <a:cs typeface="+mn-cs"/>
+                        </a:rPr>
+                        <a:t>AUM4</a:t>
+                      </a:r>
+                      <a:endParaRPr kumimoji="0" lang="en-US" sz="700" b="0" i="0" u="none" strike="noStrike" kern="1200" cap="none" spc="0" normalizeH="0" baseline="0" noProof="0" dirty="0">
+                        <a:ln>
+                          <a:noFill/>
+                        </a:ln>
+                        <a:solidFill>
+                          <a:srgbClr val="FF0000"/>
+                        </a:solidFill>
+                        <a:effectLst/>
+                        <a:uLnTx/>
+                        <a:uFillTx/>
+                        <a:latin typeface="+mn-lt"/>
+                        <a:ea typeface="+mn-ea"/>
+                        <a:cs typeface="+mn-cs"/>
+                      </a:endParaRPr>
+                    </a:p>
+                  </a:txBody>
+                  <a:tcPr marL="0" marR="0" marT="0" marB="0" anchor="ctr">
+                    <a:lnL>
+                      <a:noFill/>
+                    </a:lnL>
+                    <a:lnR cap="flat">
+                      <a:noFill/>
+                    </a:lnR>
+                    <a:lnT w="9525" cap="flat" cmpd="sng" algn="ctr">
+                      <a:solidFill>
+                        <a:schemeClr val="bg2"/>
+                      </a:solidFill>
+                      <a:prstDash val="solid"/>
+                      <a:round/>
+                      <a:headEnd type="none" w="med" len="med"/>
+                      <a:tailEnd type="none" w="med" len="med"/>
+                    </a:lnT>
+                    <a:lnB w="9525" cap="flat" cmpd="sng" algn="ctr">
+                      <a:solidFill>
+                        <a:schemeClr val="bg2"/>
+                      </a:solidFill>
+                      <a:prstDash val="solid"/>
+                      <a:round/>
+                      <a:headEnd type="none" w="med" len="med"/>
+                      <a:tailEnd type="none" w="med" len="med"/>
+                    </a:lnB>
+                    <a:lnTlToBr>
+                      <a:noFill/>
+                    </a:lnTlToBr>
+                    <a:lnBlToTr>
+                      <a:noFill/>
+                    </a:lnBlToTr>
+                    <a:solidFill>
+                      <a:srgbClr val="F0F5F7"/>
+                    </a:solidFill>
+                  </a:tcPr>
+                </a:tc>
+                <a:tc>
+                  <a:txBody>
+                    <a:bodyPr/>
+                    <a:lstStyle/>
+                    <a:p>
+                      <a:pPr marL="0" marR="0" lvl="0" indent="0" algn="ctr" defTabSz="914395" rtl="0" eaLnBrk="1" fontAlgn="t" latinLnBrk="0" hangingPunct="1">
+                        <a:lnSpc>
+                          <a:spcPct val="100000"/>
+                        </a:lnSpc>
+                        <a:spcBef>
+                          <a:spcPts val="0"/>
+                        </a:spcBef>
+                        <a:spcAft>
+                          <a:spcPts val="0"/>
+                        </a:spcAft>
+                        <a:buClrTx/>
+                        <a:buSzTx/>
+                        <a:buFontTx/>
+                        <a:buNone/>
+                        <a:tabLst/>
+                        <a:defRPr/>
+                      </a:pPr>
+                      <a:r>
+                        <a:rPr kumimoji="0" lang="en-US" sz="2200" b="0" i="0" u="none" strike="noStrike" kern="1200" cap="none" spc="0" normalizeH="0" baseline="0" noProof="0" dirty="0">
+                          <a:ln>
+                            <a:noFill/>
+                          </a:ln>
+                          <a:solidFill>
+                            <a:srgbClr val="00A87E"/>
+                          </a:solidFill>
+                          <a:effectLst/>
+                          <a:uLnTx/>
+                          <a:uFillTx/>
+                          <a:latin typeface="+mn-lt"/>
+                          <a:ea typeface="+mn-ea"/>
+                          <a:cs typeface="+mn-cs"/>
+                          <a:sym typeface="Wingdings"/>
+                        </a:rPr>
+                        <a:t></a:t>
+                      </a:r>
+                      <a:endParaRPr kumimoji="0" lang="en-US" sz="2200" b="0" i="0" u="none" strike="noStrike" kern="1200" cap="none" spc="0" normalizeH="0" baseline="0" noProof="0" dirty="0">
+                        <a:ln>
+                          <a:noFill/>
+                        </a:ln>
+                        <a:solidFill>
+                          <a:srgbClr val="FF0000"/>
+                        </a:solidFill>
+                        <a:effectLst/>
+                        <a:uLnTx/>
+                        <a:uFillTx/>
+                        <a:latin typeface="+mn-lt"/>
+                        <a:ea typeface="+mn-ea"/>
+                        <a:cs typeface="+mn-cs"/>
+                      </a:endParaRPr>
+                    </a:p>
+                  </a:txBody>
+                  <a:tcPr marL="0" marR="0" marT="0" marB="0" anchor="ctr">
+                    <a:lnL>
+                      <a:noFill/>
+                    </a:lnL>
+                    <a:lnR cap="flat">
+                      <a:noFill/>
+                    </a:lnR>
+                    <a:lnT w="9525" cap="flat" cmpd="sng" algn="ctr">
+                      <a:solidFill>
+                        <a:schemeClr val="bg2"/>
+                      </a:solidFill>
+                      <a:prstDash val="solid"/>
+                      <a:round/>
+                      <a:headEnd type="none" w="med" len="med"/>
+                      <a:tailEnd type="none" w="med" len="med"/>
+                    </a:lnT>
+                    <a:lnB w="9525" cap="flat" cmpd="sng" algn="ctr">
+                      <a:solidFill>
+                        <a:schemeClr val="bg2"/>
+                      </a:solidFill>
+                      <a:prstDash val="solid"/>
+                      <a:round/>
+                      <a:headEnd type="none" w="med" len="med"/>
+                      <a:tailEnd type="none" w="med" len="med"/>
+                    </a:lnB>
+                    <a:lnTlToBr>
+                      <a:noFill/>
+                    </a:lnTlToBr>
+                    <a:lnBlToTr>
+                      <a:noFill/>
+                    </a:lnBlToTr>
+                    <a:solidFill>
+                      <a:srgbClr val="F0F5F7"/>
+                    </a:solidFill>
+                  </a:tcPr>
+                </a:tc>
+                <a:tc>
+                  <a:txBody>
+                    <a:bodyPr/>
+                    <a:lstStyle/>
+                    <a:p>
+                      <a:pPr marL="0" marR="0" lvl="0" indent="0" algn="ctr" defTabSz="914395" rtl="0" eaLnBrk="1" fontAlgn="t" latinLnBrk="0" hangingPunct="1">
+                        <a:lnSpc>
+                          <a:spcPct val="100000"/>
+                        </a:lnSpc>
+                        <a:spcBef>
+                          <a:spcPts val="0"/>
+                        </a:spcBef>
+                        <a:spcAft>
+                          <a:spcPts val="0"/>
+                        </a:spcAft>
+                        <a:buClrTx/>
+                        <a:buSzTx/>
+                        <a:buFontTx/>
+                        <a:buNone/>
+                        <a:tabLst/>
+                        <a:defRPr/>
+                      </a:pPr>
+                      <a:endParaRPr lang="en-US" sz="700" noProof="0" dirty="0">
+                        <a:solidFill>
+                          <a:srgbClr val="003B4C"/>
+                        </a:solidFill>
+                        <a:latin typeface="+mn-lt"/>
+                      </a:endParaRPr>
+                    </a:p>
+                    <a:p>
+                      <a:pPr marL="0" marR="0" lvl="0" indent="0" algn="ctr" defTabSz="914395" rtl="0" eaLnBrk="1" fontAlgn="t" latinLnBrk="0" hangingPunct="1">
+                        <a:lnSpc>
+                          <a:spcPct val="100000"/>
+                        </a:lnSpc>
+                        <a:spcBef>
+                          <a:spcPts val="0"/>
+                        </a:spcBef>
+                        <a:spcAft>
+                          <a:spcPts val="0"/>
+                        </a:spcAft>
+                        <a:buClrTx/>
+                        <a:buSzTx/>
+                        <a:buFontTx/>
+                        <a:buNone/>
+                        <a:tabLst/>
+                        <a:defRPr/>
+                      </a:pPr>
+                      <a:endParaRPr lang="en-US" sz="700" noProof="0" dirty="0">
+                        <a:solidFill>
+                          <a:srgbClr val="003B4C"/>
+                        </a:solidFill>
+                        <a:latin typeface="+mn-lt"/>
+                      </a:endParaRPr>
+                    </a:p>
+                    <a:p>
+                      <a:pPr marL="0" marR="0" lvl="0" indent="0" algn="ctr" defTabSz="914395" rtl="0" eaLnBrk="1" fontAlgn="t" latinLnBrk="0" hangingPunct="1">
+                        <a:lnSpc>
+                          <a:spcPct val="100000"/>
+                        </a:lnSpc>
+                        <a:spcBef>
+                          <a:spcPts val="0"/>
+                        </a:spcBef>
+                        <a:spcAft>
+                          <a:spcPts val="0"/>
+                        </a:spcAft>
+                        <a:buClrTx/>
+                        <a:buSzTx/>
+                        <a:buFontTx/>
+                        <a:buNone/>
+                        <a:tabLst/>
+                        <a:defRPr/>
+                      </a:pPr>
+                      <a:endParaRPr lang="en-US" sz="700" noProof="0" dirty="0">
+                        <a:solidFill>
+                          <a:srgbClr val="003B4C"/>
+                        </a:solidFill>
+                        <a:latin typeface="+mn-lt"/>
+                      </a:endParaRPr>
+                    </a:p>
+                    <a:p>
+                      <a:pPr marL="0" marR="0" lvl="0" indent="0" algn="ctr" defTabSz="914395" rtl="0" eaLnBrk="1" fontAlgn="t" latinLnBrk="0" hangingPunct="1">
+                        <a:lnSpc>
+                          <a:spcPct val="100000"/>
+                        </a:lnSpc>
+                        <a:spcBef>
+                          <a:spcPts val="0"/>
+                        </a:spcBef>
+                        <a:spcAft>
+                          <a:spcPts val="0"/>
+                        </a:spcAft>
+                        <a:buClrTx/>
+                        <a:buSzTx/>
+                        <a:buFontTx/>
+                        <a:buNone/>
+                        <a:tabLst/>
+                        <a:defRPr/>
+                      </a:pPr>
+                      <a:endParaRPr lang="en-US" sz="700" noProof="0" dirty="0">
+                        <a:solidFill>
+                          <a:srgbClr val="003B4C"/>
+                        </a:solidFill>
+                        <a:latin typeface="+mn-lt"/>
+                      </a:endParaRPr>
+                    </a:p>
+                    <a:p>
+                      <a:pPr marL="0" marR="0" lvl="0" indent="0" algn="ctr" defTabSz="914395" rtl="0" eaLnBrk="1" fontAlgn="t" latinLnBrk="0" hangingPunct="1">
+                        <a:lnSpc>
+                          <a:spcPct val="100000"/>
+                        </a:lnSpc>
+                        <a:spcBef>
+                          <a:spcPts val="0"/>
+                        </a:spcBef>
+                        <a:spcAft>
+                          <a:spcPts val="0"/>
+                        </a:spcAft>
+                        <a:buClrTx/>
+                        <a:buSzTx/>
+                        <a:buFontTx/>
+                        <a:buNone/>
+                        <a:tabLst/>
+                        <a:defRPr/>
+                      </a:pPr>
+                      <a:endParaRPr lang="en-US" sz="700" noProof="0" dirty="0">
+                        <a:solidFill>
+                          <a:srgbClr val="003B4C"/>
+                        </a:solidFill>
+                        <a:latin typeface="+mn-lt"/>
+                      </a:endParaRPr>
+                    </a:p>
+                    <a:p>
+                      <a:pPr marL="0" marR="0" lvl="0" indent="0" algn="ctr" defTabSz="914395" rtl="0" eaLnBrk="1" fontAlgn="t" latinLnBrk="0" hangingPunct="1">
+                        <a:lnSpc>
+                          <a:spcPct val="100000"/>
+                        </a:lnSpc>
+                        <a:spcBef>
+                          <a:spcPts val="0"/>
+                        </a:spcBef>
+                        <a:spcAft>
+                          <a:spcPts val="0"/>
+                        </a:spcAft>
+                        <a:buClrTx/>
+                        <a:buSzTx/>
+                        <a:buFontTx/>
+                        <a:buNone/>
+                        <a:tabLst/>
+                        <a:defRPr/>
+                      </a:pPr>
+                      <a:r>
+                        <a:rPr lang="en-US" sz="700" noProof="0" dirty="0">
+                          <a:solidFill>
+                            <a:srgbClr val="003B4C"/>
+                          </a:solidFill>
+                          <a:latin typeface="+mn-lt"/>
+                        </a:rPr>
+                        <a:t>Investment1</a:t>
+                      </a:r>
+                    </a:p>
+                  </a:txBody>
+                  <a:tcPr marL="0" marR="0" marT="0" marB="0" anchor="ctr">
+                    <a:lnL>
+                      <a:noFill/>
+                    </a:lnL>
+                    <a:lnR cap="flat">
+                      <a:noFill/>
+                    </a:lnR>
+                    <a:lnT w="9525" cap="flat" cmpd="sng" algn="ctr">
+                      <a:solidFill>
+                        <a:schemeClr val="bg2"/>
+                      </a:solidFill>
+                      <a:prstDash val="solid"/>
+                      <a:round/>
+                      <a:headEnd type="none" w="med" len="med"/>
+                      <a:tailEnd type="none" w="med" len="med"/>
+                    </a:lnT>
+                    <a:lnB w="9525" cap="flat" cmpd="sng" algn="ctr">
+                      <a:solidFill>
+                        <a:schemeClr val="bg2"/>
+                      </a:solidFill>
+                      <a:prstDash val="solid"/>
+                      <a:round/>
+                      <a:headEnd type="none" w="med" len="med"/>
+                      <a:tailEnd type="none" w="med" len="med"/>
+                    </a:lnB>
+                    <a:lnTlToBr>
+                      <a:noFill/>
+                    </a:lnTlToBr>
+                    <a:lnBlToTr>
+                      <a:noFill/>
+                    </a:lnBlToTr>
+                    <a:solidFill>
+                      <a:srgbClr val="F0F5F7"/>
+                    </a:solidFill>
+                  </a:tcPr>
+                </a:tc>
+                <a:tc>
+                  <a:txBody>
+                    <a:bodyPr/>
+                    <a:lstStyle/>
+                    <a:p>
+                      <a:pPr marL="0" marR="0" lvl="0" indent="0" algn="ctr" defTabSz="914395" rtl="0" eaLnBrk="1" fontAlgn="t" latinLnBrk="0" hangingPunct="1">
+                        <a:lnSpc>
+                          <a:spcPct val="100000"/>
+                        </a:lnSpc>
+                        <a:spcBef>
+                          <a:spcPts val="0"/>
+                        </a:spcBef>
+                        <a:spcAft>
+                          <a:spcPts val="0"/>
+                        </a:spcAft>
+                        <a:buClrTx/>
+                        <a:buSzTx/>
+                        <a:buFontTx/>
+                        <a:buNone/>
+                        <a:tabLst/>
+                        <a:defRPr/>
+                      </a:pPr>
+                      <a:endParaRPr lang="en-US" sz="700" noProof="0" dirty="0">
+                        <a:solidFill>
+                          <a:srgbClr val="003B4C"/>
+                        </a:solidFill>
+                        <a:latin typeface="+mn-lt"/>
+                      </a:endParaRPr>
+                    </a:p>
+                    <a:p>
+                      <a:pPr marL="0" marR="0" lvl="0" indent="0" algn="ctr" defTabSz="914395" rtl="0" eaLnBrk="1" fontAlgn="t" latinLnBrk="0" hangingPunct="1">
+                        <a:lnSpc>
+                          <a:spcPct val="100000"/>
+                        </a:lnSpc>
+                        <a:spcBef>
+                          <a:spcPts val="0"/>
+                        </a:spcBef>
+                        <a:spcAft>
+                          <a:spcPts val="0"/>
+                        </a:spcAft>
+                        <a:buClrTx/>
+                        <a:buSzTx/>
+                        <a:buFontTx/>
+                        <a:buNone/>
+                        <a:tabLst/>
+                        <a:defRPr/>
+                      </a:pPr>
+                      <a:endParaRPr lang="en-US" sz="700" noProof="0" dirty="0">
+                        <a:solidFill>
+                          <a:srgbClr val="003B4C"/>
+                        </a:solidFill>
+                        <a:latin typeface="+mn-lt"/>
+                      </a:endParaRPr>
+                    </a:p>
+                    <a:p>
+                      <a:pPr marL="0" marR="0" lvl="0" indent="0" algn="ctr" defTabSz="914395" rtl="0" eaLnBrk="1" fontAlgn="t" latinLnBrk="0" hangingPunct="1">
+                        <a:lnSpc>
+                          <a:spcPct val="100000"/>
+                        </a:lnSpc>
+                        <a:spcBef>
+                          <a:spcPts val="0"/>
+                        </a:spcBef>
+                        <a:spcAft>
+                          <a:spcPts val="0"/>
+                        </a:spcAft>
+                        <a:buClrTx/>
+                        <a:buSzTx/>
+                        <a:buFontTx/>
+                        <a:buNone/>
+                        <a:tabLst/>
+                        <a:defRPr/>
+                      </a:pPr>
+                      <a:endParaRPr lang="en-US" sz="700" noProof="0" dirty="0">
+                        <a:solidFill>
+                          <a:srgbClr val="003B4C"/>
+                        </a:solidFill>
+                        <a:latin typeface="+mn-lt"/>
+                      </a:endParaRPr>
+                    </a:p>
+                    <a:p>
+                      <a:pPr marL="0" marR="0" lvl="0" indent="0" algn="ctr" defTabSz="914395" rtl="0" eaLnBrk="1" fontAlgn="t" latinLnBrk="0" hangingPunct="1">
+                        <a:lnSpc>
+                          <a:spcPct val="100000"/>
+                        </a:lnSpc>
+                        <a:spcBef>
+                          <a:spcPts val="0"/>
+                        </a:spcBef>
+                        <a:spcAft>
+                          <a:spcPts val="0"/>
+                        </a:spcAft>
+                        <a:buClrTx/>
+                        <a:buSzTx/>
+                        <a:buFontTx/>
+                        <a:buNone/>
+                        <a:tabLst/>
+                        <a:defRPr/>
+                      </a:pPr>
+                      <a:endParaRPr lang="en-US" sz="700" noProof="0" dirty="0">
+                        <a:solidFill>
+                          <a:srgbClr val="003B4C"/>
+                        </a:solidFill>
+                        <a:latin typeface="+mn-lt"/>
+                      </a:endParaRPr>
+                    </a:p>
+                    <a:p>
+                      <a:pPr marL="0" marR="0" lvl="0" indent="0" algn="ctr" defTabSz="914395" rtl="0" eaLnBrk="1" fontAlgn="t" latinLnBrk="0" hangingPunct="1">
+                        <a:lnSpc>
+                          <a:spcPct val="100000"/>
+                        </a:lnSpc>
+                        <a:spcBef>
+                          <a:spcPts val="0"/>
+                        </a:spcBef>
+                        <a:spcAft>
+                          <a:spcPts val="0"/>
+                        </a:spcAft>
+                        <a:buClrTx/>
+                        <a:buSzTx/>
+                        <a:buFontTx/>
+                        <a:buNone/>
+                        <a:tabLst/>
+                        <a:defRPr/>
+                      </a:pPr>
+                      <a:endParaRPr lang="en-US" sz="700" noProof="0" dirty="0">
+                        <a:solidFill>
+                          <a:srgbClr val="003B4C"/>
+                        </a:solidFill>
+                        <a:latin typeface="+mn-lt"/>
+                      </a:endParaRPr>
+                    </a:p>
+                    <a:p>
+                      <a:pPr marL="0" marR="0" lvl="0" indent="0" algn="ctr" defTabSz="914395" rtl="0" eaLnBrk="1" fontAlgn="t" latinLnBrk="0" hangingPunct="1">
+                        <a:lnSpc>
+                          <a:spcPct val="100000"/>
+                        </a:lnSpc>
+                        <a:spcBef>
+                          <a:spcPts val="0"/>
+                        </a:spcBef>
+                        <a:spcAft>
+                          <a:spcPts val="0"/>
+                        </a:spcAft>
+                        <a:buClrTx/>
+                        <a:buSzTx/>
+                        <a:buFontTx/>
+                        <a:buNone/>
+                        <a:tabLst/>
+                        <a:defRPr/>
+                      </a:pPr>
+                      <a:r>
+                        <a:rPr lang="en-US" sz="700" noProof="0" dirty="0">
+                          <a:solidFill>
+                            <a:srgbClr val="003B4C"/>
+                          </a:solidFill>
+                          <a:latin typeface="+mn-lt"/>
+                        </a:rPr>
+                        <a:t>Investment2</a:t>
+                      </a:r>
+                    </a:p>
+                  </a:txBody>
+                  <a:tcPr marL="0" marR="0" marT="0" marB="0" anchor="ctr">
+                    <a:lnL>
+                      <a:noFill/>
+                    </a:lnL>
+                    <a:lnR cap="flat">
+                      <a:noFill/>
+                    </a:lnR>
+                    <a:lnT w="9525" cap="flat" cmpd="sng" algn="ctr">
+                      <a:solidFill>
+                        <a:schemeClr val="bg2"/>
+                      </a:solidFill>
+                      <a:prstDash val="solid"/>
+                      <a:round/>
+                      <a:headEnd type="none" w="med" len="med"/>
+                      <a:tailEnd type="none" w="med" len="med"/>
+                    </a:lnT>
+                    <a:lnB w="9525" cap="flat" cmpd="sng" algn="ctr">
+                      <a:solidFill>
+                        <a:schemeClr val="bg2"/>
+                      </a:solidFill>
+                      <a:prstDash val="solid"/>
+                      <a:round/>
+                      <a:headEnd type="none" w="med" len="med"/>
+                      <a:tailEnd type="none" w="med" len="med"/>
+                    </a:lnB>
+                    <a:lnTlToBr>
+                      <a:noFill/>
+                    </a:lnTlToBr>
+                    <a:lnBlToTr>
+                      <a:noFill/>
+                    </a:lnBlToTr>
+                    <a:solidFill>
+                      <a:srgbClr val="F0F5F7"/>
+                    </a:solidFill>
+                  </a:tcPr>
+                </a:tc>
+                <a:tc>
+                  <a:txBody>
+                    <a:bodyPr/>
+                    <a:lstStyle/>
+                    <a:p>
+                      <a:pPr marL="0" marR="0" lvl="0" indent="0" algn="ctr" defTabSz="914395" rtl="0" eaLnBrk="1" fontAlgn="t" latinLnBrk="0" hangingPunct="1">
+                        <a:lnSpc>
+                          <a:spcPct val="100000"/>
+                        </a:lnSpc>
+                        <a:spcBef>
+                          <a:spcPts val="0"/>
+                        </a:spcBef>
+                        <a:spcAft>
+                          <a:spcPts val="0"/>
+                        </a:spcAft>
+                        <a:buClrTx/>
+                        <a:buSzTx/>
+                        <a:buFontTx/>
+                        <a:buNone/>
+                        <a:tabLst/>
+                        <a:defRPr/>
+                      </a:pPr>
+                      <a:endParaRPr lang="en-US" sz="700" noProof="0" dirty="0">
+                        <a:solidFill>
+                          <a:srgbClr val="003B4C"/>
+                        </a:solidFill>
+                        <a:latin typeface="+mn-lt"/>
+                      </a:endParaRPr>
+                    </a:p>
+                    <a:p>
+                      <a:pPr marL="0" marR="0" lvl="0" indent="0" algn="ctr" defTabSz="914395" rtl="0" eaLnBrk="1" fontAlgn="t" latinLnBrk="0" hangingPunct="1">
+                        <a:lnSpc>
+                          <a:spcPct val="100000"/>
+                        </a:lnSpc>
+                        <a:spcBef>
+                          <a:spcPts val="0"/>
+                        </a:spcBef>
+                        <a:spcAft>
+                          <a:spcPts val="0"/>
+                        </a:spcAft>
+                        <a:buClrTx/>
+                        <a:buSzTx/>
+                        <a:buFontTx/>
+                        <a:buNone/>
+                        <a:tabLst/>
+                        <a:defRPr/>
+                      </a:pPr>
+                      <a:endParaRPr lang="en-US" sz="700" noProof="0" dirty="0">
+                        <a:solidFill>
+                          <a:srgbClr val="003B4C"/>
+                        </a:solidFill>
+                        <a:latin typeface="+mn-lt"/>
+                      </a:endParaRPr>
+                    </a:p>
+                    <a:p>
+                      <a:pPr marL="0" marR="0" lvl="0" indent="0" algn="ctr" defTabSz="914395" rtl="0" eaLnBrk="1" fontAlgn="t" latinLnBrk="0" hangingPunct="1">
+                        <a:lnSpc>
+                          <a:spcPct val="100000"/>
+                        </a:lnSpc>
+                        <a:spcBef>
+                          <a:spcPts val="0"/>
+                        </a:spcBef>
+                        <a:spcAft>
+                          <a:spcPts val="0"/>
+                        </a:spcAft>
+                        <a:buClrTx/>
+                        <a:buSzTx/>
+                        <a:buFontTx/>
+                        <a:buNone/>
+                        <a:tabLst/>
+                        <a:defRPr/>
+                      </a:pPr>
+                      <a:endParaRPr lang="en-US" sz="700" noProof="0" dirty="0">
+                        <a:solidFill>
+                          <a:srgbClr val="003B4C"/>
+                        </a:solidFill>
+                        <a:latin typeface="+mn-lt"/>
+                      </a:endParaRPr>
+                    </a:p>
+                    <a:p>
+                      <a:pPr marL="0" marR="0" lvl="0" indent="0" algn="ctr" defTabSz="914395" rtl="0" eaLnBrk="1" fontAlgn="t" latinLnBrk="0" hangingPunct="1">
+                        <a:lnSpc>
+                          <a:spcPct val="100000"/>
+                        </a:lnSpc>
+                        <a:spcBef>
+                          <a:spcPts val="0"/>
+                        </a:spcBef>
+                        <a:spcAft>
+                          <a:spcPts val="0"/>
+                        </a:spcAft>
+                        <a:buClrTx/>
+                        <a:buSzTx/>
+                        <a:buFontTx/>
+                        <a:buNone/>
+                        <a:tabLst/>
+                        <a:defRPr/>
+                      </a:pPr>
+                      <a:endParaRPr lang="en-US" sz="700" noProof="0" dirty="0">
+                        <a:solidFill>
+                          <a:srgbClr val="003B4C"/>
+                        </a:solidFill>
+                        <a:latin typeface="+mn-lt"/>
+                      </a:endParaRPr>
+                    </a:p>
+                    <a:p>
+                      <a:pPr marL="0" marR="0" lvl="0" indent="0" algn="ctr" defTabSz="914395" rtl="0" eaLnBrk="1" fontAlgn="t" latinLnBrk="0" hangingPunct="1">
+                        <a:lnSpc>
+                          <a:spcPct val="100000"/>
+                        </a:lnSpc>
+                        <a:spcBef>
+                          <a:spcPts val="0"/>
+                        </a:spcBef>
+                        <a:spcAft>
+                          <a:spcPts val="0"/>
+                        </a:spcAft>
+                        <a:buClrTx/>
+                        <a:buSzTx/>
+                        <a:buFontTx/>
+                        <a:buNone/>
+                        <a:tabLst/>
+                        <a:defRPr/>
+                      </a:pPr>
+                      <a:endParaRPr lang="en-US" sz="700" noProof="0" dirty="0">
+                        <a:solidFill>
+                          <a:srgbClr val="003B4C"/>
+                        </a:solidFill>
+                        <a:latin typeface="+mn-lt"/>
+                      </a:endParaRPr>
+                    </a:p>
+                    <a:p>
+                      <a:pPr marL="0" marR="0" lvl="0" indent="0" algn="ctr" defTabSz="914395" rtl="0" eaLnBrk="1" fontAlgn="t" latinLnBrk="0" hangingPunct="1">
+                        <a:lnSpc>
+                          <a:spcPct val="100000"/>
+                        </a:lnSpc>
+                        <a:spcBef>
+                          <a:spcPts val="0"/>
+                        </a:spcBef>
+                        <a:spcAft>
+                          <a:spcPts val="0"/>
+                        </a:spcAft>
+                        <a:buClrTx/>
+                        <a:buSzTx/>
+                        <a:buFontTx/>
+                        <a:buNone/>
+                        <a:tabLst/>
+                        <a:defRPr/>
+                      </a:pPr>
+                      <a:r>
+                        <a:rPr lang="en-US" sz="700" noProof="0" dirty="0">
+                          <a:solidFill>
+                            <a:srgbClr val="003B4C"/>
+                          </a:solidFill>
+                          <a:latin typeface="+mn-lt"/>
+                        </a:rPr>
+                        <a:t>Investment3</a:t>
+                      </a:r>
+                    </a:p>
+                  </a:txBody>
+                  <a:tcPr marL="0" marR="0" marT="0" marB="0" anchor="ctr">
+                    <a:lnL>
+                      <a:noFill/>
+                    </a:lnL>
+                    <a:lnR cap="flat">
+                      <a:noFill/>
+                    </a:lnR>
+                    <a:lnT w="9525" cap="flat" cmpd="sng" algn="ctr">
+                      <a:solidFill>
+                        <a:schemeClr val="bg2"/>
+                      </a:solidFill>
+                      <a:prstDash val="solid"/>
+                      <a:round/>
+                      <a:headEnd type="none" w="med" len="med"/>
+                      <a:tailEnd type="none" w="med" len="med"/>
+                    </a:lnT>
+                    <a:lnB w="9525" cap="flat" cmpd="sng" algn="ctr">
+                      <a:solidFill>
+                        <a:schemeClr val="bg2"/>
+                      </a:solidFill>
+                      <a:prstDash val="solid"/>
+                      <a:round/>
+                      <a:headEnd type="none" w="med" len="med"/>
+                      <a:tailEnd type="none" w="med" len="med"/>
+                    </a:lnB>
+                    <a:lnTlToBr>
+                      <a:noFill/>
+                    </a:lnTlToBr>
+                    <a:lnBlToTr>
+                      <a:noFill/>
+                    </a:lnBlToTr>
+                    <a:solidFill>
+                      <a:srgbClr val="F0F5F7"/>
+                    </a:solidFill>
+                  </a:tcPr>
+                </a:tc>
+                <a:extLst>
+                  <a:ext uri="{0D108BD9-81ED-4DB2-BD59-A6C34878D82A}">
+                    <a16:rowId xmlns:a16="http://schemas.microsoft.com/office/drawing/2014/main" val="3264908770"/>
+                  </a:ext>
+                </a:extLst>
+              </a:tr>
+              <a:tr h="936243">
+                <a:tc>
+                  <a:txBody>
+                    <a:bodyPr/>
+                    <a:lstStyle/>
+                    <a:p>
+                      <a:pPr marL="0" marR="0" lvl="0" indent="0" algn="ctr" defTabSz="958850" rtl="0" eaLnBrk="1" fontAlgn="base" latinLnBrk="0" hangingPunct="1">
+                        <a:lnSpc>
+                          <a:spcPct val="100000"/>
+                        </a:lnSpc>
+                        <a:spcBef>
+                          <a:spcPct val="0"/>
+                        </a:spcBef>
+                        <a:spcAft>
+                          <a:spcPct val="0"/>
+                        </a:spcAft>
+                        <a:buClr>
+                          <a:srgbClr val="000080"/>
+                        </a:buClr>
+                        <a:buSzTx/>
+                        <a:buFont typeface="Wingdings" pitchFamily="2" charset="2"/>
+                        <a:buNone/>
+                        <a:tabLst/>
+                        <a:defRPr/>
+                      </a:pPr>
+                      <a:r>
+                        <a:rPr kumimoji="0" lang="en-US" sz="600" b="1" i="0" u="none" strike="noStrike" kern="1200" cap="none" spc="0" normalizeH="0" baseline="0" noProof="0" dirty="0">
+                          <a:ln>
+                            <a:noFill/>
+                          </a:ln>
+                          <a:solidFill>
+                            <a:srgbClr val="003B4C"/>
+                          </a:solidFill>
+                          <a:effectLst/>
+                          <a:uLnTx/>
+                          <a:uFillTx/>
+                          <a:latin typeface="Arial" panose="020B0604020202020204" pitchFamily="34" charset="0"/>
+                          <a:ea typeface="+mn-ea"/>
+                          <a:cs typeface="+mn-cs"/>
+                        </a:rPr>
+                        <a:t>#</a:t>
+                      </a:r>
+                      <a:endParaRPr lang="en-US" sz="600" b="1" i="0" u="none" kern="1200" noProof="0" dirty="0">
+                        <a:solidFill>
+                          <a:schemeClr val="tx2"/>
+                        </a:solidFill>
+                        <a:latin typeface="Arial" panose="020B0604020202020204" pitchFamily="34" charset="0"/>
+                        <a:ea typeface="+mn-ea"/>
+                        <a:cs typeface="+mn-cs"/>
+                      </a:endParaRPr>
+                    </a:p>
+                  </a:txBody>
+                  <a:tcPr marL="0" marR="84406" marT="0" marB="0" anchor="ctr" horzOverflow="overflow">
+                    <a:lnL cap="flat">
+                      <a:noFill/>
+                    </a:lnL>
+                    <a:lnR>
+                      <a:noFill/>
+                    </a:lnR>
+                    <a:lnT w="9525" cap="flat" cmpd="sng" algn="ctr">
+                      <a:solidFill>
+                        <a:schemeClr val="bg2"/>
+                      </a:solidFill>
+                      <a:prstDash val="solid"/>
+                      <a:round/>
+                      <a:headEnd type="none" w="med" len="med"/>
+                      <a:tailEnd type="none" w="med" len="med"/>
+                    </a:lnT>
+                    <a:lnB w="9525" cap="flat" cmpd="sng" algn="ctr">
+                      <a:solidFill>
+                        <a:schemeClr val="bg2"/>
+                      </a:solidFill>
+                      <a:prstDash val="solid"/>
+                      <a:round/>
+                      <a:headEnd type="none" w="med" len="med"/>
+                      <a:tailEnd type="none" w="med" len="med"/>
+                    </a:lnB>
+                    <a:lnTlToBr>
+                      <a:noFill/>
+                    </a:lnTlToBr>
+                    <a:lnBlToTr>
+                      <a:noFill/>
+                    </a:lnBlToTr>
+                    <a:solidFill>
+                      <a:srgbClr val="FFFFFF"/>
+                    </a:solidFill>
+                  </a:tcPr>
+                </a:tc>
+                <a:tc>
+                  <a:txBody>
+                    <a:bodyPr/>
+                    <a:lstStyle/>
+                    <a:p>
+                      <a:pPr marL="0" marR="0" lvl="0" indent="0" algn="l" defTabSz="958850" rtl="0" eaLnBrk="1" fontAlgn="base" latinLnBrk="0" hangingPunct="1">
+                        <a:lnSpc>
+                          <a:spcPct val="100000"/>
+                        </a:lnSpc>
+                        <a:spcBef>
+                          <a:spcPct val="0"/>
+                        </a:spcBef>
+                        <a:spcAft>
+                          <a:spcPct val="0"/>
+                        </a:spcAft>
+                        <a:buClr>
+                          <a:srgbClr val="000080"/>
+                        </a:buClr>
+                        <a:buSzTx/>
+                        <a:buFont typeface="Wingdings" pitchFamily="2" charset="2"/>
+                        <a:buNone/>
+                        <a:tabLst/>
+                        <a:defRPr/>
+                      </a:pPr>
+                      <a:endParaRPr kumimoji="0" lang="en-US" sz="700" b="0" i="0" u="none" strike="noStrike" kern="1200" cap="none" spc="0" normalizeH="0" baseline="0" noProof="0" dirty="0">
+                        <a:ln>
+                          <a:noFill/>
+                        </a:ln>
+                        <a:solidFill>
+                          <a:srgbClr val="003B4C"/>
+                        </a:solidFill>
+                        <a:effectLst/>
+                        <a:highlight>
+                          <a:srgbClr val="FFFF00"/>
+                        </a:highlight>
+                        <a:uLnTx/>
+                        <a:uFillTx/>
+                        <a:latin typeface="Arial" panose="020B0604020202020204" pitchFamily="34" charset="0"/>
+                        <a:ea typeface="+mn-ea"/>
+                        <a:cs typeface="+mn-cs"/>
+                      </a:endParaRPr>
+                    </a:p>
+                    <a:p>
+                      <a:pPr marL="0" marR="0" lvl="0" indent="0" algn="l" defTabSz="958850" rtl="0" eaLnBrk="1" fontAlgn="base" latinLnBrk="0" hangingPunct="1">
+                        <a:lnSpc>
+                          <a:spcPct val="100000"/>
+                        </a:lnSpc>
+                        <a:spcBef>
+                          <a:spcPct val="0"/>
+                        </a:spcBef>
+                        <a:spcAft>
+                          <a:spcPct val="0"/>
+                        </a:spcAft>
+                        <a:buClr>
+                          <a:srgbClr val="000080"/>
+                        </a:buClr>
+                        <a:buSzTx/>
+                        <a:buFont typeface="Wingdings" pitchFamily="2" charset="2"/>
+                        <a:buNone/>
+                        <a:tabLst/>
+                        <a:defRPr/>
+                      </a:pPr>
+                      <a:endParaRPr kumimoji="0" lang="en-US" sz="700" b="0" i="0" u="none" strike="noStrike" kern="1200" cap="none" spc="0" normalizeH="0" baseline="0" noProof="0" dirty="0">
+                        <a:ln>
+                          <a:noFill/>
+                        </a:ln>
+                        <a:solidFill>
+                          <a:srgbClr val="003B4C"/>
+                        </a:solidFill>
+                        <a:effectLst/>
+                        <a:highlight>
+                          <a:srgbClr val="FFFF00"/>
+                        </a:highlight>
+                        <a:uLnTx/>
+                        <a:uFillTx/>
+                        <a:latin typeface="Arial" panose="020B0604020202020204" pitchFamily="34" charset="0"/>
+                        <a:ea typeface="+mn-ea"/>
+                        <a:cs typeface="+mn-cs"/>
+                      </a:endParaRPr>
+                    </a:p>
+                    <a:p>
+                      <a:pPr marL="0" marR="0" lvl="0" indent="0" algn="l" defTabSz="958850" rtl="0" eaLnBrk="1" fontAlgn="base" latinLnBrk="0" hangingPunct="1">
+                        <a:lnSpc>
+                          <a:spcPct val="100000"/>
+                        </a:lnSpc>
+                        <a:spcBef>
+                          <a:spcPct val="0"/>
+                        </a:spcBef>
+                        <a:spcAft>
+                          <a:spcPct val="0"/>
+                        </a:spcAft>
+                        <a:buClr>
+                          <a:srgbClr val="000080"/>
+                        </a:buClr>
+                        <a:buSzTx/>
+                        <a:buFont typeface="Wingdings" pitchFamily="2" charset="2"/>
+                        <a:buNone/>
+                        <a:tabLst/>
+                        <a:defRPr/>
+                      </a:pPr>
+                      <a:endParaRPr kumimoji="0" lang="en-US" sz="700" b="0" i="0" u="none" strike="noStrike" kern="1200" cap="none" spc="0" normalizeH="0" baseline="0" noProof="0" dirty="0">
+                        <a:ln>
+                          <a:noFill/>
+                        </a:ln>
+                        <a:solidFill>
+                          <a:srgbClr val="003B4C"/>
+                        </a:solidFill>
+                        <a:effectLst/>
+                        <a:highlight>
+                          <a:srgbClr val="FFFF00"/>
+                        </a:highlight>
+                        <a:uLnTx/>
+                        <a:uFillTx/>
+                        <a:latin typeface="Arial" panose="020B0604020202020204" pitchFamily="34" charset="0"/>
+                        <a:ea typeface="+mn-ea"/>
+                        <a:cs typeface="+mn-cs"/>
+                      </a:endParaRPr>
+                    </a:p>
+                    <a:p>
+                      <a:pPr marL="0" marR="0" lvl="0" indent="0" algn="l" defTabSz="958850" rtl="0" eaLnBrk="1" fontAlgn="base" latinLnBrk="0" hangingPunct="1">
+                        <a:lnSpc>
+                          <a:spcPct val="100000"/>
+                        </a:lnSpc>
+                        <a:spcBef>
+                          <a:spcPct val="0"/>
+                        </a:spcBef>
+                        <a:spcAft>
+                          <a:spcPct val="0"/>
+                        </a:spcAft>
+                        <a:buClr>
+                          <a:srgbClr val="000080"/>
+                        </a:buClr>
+                        <a:buSzTx/>
+                        <a:buFont typeface="Wingdings" pitchFamily="2" charset="2"/>
+                        <a:buNone/>
+                        <a:tabLst/>
+                        <a:defRPr/>
+                      </a:pPr>
+                      <a:endParaRPr kumimoji="0" lang="en-US" sz="700" b="0" i="0" u="none" strike="noStrike" kern="1200" cap="none" spc="0" normalizeH="0" baseline="0" noProof="0" dirty="0">
+                        <a:ln>
+                          <a:noFill/>
+                        </a:ln>
+                        <a:solidFill>
+                          <a:srgbClr val="003B4C"/>
+                        </a:solidFill>
+                        <a:effectLst/>
+                        <a:highlight>
+                          <a:srgbClr val="FFFF00"/>
+                        </a:highlight>
+                        <a:uLnTx/>
+                        <a:uFillTx/>
+                        <a:latin typeface="Arial" panose="020B0604020202020204" pitchFamily="34" charset="0"/>
+                        <a:ea typeface="+mn-ea"/>
+                        <a:cs typeface="+mn-cs"/>
+                      </a:endParaRPr>
+                    </a:p>
+                    <a:p>
+                      <a:pPr marL="0" marR="0" lvl="0" indent="0" algn="l" defTabSz="958850" rtl="0" eaLnBrk="1" fontAlgn="base" latinLnBrk="0" hangingPunct="1">
+                        <a:lnSpc>
+                          <a:spcPct val="100000"/>
+                        </a:lnSpc>
+                        <a:spcBef>
+                          <a:spcPct val="0"/>
+                        </a:spcBef>
+                        <a:spcAft>
+                          <a:spcPct val="0"/>
+                        </a:spcAft>
+                        <a:buClr>
+                          <a:srgbClr val="000080"/>
+                        </a:buClr>
+                        <a:buSzTx/>
+                        <a:buFont typeface="Wingdings" pitchFamily="2" charset="2"/>
+                        <a:buNone/>
+                        <a:tabLst/>
+                        <a:defRPr/>
+                      </a:pPr>
+                      <a:endParaRPr kumimoji="0" lang="en-US" sz="700" b="0" i="0" u="none" strike="noStrike" kern="1200" cap="none" spc="0" normalizeH="0" baseline="0" noProof="0" dirty="0">
+                        <a:ln>
+                          <a:noFill/>
+                        </a:ln>
+                        <a:solidFill>
+                          <a:srgbClr val="003B4C"/>
+                        </a:solidFill>
+                        <a:effectLst/>
+                        <a:uLnTx/>
+                        <a:uFillTx/>
+                        <a:latin typeface="Arial" panose="020B0604020202020204" pitchFamily="34" charset="0"/>
+                        <a:ea typeface="+mn-ea"/>
+                        <a:cs typeface="+mn-cs"/>
+                      </a:endParaRPr>
+                    </a:p>
+                    <a:p>
+                      <a:pPr marL="0" marR="0" lvl="0" indent="0" algn="l" defTabSz="958850" rtl="0" eaLnBrk="1" fontAlgn="base" latinLnBrk="0" hangingPunct="1">
+                        <a:lnSpc>
+                          <a:spcPct val="100000"/>
+                        </a:lnSpc>
+                        <a:spcBef>
+                          <a:spcPct val="0"/>
+                        </a:spcBef>
+                        <a:spcAft>
+                          <a:spcPct val="0"/>
+                        </a:spcAft>
+                        <a:buClr>
+                          <a:srgbClr val="000080"/>
+                        </a:buClr>
+                        <a:buSzTx/>
+                        <a:buFont typeface="Wingdings" pitchFamily="2" charset="2"/>
+                        <a:buNone/>
+                        <a:tabLst/>
+                        <a:defRPr/>
+                      </a:pPr>
+                      <a:endParaRPr kumimoji="0" lang="en-US" sz="700" b="0" i="0" u="none" strike="noStrike" kern="1200" cap="none" spc="0" normalizeH="0" baseline="0" noProof="0" dirty="0">
+                        <a:ln>
+                          <a:noFill/>
+                        </a:ln>
+                        <a:solidFill>
+                          <a:srgbClr val="003B4C"/>
+                        </a:solidFill>
+                        <a:effectLst/>
+                        <a:uLnTx/>
+                        <a:uFillTx/>
+                        <a:latin typeface="Arial" panose="020B0604020202020204" pitchFamily="34" charset="0"/>
+                        <a:ea typeface="+mn-ea"/>
+                        <a:cs typeface="+mn-cs"/>
+                      </a:endParaRPr>
+                    </a:p>
+                    <a:p>
+                      <a:pPr marL="0" marR="0" lvl="0" indent="0" algn="l" defTabSz="958850" rtl="0" eaLnBrk="1" fontAlgn="base" latinLnBrk="0" hangingPunct="1">
+                        <a:lnSpc>
+                          <a:spcPct val="100000"/>
+                        </a:lnSpc>
+                        <a:spcBef>
+                          <a:spcPct val="0"/>
+                        </a:spcBef>
+                        <a:spcAft>
+                          <a:spcPct val="0"/>
+                        </a:spcAft>
+                        <a:buClr>
+                          <a:srgbClr val="000080"/>
+                        </a:buClr>
+                        <a:buSzTx/>
+                        <a:buFont typeface="Wingdings" pitchFamily="2" charset="2"/>
+                        <a:buNone/>
+                        <a:tabLst/>
+                        <a:defRPr/>
+                      </a:pPr>
+                      <a:r>
+                        <a:rPr kumimoji="0" lang="en-US" sz="700" b="0" i="0" u="none" strike="noStrike" kern="1200" cap="none" spc="0" normalizeH="0" baseline="0" noProof="0" dirty="0">
+                          <a:ln>
+                            <a:noFill/>
+                          </a:ln>
+                          <a:solidFill>
+                            <a:srgbClr val="003B4C"/>
+                          </a:solidFill>
+                          <a:effectLst/>
+                          <a:uLnTx/>
+                          <a:uFillTx/>
+                          <a:latin typeface="Arial" panose="020B0604020202020204" pitchFamily="34" charset="0"/>
+                          <a:ea typeface="+mn-ea"/>
+                          <a:cs typeface="+mn-cs"/>
+                        </a:rPr>
+                        <a:t>Country5</a:t>
+                      </a:r>
+                    </a:p>
+                  </a:txBody>
+                  <a:tcPr marL="0" marR="84406" marT="0" marB="0" anchor="ctr" horzOverflow="overflow">
+                    <a:lnL cap="flat">
+                      <a:noFill/>
+                    </a:lnL>
+                    <a:lnR>
+                      <a:noFill/>
+                    </a:lnR>
+                    <a:lnT w="9525" cap="flat" cmpd="sng" algn="ctr">
+                      <a:solidFill>
+                        <a:schemeClr val="bg2"/>
+                      </a:solidFill>
+                      <a:prstDash val="solid"/>
+                      <a:round/>
+                      <a:headEnd type="none" w="med" len="med"/>
+                      <a:tailEnd type="none" w="med" len="med"/>
+                    </a:lnT>
+                    <a:lnB w="9525" cap="flat" cmpd="sng" algn="ctr">
+                      <a:solidFill>
+                        <a:schemeClr val="bg2"/>
+                      </a:solidFill>
+                      <a:prstDash val="solid"/>
+                      <a:round/>
+                      <a:headEnd type="none" w="med" len="med"/>
+                      <a:tailEnd type="none" w="med" len="med"/>
+                    </a:lnB>
+                    <a:lnTlToBr>
+                      <a:noFill/>
+                    </a:lnTlToBr>
+                    <a:lnBlToTr>
+                      <a:noFill/>
+                    </a:lnBlToTr>
+                    <a:solidFill>
+                      <a:srgbClr val="FFFFFF"/>
+                    </a:solidFill>
+                  </a:tcPr>
+                </a:tc>
+                <a:tc>
+                  <a:txBody>
+                    <a:bodyPr/>
+                    <a:lstStyle/>
+                    <a:p>
+                      <a:pPr marL="0" marR="0" lvl="0" indent="0" algn="l" defTabSz="914395" rtl="0" eaLnBrk="1" fontAlgn="t" latinLnBrk="0" hangingPunct="1">
+                        <a:lnSpc>
+                          <a:spcPct val="100000"/>
+                        </a:lnSpc>
+                        <a:spcBef>
+                          <a:spcPts val="0"/>
+                        </a:spcBef>
+                        <a:spcAft>
+                          <a:spcPts val="0"/>
+                        </a:spcAft>
+                        <a:buClr>
+                          <a:srgbClr val="003B4C"/>
+                        </a:buClr>
+                        <a:buSzTx/>
+                        <a:buFont typeface="Wingdings" panose="05000000000000000000" pitchFamily="2" charset="2"/>
+                        <a:buNone/>
+                        <a:tabLst/>
+                        <a:defRPr/>
+                      </a:pPr>
+                      <a:r>
+                        <a:rPr kumimoji="0" lang="en-US" sz="700" b="0" i="0" u="none" strike="noStrike" kern="1200" cap="none" spc="0" normalizeH="0" baseline="0" noProof="0" dirty="0">
+                          <a:ln>
+                            <a:noFill/>
+                          </a:ln>
+                          <a:solidFill>
+                            <a:srgbClr val="003B4C"/>
+                          </a:solidFill>
+                          <a:effectLst/>
+                          <a:uLnTx/>
+                          <a:uFillTx/>
+                          <a:latin typeface="Arial" panose="020B0604020202020204" pitchFamily="34" charset="0"/>
+                          <a:ea typeface="+mn-ea"/>
+                          <a:cs typeface="+mn-cs"/>
+                        </a:rPr>
+                        <a:t>Type5</a:t>
+                      </a:r>
+                    </a:p>
+                  </a:txBody>
+                  <a:tcPr marL="168812" marR="0" marT="0" marB="0" anchor="ctr">
+                    <a:lnL>
+                      <a:noFill/>
+                    </a:lnL>
+                    <a:lnR>
+                      <a:noFill/>
+                    </a:lnR>
+                    <a:lnT w="9525" cap="flat" cmpd="sng" algn="ctr">
+                      <a:solidFill>
+                        <a:schemeClr val="bg2"/>
+                      </a:solidFill>
+                      <a:prstDash val="solid"/>
+                      <a:round/>
+                      <a:headEnd type="none" w="med" len="med"/>
+                      <a:tailEnd type="none" w="med" len="med"/>
+                    </a:lnT>
+                    <a:lnB w="9525" cap="flat" cmpd="sng" algn="ctr">
+                      <a:solidFill>
+                        <a:schemeClr val="bg2"/>
+                      </a:solidFill>
+                      <a:prstDash val="solid"/>
+                      <a:round/>
+                      <a:headEnd type="none" w="med" len="med"/>
+                      <a:tailEnd type="none" w="med" len="med"/>
+                    </a:lnB>
+                    <a:lnTlToBr>
+                      <a:noFill/>
+                    </a:lnTlToBr>
+                    <a:lnBlToTr>
+                      <a:noFill/>
+                    </a:lnBlToTr>
+                    <a:solidFill>
+                      <a:srgbClr val="FFFFFF"/>
+                    </a:solidFill>
+                  </a:tcPr>
+                </a:tc>
+                <a:tc>
+                  <a:txBody>
+                    <a:bodyPr/>
+                    <a:lstStyle/>
+                    <a:p>
+                      <a:pPr marL="0" marR="0" lvl="0" indent="0" algn="ctr" defTabSz="914395" rtl="0" eaLnBrk="1" fontAlgn="t" latinLnBrk="0" hangingPunct="1">
+                        <a:lnSpc>
+                          <a:spcPct val="100000"/>
+                        </a:lnSpc>
+                        <a:spcBef>
+                          <a:spcPts val="0"/>
+                        </a:spcBef>
+                        <a:spcAft>
+                          <a:spcPts val="0"/>
+                        </a:spcAft>
+                        <a:buClrTx/>
+                        <a:buSzTx/>
+                        <a:buFontTx/>
+                        <a:buNone/>
+                        <a:tabLst/>
+                        <a:defRPr/>
+                      </a:pPr>
+                      <a:r>
+                        <a:rPr kumimoji="0" lang="en-US" sz="700" b="0" i="0" u="none" strike="noStrike" kern="1200" cap="none" spc="0" normalizeH="0" baseline="0" noProof="0" dirty="0">
+                          <a:ln>
+                            <a:noFill/>
+                          </a:ln>
+                          <a:solidFill>
+                            <a:srgbClr val="003B4C"/>
+                          </a:solidFill>
+                          <a:effectLst/>
+                          <a:uLnTx/>
+                          <a:uFillTx/>
+                          <a:latin typeface="Arial" panose="020B0604020202020204" pitchFamily="34" charset="0"/>
+                          <a:ea typeface="+mn-ea"/>
+                          <a:cs typeface="+mn-cs"/>
+                        </a:rPr>
+                        <a:t>DryPowder5</a:t>
+                      </a:r>
+                    </a:p>
+                    <a:p>
+                      <a:pPr marL="0" marR="0" lvl="0" indent="0" algn="ctr" defTabSz="914395" rtl="0" eaLnBrk="1" fontAlgn="t" latinLnBrk="0" hangingPunct="1">
+                        <a:lnSpc>
+                          <a:spcPct val="100000"/>
+                        </a:lnSpc>
+                        <a:spcBef>
+                          <a:spcPts val="0"/>
+                        </a:spcBef>
+                        <a:spcAft>
+                          <a:spcPts val="0"/>
+                        </a:spcAft>
+                        <a:buClrTx/>
+                        <a:buSzTx/>
+                        <a:buFontTx/>
+                        <a:buNone/>
+                        <a:tabLst/>
+                        <a:defRPr/>
+                      </a:pPr>
+                      <a:r>
+                        <a:rPr kumimoji="0" lang="en-US" sz="700" b="0" i="0" u="none" strike="noStrike" kern="1200" cap="none" spc="0" normalizeH="0" baseline="0" noProof="0" dirty="0">
+                          <a:ln>
+                            <a:noFill/>
+                          </a:ln>
+                          <a:solidFill>
+                            <a:srgbClr val="003B4C"/>
+                          </a:solidFill>
+                          <a:effectLst/>
+                          <a:uLnTx/>
+                          <a:uFillTx/>
+                          <a:latin typeface="Arial" panose="020B0604020202020204" pitchFamily="34" charset="0"/>
+                          <a:ea typeface="+mn-ea"/>
+                          <a:cs typeface="+mn-cs"/>
+                        </a:rPr>
+                        <a:t>AUM5</a:t>
+                      </a:r>
+                    </a:p>
+                  </a:txBody>
+                  <a:tcPr marL="0" marR="0" marT="0" marB="0" anchor="ctr">
+                    <a:lnL>
+                      <a:noFill/>
+                    </a:lnL>
+                    <a:lnR cap="flat">
+                      <a:noFill/>
+                    </a:lnR>
+                    <a:lnT w="9525" cap="flat" cmpd="sng" algn="ctr">
+                      <a:solidFill>
+                        <a:schemeClr val="bg2"/>
+                      </a:solidFill>
+                      <a:prstDash val="solid"/>
+                      <a:round/>
+                      <a:headEnd type="none" w="med" len="med"/>
+                      <a:tailEnd type="none" w="med" len="med"/>
+                    </a:lnT>
+                    <a:lnB w="9525" cap="flat" cmpd="sng" algn="ctr">
+                      <a:solidFill>
+                        <a:schemeClr val="bg2"/>
+                      </a:solidFill>
+                      <a:prstDash val="solid"/>
+                      <a:round/>
+                      <a:headEnd type="none" w="med" len="med"/>
+                      <a:tailEnd type="none" w="med" len="med"/>
+                    </a:lnB>
+                    <a:lnTlToBr>
+                      <a:noFill/>
+                    </a:lnTlToBr>
+                    <a:lnBlToTr>
+                      <a:noFill/>
+                    </a:lnBlToTr>
+                    <a:solidFill>
+                      <a:srgbClr val="FFFFFF"/>
+                    </a:solidFill>
+                  </a:tcPr>
+                </a:tc>
+                <a:tc>
+                  <a:txBody>
+                    <a:bodyPr/>
+                    <a:lstStyle/>
+                    <a:p>
+                      <a:pPr marL="0" marR="0" lvl="0" indent="0" algn="ctr" defTabSz="914395" rtl="0" eaLnBrk="1" fontAlgn="t" latinLnBrk="0" hangingPunct="1">
+                        <a:lnSpc>
+                          <a:spcPct val="100000"/>
+                        </a:lnSpc>
+                        <a:spcBef>
+                          <a:spcPts val="0"/>
+                        </a:spcBef>
+                        <a:spcAft>
+                          <a:spcPts val="0"/>
+                        </a:spcAft>
+                        <a:buClrTx/>
+                        <a:buSzTx/>
+                        <a:buFontTx/>
+                        <a:buNone/>
+                        <a:tabLst/>
+                        <a:defRPr/>
+                      </a:pPr>
+                      <a:r>
+                        <a:rPr kumimoji="0" lang="en-US" sz="2200" b="0" i="0" u="none" strike="noStrike" kern="1200" cap="none" spc="0" normalizeH="0" baseline="0" noProof="0" dirty="0">
+                          <a:ln>
+                            <a:noFill/>
+                          </a:ln>
+                          <a:solidFill>
+                            <a:srgbClr val="00A87E"/>
+                          </a:solidFill>
+                          <a:effectLst/>
+                          <a:uLnTx/>
+                          <a:uFillTx/>
+                          <a:latin typeface="+mn-lt"/>
+                          <a:ea typeface="+mn-ea"/>
+                          <a:cs typeface="+mn-cs"/>
+                          <a:sym typeface="Wingdings"/>
+                        </a:rPr>
+                        <a:t></a:t>
+                      </a:r>
+                      <a:endParaRPr kumimoji="0" lang="en-US" sz="2200" b="0" i="0" u="none" strike="noStrike" kern="1200" cap="none" spc="0" normalizeH="0" baseline="0" noProof="0" dirty="0">
+                        <a:ln>
+                          <a:noFill/>
+                        </a:ln>
+                        <a:solidFill>
+                          <a:srgbClr val="FF0000"/>
+                        </a:solidFill>
+                        <a:effectLst/>
+                        <a:uLnTx/>
+                        <a:uFillTx/>
+                        <a:latin typeface="+mn-lt"/>
+                        <a:ea typeface="+mn-ea"/>
+                        <a:cs typeface="+mn-cs"/>
+                      </a:endParaRPr>
+                    </a:p>
+                  </a:txBody>
+                  <a:tcPr marL="0" marR="0" marT="0" marB="0" anchor="ctr">
+                    <a:lnL>
+                      <a:noFill/>
+                    </a:lnL>
+                    <a:lnR cap="flat">
+                      <a:noFill/>
+                    </a:lnR>
+                    <a:lnT w="9525" cap="flat" cmpd="sng" algn="ctr">
+                      <a:solidFill>
+                        <a:schemeClr val="bg2"/>
+                      </a:solidFill>
+                      <a:prstDash val="solid"/>
+                      <a:round/>
+                      <a:headEnd type="none" w="med" len="med"/>
+                      <a:tailEnd type="none" w="med" len="med"/>
+                    </a:lnT>
+                    <a:lnB w="9525" cap="flat" cmpd="sng" algn="ctr">
+                      <a:solidFill>
+                        <a:schemeClr val="bg2"/>
+                      </a:solidFill>
+                      <a:prstDash val="solid"/>
+                      <a:round/>
+                      <a:headEnd type="none" w="med" len="med"/>
+                      <a:tailEnd type="none" w="med" len="med"/>
+                    </a:lnB>
+                    <a:lnTlToBr>
+                      <a:noFill/>
+                    </a:lnTlToBr>
+                    <a:lnBlToTr>
+                      <a:noFill/>
+                    </a:lnBlToTr>
+                    <a:solidFill>
+                      <a:srgbClr val="FFFFFF"/>
+                    </a:solidFill>
+                  </a:tcPr>
+                </a:tc>
+                <a:tc>
+                  <a:txBody>
+                    <a:bodyPr/>
+                    <a:lstStyle/>
+                    <a:p>
+                      <a:pPr marL="0" marR="0" lvl="0" indent="0" algn="ctr" defTabSz="914395" rtl="0" eaLnBrk="1" fontAlgn="t" latinLnBrk="0" hangingPunct="1">
+                        <a:lnSpc>
+                          <a:spcPct val="100000"/>
+                        </a:lnSpc>
+                        <a:spcBef>
+                          <a:spcPts val="0"/>
+                        </a:spcBef>
+                        <a:spcAft>
+                          <a:spcPts val="0"/>
+                        </a:spcAft>
+                        <a:buClrTx/>
+                        <a:buSzTx/>
+                        <a:buFontTx/>
+                        <a:buNone/>
+                        <a:tabLst/>
+                        <a:defRPr/>
+                      </a:pPr>
+                      <a:endParaRPr lang="en-US" sz="700" noProof="0" dirty="0">
+                        <a:solidFill>
+                          <a:srgbClr val="003B4C"/>
+                        </a:solidFill>
+                        <a:latin typeface="+mn-lt"/>
+                      </a:endParaRPr>
+                    </a:p>
+                    <a:p>
+                      <a:pPr marL="0" marR="0" lvl="0" indent="0" algn="ctr" defTabSz="914395" rtl="0" eaLnBrk="1" fontAlgn="t" latinLnBrk="0" hangingPunct="1">
+                        <a:lnSpc>
+                          <a:spcPct val="100000"/>
+                        </a:lnSpc>
+                        <a:spcBef>
+                          <a:spcPts val="0"/>
+                        </a:spcBef>
+                        <a:spcAft>
+                          <a:spcPts val="0"/>
+                        </a:spcAft>
+                        <a:buClrTx/>
+                        <a:buSzTx/>
+                        <a:buFontTx/>
+                        <a:buNone/>
+                        <a:tabLst/>
+                        <a:defRPr/>
+                      </a:pPr>
+                      <a:endParaRPr lang="en-US" sz="700" noProof="0" dirty="0">
+                        <a:solidFill>
+                          <a:srgbClr val="003B4C"/>
+                        </a:solidFill>
+                        <a:latin typeface="+mn-lt"/>
+                      </a:endParaRPr>
+                    </a:p>
+                    <a:p>
+                      <a:pPr marL="0" marR="0" lvl="0" indent="0" algn="ctr" defTabSz="914395" rtl="0" eaLnBrk="1" fontAlgn="t" latinLnBrk="0" hangingPunct="1">
+                        <a:lnSpc>
+                          <a:spcPct val="100000"/>
+                        </a:lnSpc>
+                        <a:spcBef>
+                          <a:spcPts val="0"/>
+                        </a:spcBef>
+                        <a:spcAft>
+                          <a:spcPts val="0"/>
+                        </a:spcAft>
+                        <a:buClrTx/>
+                        <a:buSzTx/>
+                        <a:buFontTx/>
+                        <a:buNone/>
+                        <a:tabLst/>
+                        <a:defRPr/>
+                      </a:pPr>
+                      <a:endParaRPr lang="en-US" sz="700" noProof="0" dirty="0">
+                        <a:solidFill>
+                          <a:srgbClr val="003B4C"/>
+                        </a:solidFill>
+                        <a:latin typeface="+mn-lt"/>
+                      </a:endParaRPr>
+                    </a:p>
+                    <a:p>
+                      <a:pPr marL="0" marR="0" lvl="0" indent="0" algn="ctr" defTabSz="914395" rtl="0" eaLnBrk="1" fontAlgn="t" latinLnBrk="0" hangingPunct="1">
+                        <a:lnSpc>
+                          <a:spcPct val="100000"/>
+                        </a:lnSpc>
+                        <a:spcBef>
+                          <a:spcPts val="0"/>
+                        </a:spcBef>
+                        <a:spcAft>
+                          <a:spcPts val="0"/>
+                        </a:spcAft>
+                        <a:buClrTx/>
+                        <a:buSzTx/>
+                        <a:buFontTx/>
+                        <a:buNone/>
+                        <a:tabLst/>
+                        <a:defRPr/>
+                      </a:pPr>
+                      <a:endParaRPr lang="en-US" sz="700" noProof="0" dirty="0">
+                        <a:solidFill>
+                          <a:srgbClr val="003B4C"/>
+                        </a:solidFill>
+                        <a:latin typeface="+mn-lt"/>
+                      </a:endParaRPr>
+                    </a:p>
+                    <a:p>
+                      <a:pPr marL="0" marR="0" lvl="0" indent="0" algn="ctr" defTabSz="914395" rtl="0" eaLnBrk="1" fontAlgn="t" latinLnBrk="0" hangingPunct="1">
+                        <a:lnSpc>
+                          <a:spcPct val="100000"/>
+                        </a:lnSpc>
+                        <a:spcBef>
+                          <a:spcPts val="0"/>
+                        </a:spcBef>
+                        <a:spcAft>
+                          <a:spcPts val="0"/>
+                        </a:spcAft>
+                        <a:buClrTx/>
+                        <a:buSzTx/>
+                        <a:buFontTx/>
+                        <a:buNone/>
+                        <a:tabLst/>
+                        <a:defRPr/>
+                      </a:pPr>
+                      <a:endParaRPr lang="en-US" sz="700" noProof="0" dirty="0">
+                        <a:solidFill>
+                          <a:srgbClr val="003B4C"/>
+                        </a:solidFill>
+                        <a:latin typeface="+mn-lt"/>
+                      </a:endParaRPr>
+                    </a:p>
+                    <a:p>
+                      <a:pPr marL="0" marR="0" lvl="0" indent="0" algn="ctr" defTabSz="914395" rtl="0" eaLnBrk="1" fontAlgn="t" latinLnBrk="0" hangingPunct="1">
+                        <a:lnSpc>
+                          <a:spcPct val="100000"/>
+                        </a:lnSpc>
+                        <a:spcBef>
+                          <a:spcPts val="0"/>
+                        </a:spcBef>
+                        <a:spcAft>
+                          <a:spcPts val="0"/>
+                        </a:spcAft>
+                        <a:buClrTx/>
+                        <a:buSzTx/>
+                        <a:buFontTx/>
+                        <a:buNone/>
+                        <a:tabLst/>
+                        <a:defRPr/>
+                      </a:pPr>
+                      <a:r>
+                        <a:rPr lang="en-US" sz="700" noProof="0" dirty="0">
+                          <a:solidFill>
+                            <a:srgbClr val="003B4C"/>
+                          </a:solidFill>
+                          <a:latin typeface="+mn-lt"/>
+                        </a:rPr>
+                        <a:t>Investment1</a:t>
+                      </a:r>
+                    </a:p>
+                  </a:txBody>
+                  <a:tcPr marL="0" marR="0" marT="0" marB="0" anchor="ctr">
+                    <a:lnL>
+                      <a:noFill/>
+                    </a:lnL>
+                    <a:lnR cap="flat">
+                      <a:noFill/>
+                    </a:lnR>
+                    <a:lnT w="9525" cap="flat" cmpd="sng" algn="ctr">
+                      <a:solidFill>
+                        <a:schemeClr val="bg2"/>
+                      </a:solidFill>
+                      <a:prstDash val="solid"/>
+                      <a:round/>
+                      <a:headEnd type="none" w="med" len="med"/>
+                      <a:tailEnd type="none" w="med" len="med"/>
+                    </a:lnT>
+                    <a:lnB w="9525" cap="flat" cmpd="sng" algn="ctr">
+                      <a:solidFill>
+                        <a:schemeClr val="bg2"/>
+                      </a:solidFill>
+                      <a:prstDash val="solid"/>
+                      <a:round/>
+                      <a:headEnd type="none" w="med" len="med"/>
+                      <a:tailEnd type="none" w="med" len="med"/>
+                    </a:lnB>
+                    <a:lnTlToBr>
+                      <a:noFill/>
+                    </a:lnTlToBr>
+                    <a:lnBlToTr>
+                      <a:noFill/>
+                    </a:lnBlToTr>
+                    <a:solidFill>
+                      <a:srgbClr val="FFFFFF"/>
+                    </a:solidFill>
+                  </a:tcPr>
+                </a:tc>
+                <a:tc>
+                  <a:txBody>
+                    <a:bodyPr/>
+                    <a:lstStyle/>
+                    <a:p>
+                      <a:pPr marL="0" marR="0" lvl="0" indent="0" algn="ctr" defTabSz="914395" rtl="0" eaLnBrk="1" fontAlgn="t" latinLnBrk="0" hangingPunct="1">
+                        <a:lnSpc>
+                          <a:spcPct val="100000"/>
+                        </a:lnSpc>
+                        <a:spcBef>
+                          <a:spcPts val="0"/>
+                        </a:spcBef>
+                        <a:spcAft>
+                          <a:spcPts val="0"/>
+                        </a:spcAft>
+                        <a:buClrTx/>
+                        <a:buSzTx/>
+                        <a:buFontTx/>
+                        <a:buNone/>
+                        <a:tabLst/>
+                        <a:defRPr/>
+                      </a:pPr>
+                      <a:endParaRPr lang="en-US" sz="700" noProof="0" dirty="0">
+                        <a:solidFill>
+                          <a:srgbClr val="003B4C"/>
+                        </a:solidFill>
+                        <a:latin typeface="+mn-lt"/>
+                      </a:endParaRPr>
+                    </a:p>
+                    <a:p>
+                      <a:pPr marL="0" marR="0" lvl="0" indent="0" algn="ctr" defTabSz="914395" rtl="0" eaLnBrk="1" fontAlgn="t" latinLnBrk="0" hangingPunct="1">
+                        <a:lnSpc>
+                          <a:spcPct val="100000"/>
+                        </a:lnSpc>
+                        <a:spcBef>
+                          <a:spcPts val="0"/>
+                        </a:spcBef>
+                        <a:spcAft>
+                          <a:spcPts val="0"/>
+                        </a:spcAft>
+                        <a:buClrTx/>
+                        <a:buSzTx/>
+                        <a:buFontTx/>
+                        <a:buNone/>
+                        <a:tabLst/>
+                        <a:defRPr/>
+                      </a:pPr>
+                      <a:endParaRPr lang="en-US" sz="700" noProof="0" dirty="0">
+                        <a:solidFill>
+                          <a:srgbClr val="003B4C"/>
+                        </a:solidFill>
+                        <a:latin typeface="+mn-lt"/>
+                      </a:endParaRPr>
+                    </a:p>
+                    <a:p>
+                      <a:pPr marL="0" marR="0" lvl="0" indent="0" algn="ctr" defTabSz="914395" rtl="0" eaLnBrk="1" fontAlgn="t" latinLnBrk="0" hangingPunct="1">
+                        <a:lnSpc>
+                          <a:spcPct val="100000"/>
+                        </a:lnSpc>
+                        <a:spcBef>
+                          <a:spcPts val="0"/>
+                        </a:spcBef>
+                        <a:spcAft>
+                          <a:spcPts val="0"/>
+                        </a:spcAft>
+                        <a:buClrTx/>
+                        <a:buSzTx/>
+                        <a:buFontTx/>
+                        <a:buNone/>
+                        <a:tabLst/>
+                        <a:defRPr/>
+                      </a:pPr>
+                      <a:endParaRPr lang="en-US" sz="700" noProof="0" dirty="0">
+                        <a:solidFill>
+                          <a:srgbClr val="003B4C"/>
+                        </a:solidFill>
+                        <a:latin typeface="+mn-lt"/>
+                      </a:endParaRPr>
+                    </a:p>
+                    <a:p>
+                      <a:pPr marL="0" marR="0" lvl="0" indent="0" algn="ctr" defTabSz="914395" rtl="0" eaLnBrk="1" fontAlgn="t" latinLnBrk="0" hangingPunct="1">
+                        <a:lnSpc>
+                          <a:spcPct val="100000"/>
+                        </a:lnSpc>
+                        <a:spcBef>
+                          <a:spcPts val="0"/>
+                        </a:spcBef>
+                        <a:spcAft>
+                          <a:spcPts val="0"/>
+                        </a:spcAft>
+                        <a:buClrTx/>
+                        <a:buSzTx/>
+                        <a:buFontTx/>
+                        <a:buNone/>
+                        <a:tabLst/>
+                        <a:defRPr/>
+                      </a:pPr>
+                      <a:endParaRPr lang="en-US" sz="700" noProof="0" dirty="0">
+                        <a:solidFill>
+                          <a:srgbClr val="003B4C"/>
+                        </a:solidFill>
+                        <a:latin typeface="+mn-lt"/>
+                      </a:endParaRPr>
+                    </a:p>
+                    <a:p>
+                      <a:pPr marL="0" marR="0" lvl="0" indent="0" algn="ctr" defTabSz="914395" rtl="0" eaLnBrk="1" fontAlgn="t" latinLnBrk="0" hangingPunct="1">
+                        <a:lnSpc>
+                          <a:spcPct val="100000"/>
+                        </a:lnSpc>
+                        <a:spcBef>
+                          <a:spcPts val="0"/>
+                        </a:spcBef>
+                        <a:spcAft>
+                          <a:spcPts val="0"/>
+                        </a:spcAft>
+                        <a:buClrTx/>
+                        <a:buSzTx/>
+                        <a:buFontTx/>
+                        <a:buNone/>
+                        <a:tabLst/>
+                        <a:defRPr/>
+                      </a:pPr>
+                      <a:endParaRPr lang="en-US" sz="700" noProof="0" dirty="0">
+                        <a:solidFill>
+                          <a:srgbClr val="003B4C"/>
+                        </a:solidFill>
+                        <a:latin typeface="+mn-lt"/>
+                      </a:endParaRPr>
+                    </a:p>
+                    <a:p>
+                      <a:pPr marL="0" marR="0" lvl="0" indent="0" algn="ctr" defTabSz="914395" rtl="0" eaLnBrk="1" fontAlgn="t" latinLnBrk="0" hangingPunct="1">
+                        <a:lnSpc>
+                          <a:spcPct val="100000"/>
+                        </a:lnSpc>
+                        <a:spcBef>
+                          <a:spcPts val="0"/>
+                        </a:spcBef>
+                        <a:spcAft>
+                          <a:spcPts val="0"/>
+                        </a:spcAft>
+                        <a:buClrTx/>
+                        <a:buSzTx/>
+                        <a:buFontTx/>
+                        <a:buNone/>
+                        <a:tabLst/>
+                        <a:defRPr/>
+                      </a:pPr>
+                      <a:r>
+                        <a:rPr lang="en-US" sz="700" noProof="0" dirty="0">
+                          <a:solidFill>
+                            <a:srgbClr val="003B4C"/>
+                          </a:solidFill>
+                          <a:latin typeface="+mn-lt"/>
+                        </a:rPr>
+                        <a:t>Investment2</a:t>
+                      </a:r>
+                    </a:p>
+                  </a:txBody>
+                  <a:tcPr marL="0" marR="0" marT="0" marB="0" anchor="ctr">
+                    <a:lnL>
+                      <a:noFill/>
+                    </a:lnL>
+                    <a:lnR cap="flat">
+                      <a:noFill/>
+                    </a:lnR>
+                    <a:lnT w="9525" cap="flat" cmpd="sng" algn="ctr">
+                      <a:solidFill>
+                        <a:schemeClr val="bg2"/>
+                      </a:solidFill>
+                      <a:prstDash val="solid"/>
+                      <a:round/>
+                      <a:headEnd type="none" w="med" len="med"/>
+                      <a:tailEnd type="none" w="med" len="med"/>
+                    </a:lnT>
+                    <a:lnB w="9525" cap="flat" cmpd="sng" algn="ctr">
+                      <a:solidFill>
+                        <a:schemeClr val="bg2"/>
+                      </a:solidFill>
+                      <a:prstDash val="solid"/>
+                      <a:round/>
+                      <a:headEnd type="none" w="med" len="med"/>
+                      <a:tailEnd type="none" w="med" len="med"/>
+                    </a:lnB>
+                    <a:lnTlToBr>
+                      <a:noFill/>
+                    </a:lnTlToBr>
+                    <a:lnBlToTr>
+                      <a:noFill/>
+                    </a:lnBlToTr>
+                    <a:solidFill>
+                      <a:srgbClr val="FFFFFF"/>
+                    </a:solidFill>
+                  </a:tcPr>
+                </a:tc>
+                <a:tc>
+                  <a:txBody>
+                    <a:bodyPr/>
+                    <a:lstStyle/>
+                    <a:p>
+                      <a:pPr marL="0" marR="0" lvl="0" indent="0" algn="ctr" defTabSz="914395" rtl="0" eaLnBrk="1" fontAlgn="t" latinLnBrk="0" hangingPunct="1">
+                        <a:lnSpc>
+                          <a:spcPct val="100000"/>
+                        </a:lnSpc>
+                        <a:spcBef>
+                          <a:spcPts val="0"/>
+                        </a:spcBef>
+                        <a:spcAft>
+                          <a:spcPts val="0"/>
+                        </a:spcAft>
+                        <a:buClrTx/>
+                        <a:buSzTx/>
+                        <a:buFontTx/>
+                        <a:buNone/>
+                        <a:tabLst/>
+                        <a:defRPr/>
+                      </a:pPr>
+                      <a:endParaRPr lang="en-US" sz="700" noProof="0" dirty="0">
+                        <a:solidFill>
+                          <a:srgbClr val="003B4C"/>
+                        </a:solidFill>
+                        <a:latin typeface="+mn-lt"/>
+                      </a:endParaRPr>
+                    </a:p>
+                    <a:p>
+                      <a:pPr marL="0" marR="0" lvl="0" indent="0" algn="ctr" defTabSz="914395" rtl="0" eaLnBrk="1" fontAlgn="t" latinLnBrk="0" hangingPunct="1">
+                        <a:lnSpc>
+                          <a:spcPct val="100000"/>
+                        </a:lnSpc>
+                        <a:spcBef>
+                          <a:spcPts val="0"/>
+                        </a:spcBef>
+                        <a:spcAft>
+                          <a:spcPts val="0"/>
+                        </a:spcAft>
+                        <a:buClrTx/>
+                        <a:buSzTx/>
+                        <a:buFontTx/>
+                        <a:buNone/>
+                        <a:tabLst/>
+                        <a:defRPr/>
+                      </a:pPr>
+                      <a:endParaRPr lang="en-US" sz="700" noProof="0" dirty="0">
+                        <a:solidFill>
+                          <a:srgbClr val="003B4C"/>
+                        </a:solidFill>
+                        <a:latin typeface="+mn-lt"/>
+                      </a:endParaRPr>
+                    </a:p>
+                    <a:p>
+                      <a:pPr marL="0" marR="0" lvl="0" indent="0" algn="ctr" defTabSz="914395" rtl="0" eaLnBrk="1" fontAlgn="t" latinLnBrk="0" hangingPunct="1">
+                        <a:lnSpc>
+                          <a:spcPct val="100000"/>
+                        </a:lnSpc>
+                        <a:spcBef>
+                          <a:spcPts val="0"/>
+                        </a:spcBef>
+                        <a:spcAft>
+                          <a:spcPts val="0"/>
+                        </a:spcAft>
+                        <a:buClrTx/>
+                        <a:buSzTx/>
+                        <a:buFontTx/>
+                        <a:buNone/>
+                        <a:tabLst/>
+                        <a:defRPr/>
+                      </a:pPr>
+                      <a:endParaRPr lang="en-US" sz="700" noProof="0" dirty="0">
+                        <a:solidFill>
+                          <a:srgbClr val="003B4C"/>
+                        </a:solidFill>
+                        <a:latin typeface="+mn-lt"/>
+                      </a:endParaRPr>
+                    </a:p>
+                    <a:p>
+                      <a:pPr marL="0" marR="0" lvl="0" indent="0" algn="ctr" defTabSz="914395" rtl="0" eaLnBrk="1" fontAlgn="t" latinLnBrk="0" hangingPunct="1">
+                        <a:lnSpc>
+                          <a:spcPct val="100000"/>
+                        </a:lnSpc>
+                        <a:spcBef>
+                          <a:spcPts val="0"/>
+                        </a:spcBef>
+                        <a:spcAft>
+                          <a:spcPts val="0"/>
+                        </a:spcAft>
+                        <a:buClrTx/>
+                        <a:buSzTx/>
+                        <a:buFontTx/>
+                        <a:buNone/>
+                        <a:tabLst/>
+                        <a:defRPr/>
+                      </a:pPr>
+                      <a:endParaRPr lang="en-US" sz="700" noProof="0" dirty="0">
+                        <a:solidFill>
+                          <a:srgbClr val="003B4C"/>
+                        </a:solidFill>
+                        <a:latin typeface="+mn-lt"/>
+                      </a:endParaRPr>
+                    </a:p>
+                    <a:p>
+                      <a:pPr marL="0" marR="0" lvl="0" indent="0" algn="ctr" defTabSz="914395" rtl="0" eaLnBrk="1" fontAlgn="t" latinLnBrk="0" hangingPunct="1">
+                        <a:lnSpc>
+                          <a:spcPct val="100000"/>
+                        </a:lnSpc>
+                        <a:spcBef>
+                          <a:spcPts val="0"/>
+                        </a:spcBef>
+                        <a:spcAft>
+                          <a:spcPts val="0"/>
+                        </a:spcAft>
+                        <a:buClrTx/>
+                        <a:buSzTx/>
+                        <a:buFontTx/>
+                        <a:buNone/>
+                        <a:tabLst/>
+                        <a:defRPr/>
+                      </a:pPr>
+                      <a:endParaRPr lang="en-US" sz="700" noProof="0" dirty="0">
+                        <a:solidFill>
+                          <a:srgbClr val="003B4C"/>
+                        </a:solidFill>
+                        <a:latin typeface="+mn-lt"/>
+                      </a:endParaRPr>
+                    </a:p>
+                    <a:p>
+                      <a:pPr marL="0" marR="0" lvl="0" indent="0" algn="ctr" defTabSz="914395" rtl="0" eaLnBrk="1" fontAlgn="t" latinLnBrk="0" hangingPunct="1">
+                        <a:lnSpc>
+                          <a:spcPct val="100000"/>
+                        </a:lnSpc>
+                        <a:spcBef>
+                          <a:spcPts val="0"/>
+                        </a:spcBef>
+                        <a:spcAft>
+                          <a:spcPts val="0"/>
+                        </a:spcAft>
+                        <a:buClrTx/>
+                        <a:buSzTx/>
+                        <a:buFontTx/>
+                        <a:buNone/>
+                        <a:tabLst/>
+                        <a:defRPr/>
+                      </a:pPr>
+                      <a:r>
+                        <a:rPr lang="en-US" sz="700" noProof="0" dirty="0">
+                          <a:solidFill>
+                            <a:srgbClr val="003B4C"/>
+                          </a:solidFill>
+                          <a:latin typeface="+mn-lt"/>
+                        </a:rPr>
+                        <a:t>Investment3</a:t>
+                      </a:r>
+                    </a:p>
+                  </a:txBody>
+                  <a:tcPr marL="0" marR="0" marT="0" marB="0" anchor="ctr">
+                    <a:lnL>
+                      <a:noFill/>
+                    </a:lnL>
+                    <a:lnR cap="flat">
+                      <a:noFill/>
+                    </a:lnR>
+                    <a:lnT w="9525" cap="flat" cmpd="sng" algn="ctr">
+                      <a:solidFill>
+                        <a:schemeClr val="bg2"/>
+                      </a:solidFill>
+                      <a:prstDash val="solid"/>
+                      <a:round/>
+                      <a:headEnd type="none" w="med" len="med"/>
+                      <a:tailEnd type="none" w="med" len="med"/>
+                    </a:lnT>
+                    <a:lnB w="9525" cap="flat" cmpd="sng" algn="ctr">
+                      <a:solidFill>
+                        <a:schemeClr val="bg2"/>
+                      </a:solidFill>
+                      <a:prstDash val="solid"/>
+                      <a:round/>
+                      <a:headEnd type="none" w="med" len="med"/>
+                      <a:tailEnd type="none" w="med" len="med"/>
+                    </a:lnB>
+                    <a:lnTlToBr>
+                      <a:noFill/>
+                    </a:lnTlToBr>
+                    <a:lnBlToTr>
+                      <a:noFill/>
+                    </a:lnBlToTr>
+                    <a:solidFill>
+                      <a:srgbClr val="FFFFFF"/>
+                    </a:solidFill>
+                  </a:tcPr>
+                </a:tc>
+                <a:extLst>
+                  <a:ext uri="{0D108BD9-81ED-4DB2-BD59-A6C34878D82A}">
+                    <a16:rowId xmlns:a16="http://schemas.microsoft.com/office/drawing/2014/main" val="1403494977"/>
+                  </a:ext>
+                </a:extLst>
+              </a:tr>
+            </a:tbl>
+          </a:graphicData>
+        </a:graphic>
+      </p:graphicFrame>
+      <p:pic>
+        <p:nvPicPr>
+          <p:cNvPr id="4" name="Picture 3" descr="daus.global.png"/>
+          <p:cNvPicPr>
+            <a:picLocks noChangeAspect="1"/>
+          </p:cNvPicPr>
+          <p:nvPr/>
+        </p:nvPicPr>
+        <p:blipFill>
+          <a:blip r:embed="rId2"/>
+          <a:stretch>
+            <a:fillRect/>
+          </a:stretch>
+        </p:blipFill>
+        <p:spPr>
+          <a:xfrm>
+            <a:off x="4324245" y="1465053"/>
+            <a:ext cx="1393299" cy="472645"/>
+          </a:xfrm>
+          <a:prstGeom prst="rect">
+            <a:avLst/>
+          </a:prstGeom>
+        </p:spPr>
+      </p:pic>
+      <p:pic>
+        <p:nvPicPr>
+          <p:cNvPr id="5" name="Picture 4" descr="agrotools.br.png"/>
           <p:cNvPicPr>
             <a:picLocks noChangeAspect="1"/>
           </p:cNvPicPr>
@@ -25307,8 +32557,128 @@
         </p:blipFill>
         <p:spPr>
           <a:xfrm>
-            <a:off x="1915332" y="2333816"/>
-            <a:ext cx="309090" cy="280872"/>
+            <a:off x="5872355" y="1465053"/>
+            <a:ext cx="1393299" cy="472645"/>
+          </a:xfrm>
+          <a:prstGeom prst="rect">
+            <a:avLst/>
+          </a:prstGeom>
+        </p:spPr>
+      </p:pic>
+      <p:pic>
+        <p:nvPicPr>
+          <p:cNvPr id="6" name="Picture 5" descr="skyone.solutions.png"/>
+          <p:cNvPicPr>
+            <a:picLocks noChangeAspect="1"/>
+          </p:cNvPicPr>
+          <p:nvPr/>
+        </p:nvPicPr>
+        <p:blipFill>
+          <a:blip r:embed="rId4"/>
+          <a:stretch>
+            <a:fillRect/>
+          </a:stretch>
+        </p:blipFill>
+        <p:spPr>
+          <a:xfrm>
+            <a:off x="7420465" y="1465053"/>
+            <a:ext cx="1393299" cy="472645"/>
+          </a:xfrm>
+          <a:prstGeom prst="rect">
+            <a:avLst/>
+          </a:prstGeom>
+        </p:spPr>
+      </p:pic>
+      <p:pic>
+        <p:nvPicPr>
+          <p:cNvPr id="7" name="Picture 6" descr="grupo-pegasus.png"/>
+          <p:cNvPicPr>
+            <a:picLocks noChangeAspect="1"/>
+          </p:cNvPicPr>
+          <p:nvPr/>
+        </p:nvPicPr>
+        <p:blipFill>
+          <a:blip r:embed="rId5"/>
+          <a:stretch>
+            <a:fillRect/>
+          </a:stretch>
+        </p:blipFill>
+        <p:spPr>
+          <a:xfrm>
+            <a:off x="570789" y="2408715"/>
+            <a:ext cx="1390906" cy="561745"/>
+          </a:xfrm>
+          <a:prstGeom prst="rect">
+            <a:avLst/>
+          </a:prstGeom>
+        </p:spPr>
+      </p:pic>
+      <p:pic>
+        <p:nvPicPr>
+          <p:cNvPr id="8" name="Picture 7" descr="farmacity.png"/>
+          <p:cNvPicPr>
+            <a:picLocks noChangeAspect="1"/>
+          </p:cNvPicPr>
+          <p:nvPr/>
+        </p:nvPicPr>
+        <p:blipFill>
+          <a:blip r:embed="rId6"/>
+          <a:stretch>
+            <a:fillRect/>
+          </a:stretch>
+        </p:blipFill>
+        <p:spPr>
+          <a:xfrm>
+            <a:off x="4324245" y="2408715"/>
+            <a:ext cx="1393299" cy="468121"/>
+          </a:xfrm>
+          <a:prstGeom prst="rect">
+            <a:avLst/>
+          </a:prstGeom>
+        </p:spPr>
+      </p:pic>
+      <p:pic>
+        <p:nvPicPr>
+          <p:cNvPr id="9" name="Picture 8" descr="viajerohostels.png"/>
+          <p:cNvPicPr>
+            <a:picLocks noChangeAspect="1"/>
+          </p:cNvPicPr>
+          <p:nvPr/>
+        </p:nvPicPr>
+        <p:blipFill>
+          <a:blip r:embed="rId7"/>
+          <a:stretch>
+            <a:fillRect/>
+          </a:stretch>
+        </p:blipFill>
+        <p:spPr>
+          <a:xfrm>
+            <a:off x="5872355" y="2408715"/>
+            <a:ext cx="1393299" cy="468121"/>
+          </a:xfrm>
+          <a:prstGeom prst="rect">
+            <a:avLst/>
+          </a:prstGeom>
+        </p:spPr>
+      </p:pic>
+      <p:pic>
+        <p:nvPicPr>
+          <p:cNvPr id="10" name="Picture 9" descr="realtyarg.png"/>
+          <p:cNvPicPr>
+            <a:picLocks noChangeAspect="1"/>
+          </p:cNvPicPr>
+          <p:nvPr/>
+        </p:nvPicPr>
+        <p:blipFill>
+          <a:blip r:embed="rId8"/>
+          <a:stretch>
+            <a:fillRect/>
+          </a:stretch>
+        </p:blipFill>
+        <p:spPr>
+          <a:xfrm>
+            <a:off x="7420465" y="2408715"/>
+            <a:ext cx="1393299" cy="468121"/>
           </a:xfrm>
           <a:prstGeom prst="rect">
             <a:avLst/>

--- a/buyers_presentation.pptx
+++ b/buyers_presentation.pptx
@@ -32519,7 +32519,7 @@
       </p:graphicFrame>
       <p:pic>
         <p:nvPicPr>
-          <p:cNvPr id="4" name="Picture 3" descr="daus.global.png"/>
+          <p:cNvPr id="4" name="Picture 3" descr="2bcapital.br.png"/>
           <p:cNvPicPr>
             <a:picLocks noChangeAspect="1"/>
           </p:cNvPicPr>
@@ -32527,6 +32527,30 @@
         </p:nvPicPr>
         <p:blipFill>
           <a:blip r:embed="rId2"/>
+          <a:stretch>
+            <a:fillRect/>
+          </a:stretch>
+        </p:blipFill>
+        <p:spPr>
+          <a:xfrm>
+            <a:off x="570789" y="1465053"/>
+            <a:ext cx="1390906" cy="567174"/>
+          </a:xfrm>
+          <a:prstGeom prst="rect">
+            <a:avLst/>
+          </a:prstGeom>
+        </p:spPr>
+      </p:pic>
+      <p:pic>
+        <p:nvPicPr>
+          <p:cNvPr id="5" name="Picture 4" descr="daus.global.png"/>
+          <p:cNvPicPr>
+            <a:picLocks noChangeAspect="1"/>
+          </p:cNvPicPr>
+          <p:nvPr/>
+        </p:nvPicPr>
+        <p:blipFill>
+          <a:blip r:embed="rId3"/>
           <a:stretch>
             <a:fillRect/>
           </a:stretch>
@@ -32543,14 +32567,14 @@
       </p:pic>
       <p:pic>
         <p:nvPicPr>
-          <p:cNvPr id="5" name="Picture 4" descr="agrotools.br.png"/>
+          <p:cNvPr id="6" name="Picture 5" descr="agrotools.br.png"/>
           <p:cNvPicPr>
             <a:picLocks noChangeAspect="1"/>
           </p:cNvPicPr>
           <p:nvPr/>
         </p:nvPicPr>
         <p:blipFill>
-          <a:blip r:embed="rId3"/>
+          <a:blip r:embed="rId4"/>
           <a:stretch>
             <a:fillRect/>
           </a:stretch>
@@ -32567,14 +32591,14 @@
       </p:pic>
       <p:pic>
         <p:nvPicPr>
-          <p:cNvPr id="6" name="Picture 5" descr="skyone.solutions.png"/>
+          <p:cNvPr id="7" name="Picture 6" descr="skyone.solutions.png"/>
           <p:cNvPicPr>
             <a:picLocks noChangeAspect="1"/>
           </p:cNvPicPr>
           <p:nvPr/>
         </p:nvPicPr>
         <p:blipFill>
-          <a:blip r:embed="rId4"/>
+          <a:blip r:embed="rId5"/>
           <a:stretch>
             <a:fillRect/>
           </a:stretch>
@@ -32591,14 +32615,14 @@
       </p:pic>
       <p:pic>
         <p:nvPicPr>
-          <p:cNvPr id="7" name="Picture 6" descr="grupo-pegasus.png"/>
+          <p:cNvPr id="8" name="Picture 7" descr="grupo-pegasus.png"/>
           <p:cNvPicPr>
             <a:picLocks noChangeAspect="1"/>
           </p:cNvPicPr>
           <p:nvPr/>
         </p:nvPicPr>
         <p:blipFill>
-          <a:blip r:embed="rId5"/>
+          <a:blip r:embed="rId6"/>
           <a:stretch>
             <a:fillRect/>
           </a:stretch>
@@ -32615,14 +32639,14 @@
       </p:pic>
       <p:pic>
         <p:nvPicPr>
-          <p:cNvPr id="8" name="Picture 7" descr="farmacity.png"/>
+          <p:cNvPr id="9" name="Picture 8" descr="farmacity.png"/>
           <p:cNvPicPr>
             <a:picLocks noChangeAspect="1"/>
           </p:cNvPicPr>
           <p:nvPr/>
         </p:nvPicPr>
         <p:blipFill>
-          <a:blip r:embed="rId6"/>
+          <a:blip r:embed="rId7"/>
           <a:stretch>
             <a:fillRect/>
           </a:stretch>
@@ -32639,14 +32663,14 @@
       </p:pic>
       <p:pic>
         <p:nvPicPr>
-          <p:cNvPr id="9" name="Picture 8" descr="viajerohostels.png"/>
+          <p:cNvPr id="10" name="Picture 9" descr="viajerohostels.png"/>
           <p:cNvPicPr>
             <a:picLocks noChangeAspect="1"/>
           </p:cNvPicPr>
           <p:nvPr/>
         </p:nvPicPr>
         <p:blipFill>
-          <a:blip r:embed="rId7"/>
+          <a:blip r:embed="rId8"/>
           <a:stretch>
             <a:fillRect/>
           </a:stretch>
@@ -32663,14 +32687,14 @@
       </p:pic>
       <p:pic>
         <p:nvPicPr>
-          <p:cNvPr id="10" name="Picture 9" descr="realtyarg.png"/>
+          <p:cNvPr id="11" name="Picture 10" descr="realtyarg.png"/>
           <p:cNvPicPr>
             <a:picLocks noChangeAspect="1"/>
           </p:cNvPicPr>
           <p:nvPr/>
         </p:nvPicPr>
         <p:blipFill>
-          <a:blip r:embed="rId8"/>
+          <a:blip r:embed="rId9"/>
           <a:stretch>
             <a:fillRect/>
           </a:stretch>
